--- a/figures/poster-figs/experimental-fig.pptx
+++ b/figures/poster-figs/experimental-fig.pptx
@@ -6,6 +6,8 @@
   </p:sldMasterIdLst>
   <p:sldIdLst>
     <p:sldId id="256" r:id="rId2"/>
+    <p:sldId id="257" r:id="rId3"/>
+    <p:sldId id="258" r:id="rId4"/>
   </p:sldIdLst>
   <p:sldSz cx="12192000" cy="6858000"/>
   <p:notesSz cx="6858000" cy="9144000"/>
@@ -104,6 +106,11 @@
       </a:defRPr>
     </a:lvl9pPr>
   </p:defaultTextStyle>
+  <p:extLst>
+    <p:ext uri="{EFAFB233-063F-42B5-8137-9DF3F51BA10A}">
+      <p15:sldGuideLst xmlns:p15="http://schemas.microsoft.com/office/powerpoint/2012/main"/>
+    </p:ext>
+  </p:extLst>
 </p:presentation>
 </file>
 
@@ -254,7 +261,7 @@
           <a:p>
             <a:fld id="{FBE72D6D-870A-314D-B7C1-0CC9BD418398}" type="datetimeFigureOut">
               <a:rPr lang="en-US" smtClean="0"/>
-              <a:t>5/23/23</a:t>
+              <a:t>5/24/23</a:t>
             </a:fld>
             <a:endParaRPr lang="en-US"/>
           </a:p>
@@ -452,7 +459,7 @@
           <a:p>
             <a:fld id="{FBE72D6D-870A-314D-B7C1-0CC9BD418398}" type="datetimeFigureOut">
               <a:rPr lang="en-US" smtClean="0"/>
-              <a:t>5/23/23</a:t>
+              <a:t>5/24/23</a:t>
             </a:fld>
             <a:endParaRPr lang="en-US"/>
           </a:p>
@@ -660,7 +667,7 @@
           <a:p>
             <a:fld id="{FBE72D6D-870A-314D-B7C1-0CC9BD418398}" type="datetimeFigureOut">
               <a:rPr lang="en-US" smtClean="0"/>
-              <a:t>5/23/23</a:t>
+              <a:t>5/24/23</a:t>
             </a:fld>
             <a:endParaRPr lang="en-US"/>
           </a:p>
@@ -858,7 +865,7 @@
           <a:p>
             <a:fld id="{FBE72D6D-870A-314D-B7C1-0CC9BD418398}" type="datetimeFigureOut">
               <a:rPr lang="en-US" smtClean="0"/>
-              <a:t>5/23/23</a:t>
+              <a:t>5/24/23</a:t>
             </a:fld>
             <a:endParaRPr lang="en-US"/>
           </a:p>
@@ -1133,7 +1140,7 @@
           <a:p>
             <a:fld id="{FBE72D6D-870A-314D-B7C1-0CC9BD418398}" type="datetimeFigureOut">
               <a:rPr lang="en-US" smtClean="0"/>
-              <a:t>5/23/23</a:t>
+              <a:t>5/24/23</a:t>
             </a:fld>
             <a:endParaRPr lang="en-US"/>
           </a:p>
@@ -1398,7 +1405,7 @@
           <a:p>
             <a:fld id="{FBE72D6D-870A-314D-B7C1-0CC9BD418398}" type="datetimeFigureOut">
               <a:rPr lang="en-US" smtClean="0"/>
-              <a:t>5/23/23</a:t>
+              <a:t>5/24/23</a:t>
             </a:fld>
             <a:endParaRPr lang="en-US"/>
           </a:p>
@@ -1810,7 +1817,7 @@
           <a:p>
             <a:fld id="{FBE72D6D-870A-314D-B7C1-0CC9BD418398}" type="datetimeFigureOut">
               <a:rPr lang="en-US" smtClean="0"/>
-              <a:t>5/23/23</a:t>
+              <a:t>5/24/23</a:t>
             </a:fld>
             <a:endParaRPr lang="en-US"/>
           </a:p>
@@ -1951,7 +1958,7 @@
           <a:p>
             <a:fld id="{FBE72D6D-870A-314D-B7C1-0CC9BD418398}" type="datetimeFigureOut">
               <a:rPr lang="en-US" smtClean="0"/>
-              <a:t>5/23/23</a:t>
+              <a:t>5/24/23</a:t>
             </a:fld>
             <a:endParaRPr lang="en-US"/>
           </a:p>
@@ -2064,7 +2071,7 @@
           <a:p>
             <a:fld id="{FBE72D6D-870A-314D-B7C1-0CC9BD418398}" type="datetimeFigureOut">
               <a:rPr lang="en-US" smtClean="0"/>
-              <a:t>5/23/23</a:t>
+              <a:t>5/24/23</a:t>
             </a:fld>
             <a:endParaRPr lang="en-US"/>
           </a:p>
@@ -2375,7 +2382,7 @@
           <a:p>
             <a:fld id="{FBE72D6D-870A-314D-B7C1-0CC9BD418398}" type="datetimeFigureOut">
               <a:rPr lang="en-US" smtClean="0"/>
-              <a:t>5/23/23</a:t>
+              <a:t>5/24/23</a:t>
             </a:fld>
             <a:endParaRPr lang="en-US"/>
           </a:p>
@@ -2663,7 +2670,7 @@
           <a:p>
             <a:fld id="{FBE72D6D-870A-314D-B7C1-0CC9BD418398}" type="datetimeFigureOut">
               <a:rPr lang="en-US" smtClean="0"/>
-              <a:t>5/23/23</a:t>
+              <a:t>5/24/23</a:t>
             </a:fld>
             <a:endParaRPr lang="en-US"/>
           </a:p>
@@ -2904,7 +2911,7 @@
           <a:p>
             <a:fld id="{FBE72D6D-870A-314D-B7C1-0CC9BD418398}" type="datetimeFigureOut">
               <a:rPr lang="en-US" smtClean="0"/>
-              <a:t>5/23/23</a:t>
+              <a:t>5/24/23</a:t>
             </a:fld>
             <a:endParaRPr lang="en-US"/>
           </a:p>
@@ -3321,12 +3328,531 @@
           <a:chExt cx="0" cy="0"/>
         </a:xfrm>
       </p:grpSpPr>
+      <p:pic>
+        <p:nvPicPr>
+          <p:cNvPr id="5" name="Picture 4" descr="A picture containing text, diagram, plot, line&#10;&#10;Description automatically generated">
+            <a:extLst>
+              <a:ext uri="{FF2B5EF4-FFF2-40B4-BE49-F238E27FC236}">
+                <a16:creationId xmlns:a16="http://schemas.microsoft.com/office/drawing/2014/main" id="{2709F689-B7E3-CC7C-E0DC-1E3B05EF323F}"/>
+              </a:ext>
+            </a:extLst>
+          </p:cNvPr>
+          <p:cNvPicPr>
+            <a:picLocks noChangeAspect="1"/>
+          </p:cNvPicPr>
+          <p:nvPr/>
+        </p:nvPicPr>
+        <p:blipFill>
+          <a:blip r:embed="rId2"/>
+          <a:stretch>
+            <a:fillRect/>
+          </a:stretch>
+        </p:blipFill>
+        <p:spPr>
+          <a:xfrm>
+            <a:off x="1768927" y="0"/>
+            <a:ext cx="8654143" cy="6858000"/>
+          </a:xfrm>
+          <a:prstGeom prst="rect">
+            <a:avLst/>
+          </a:prstGeom>
+        </p:spPr>
+      </p:pic>
+      <p:cxnSp>
+        <p:nvCxnSpPr>
+          <p:cNvPr id="6" name="Straight Connector 5">
+            <a:extLst>
+              <a:ext uri="{FF2B5EF4-FFF2-40B4-BE49-F238E27FC236}">
+                <a16:creationId xmlns:a16="http://schemas.microsoft.com/office/drawing/2014/main" id="{75B546DF-C23D-5655-765D-2D63ECE30517}"/>
+              </a:ext>
+            </a:extLst>
+          </p:cNvPr>
+          <p:cNvCxnSpPr>
+            <a:cxnSpLocks/>
+          </p:cNvCxnSpPr>
+          <p:nvPr/>
+        </p:nvCxnSpPr>
+        <p:spPr>
+          <a:xfrm>
+            <a:off x="6863702" y="2169899"/>
+            <a:ext cx="552261" cy="0"/>
+          </a:xfrm>
+          <a:prstGeom prst="line">
+            <a:avLst/>
+          </a:prstGeom>
+        </p:spPr>
+        <p:style>
+          <a:lnRef idx="1">
+            <a:schemeClr val="dk1"/>
+          </a:lnRef>
+          <a:fillRef idx="0">
+            <a:schemeClr val="dk1"/>
+          </a:fillRef>
+          <a:effectRef idx="0">
+            <a:schemeClr val="dk1"/>
+          </a:effectRef>
+          <a:fontRef idx="minor">
+            <a:schemeClr val="tx1"/>
+          </a:fontRef>
+        </p:style>
+      </p:cxnSp>
+      <p:sp>
+        <p:nvSpPr>
+          <p:cNvPr id="7" name="TextBox 6">
+            <a:extLst>
+              <a:ext uri="{FF2B5EF4-FFF2-40B4-BE49-F238E27FC236}">
+                <a16:creationId xmlns:a16="http://schemas.microsoft.com/office/drawing/2014/main" id="{907D2949-5BFA-18E9-321D-EE15B99086F0}"/>
+              </a:ext>
+            </a:extLst>
+          </p:cNvPr>
+          <p:cNvSpPr txBox="1"/>
+          <p:nvPr/>
+        </p:nvSpPr>
+        <p:spPr>
+          <a:xfrm>
+            <a:off x="6935707" y="1949991"/>
+            <a:ext cx="480256" cy="261610"/>
+          </a:xfrm>
+          <a:prstGeom prst="rect">
+            <a:avLst/>
+          </a:prstGeom>
+          <a:noFill/>
+        </p:spPr>
+        <p:txBody>
+          <a:bodyPr wrap="square" rtlCol="0">
+            <a:spAutoFit/>
+          </a:bodyPr>
+          <a:lstStyle/>
+          <a:p>
+            <a:pPr algn="ctr"/>
+            <a:r>
+              <a:rPr lang="en-US" sz="1100" dirty="0">
+                <a:latin typeface="Arial" panose="020B0604020202020204" pitchFamily="34" charset="0"/>
+                <a:cs typeface="Arial" panose="020B0604020202020204" pitchFamily="34" charset="0"/>
+              </a:rPr>
+              <a:t>ns</a:t>
+            </a:r>
+          </a:p>
+        </p:txBody>
+      </p:sp>
+      <p:cxnSp>
+        <p:nvCxnSpPr>
+          <p:cNvPr id="8" name="Straight Connector 7">
+            <a:extLst>
+              <a:ext uri="{FF2B5EF4-FFF2-40B4-BE49-F238E27FC236}">
+                <a16:creationId xmlns:a16="http://schemas.microsoft.com/office/drawing/2014/main" id="{81A490F0-25CC-EDA6-1821-BFB5CE3462C8}"/>
+              </a:ext>
+            </a:extLst>
+          </p:cNvPr>
+          <p:cNvCxnSpPr>
+            <a:cxnSpLocks/>
+          </p:cNvCxnSpPr>
+          <p:nvPr/>
+        </p:nvCxnSpPr>
+        <p:spPr>
+          <a:xfrm>
+            <a:off x="3037672" y="4539714"/>
+            <a:ext cx="2543731" cy="0"/>
+          </a:xfrm>
+          <a:prstGeom prst="line">
+            <a:avLst/>
+          </a:prstGeom>
+        </p:spPr>
+        <p:style>
+          <a:lnRef idx="1">
+            <a:schemeClr val="dk1"/>
+          </a:lnRef>
+          <a:fillRef idx="0">
+            <a:schemeClr val="dk1"/>
+          </a:fillRef>
+          <a:effectRef idx="0">
+            <a:schemeClr val="dk1"/>
+          </a:effectRef>
+          <a:fontRef idx="minor">
+            <a:schemeClr val="tx1"/>
+          </a:fontRef>
+        </p:style>
+      </p:cxnSp>
+      <p:sp>
+        <p:nvSpPr>
+          <p:cNvPr id="9" name="TextBox 8">
+            <a:extLst>
+              <a:ext uri="{FF2B5EF4-FFF2-40B4-BE49-F238E27FC236}">
+                <a16:creationId xmlns:a16="http://schemas.microsoft.com/office/drawing/2014/main" id="{BCA9CC91-9FB8-46B2-3337-39460C602933}"/>
+              </a:ext>
+            </a:extLst>
+          </p:cNvPr>
+          <p:cNvSpPr txBox="1"/>
+          <p:nvPr/>
+        </p:nvSpPr>
+        <p:spPr>
+          <a:xfrm>
+            <a:off x="3808145" y="4319806"/>
+            <a:ext cx="1002785" cy="261610"/>
+          </a:xfrm>
+          <a:prstGeom prst="rect">
+            <a:avLst/>
+          </a:prstGeom>
+          <a:noFill/>
+        </p:spPr>
+        <p:txBody>
+          <a:bodyPr wrap="square" rtlCol="0">
+            <a:spAutoFit/>
+          </a:bodyPr>
+          <a:lstStyle/>
+          <a:p>
+            <a:pPr algn="ctr"/>
+            <a:r>
+              <a:rPr lang="en-US" sz="1100" dirty="0">
+                <a:latin typeface="Arial" panose="020B0604020202020204" pitchFamily="34" charset="0"/>
+                <a:cs typeface="Arial" panose="020B0604020202020204" pitchFamily="34" charset="0"/>
+              </a:rPr>
+              <a:t>ns</a:t>
+            </a:r>
+          </a:p>
+        </p:txBody>
+      </p:sp>
+      <p:cxnSp>
+        <p:nvCxnSpPr>
+          <p:cNvPr id="12" name="Straight Connector 11">
+            <a:extLst>
+              <a:ext uri="{FF2B5EF4-FFF2-40B4-BE49-F238E27FC236}">
+                <a16:creationId xmlns:a16="http://schemas.microsoft.com/office/drawing/2014/main" id="{EF01A150-E42A-435F-64BA-3F8A34A05FA4}"/>
+              </a:ext>
+            </a:extLst>
+          </p:cNvPr>
+          <p:cNvCxnSpPr>
+            <a:cxnSpLocks/>
+          </p:cNvCxnSpPr>
+          <p:nvPr/>
+        </p:nvCxnSpPr>
+        <p:spPr>
+          <a:xfrm>
+            <a:off x="3002047" y="3959816"/>
+            <a:ext cx="1271865" cy="0"/>
+          </a:xfrm>
+          <a:prstGeom prst="line">
+            <a:avLst/>
+          </a:prstGeom>
+        </p:spPr>
+        <p:style>
+          <a:lnRef idx="1">
+            <a:schemeClr val="dk1"/>
+          </a:lnRef>
+          <a:fillRef idx="0">
+            <a:schemeClr val="dk1"/>
+          </a:fillRef>
+          <a:effectRef idx="0">
+            <a:schemeClr val="dk1"/>
+          </a:effectRef>
+          <a:fontRef idx="minor">
+            <a:schemeClr val="tx1"/>
+          </a:fontRef>
+        </p:style>
+      </p:cxnSp>
+      <p:sp>
+        <p:nvSpPr>
+          <p:cNvPr id="13" name="TextBox 12">
+            <a:extLst>
+              <a:ext uri="{FF2B5EF4-FFF2-40B4-BE49-F238E27FC236}">
+                <a16:creationId xmlns:a16="http://schemas.microsoft.com/office/drawing/2014/main" id="{4C1EEB38-A8E7-9993-73EC-38F80C605365}"/>
+              </a:ext>
+            </a:extLst>
+          </p:cNvPr>
+          <p:cNvSpPr txBox="1"/>
+          <p:nvPr/>
+        </p:nvSpPr>
+        <p:spPr>
+          <a:xfrm>
+            <a:off x="3387217" y="3738933"/>
+            <a:ext cx="501306" cy="276999"/>
+          </a:xfrm>
+          <a:prstGeom prst="rect">
+            <a:avLst/>
+          </a:prstGeom>
+          <a:noFill/>
+        </p:spPr>
+        <p:txBody>
+          <a:bodyPr wrap="square" rtlCol="0">
+            <a:spAutoFit/>
+          </a:bodyPr>
+          <a:lstStyle/>
+          <a:p>
+            <a:pPr algn="ctr"/>
+            <a:r>
+              <a:rPr lang="en-US" sz="1200" dirty="0">
+                <a:cs typeface="Arial" panose="020B0604020202020204" pitchFamily="34" charset="0"/>
+              </a:rPr>
+              <a:t>***</a:t>
+            </a:r>
+          </a:p>
+        </p:txBody>
+      </p:sp>
+      <p:cxnSp>
+        <p:nvCxnSpPr>
+          <p:cNvPr id="17" name="Straight Connector 16">
+            <a:extLst>
+              <a:ext uri="{FF2B5EF4-FFF2-40B4-BE49-F238E27FC236}">
+                <a16:creationId xmlns:a16="http://schemas.microsoft.com/office/drawing/2014/main" id="{E171B44B-D1EA-74E9-2315-A609FA1C9C62}"/>
+              </a:ext>
+            </a:extLst>
+          </p:cNvPr>
+          <p:cNvCxnSpPr>
+            <a:cxnSpLocks/>
+          </p:cNvCxnSpPr>
+          <p:nvPr/>
+        </p:nvCxnSpPr>
+        <p:spPr>
+          <a:xfrm>
+            <a:off x="3039096" y="1177018"/>
+            <a:ext cx="2543731" cy="0"/>
+          </a:xfrm>
+          <a:prstGeom prst="line">
+            <a:avLst/>
+          </a:prstGeom>
+        </p:spPr>
+        <p:style>
+          <a:lnRef idx="1">
+            <a:schemeClr val="dk1"/>
+          </a:lnRef>
+          <a:fillRef idx="0">
+            <a:schemeClr val="dk1"/>
+          </a:fillRef>
+          <a:effectRef idx="0">
+            <a:schemeClr val="dk1"/>
+          </a:effectRef>
+          <a:fontRef idx="minor">
+            <a:schemeClr val="tx1"/>
+          </a:fontRef>
+        </p:style>
+      </p:cxnSp>
+      <p:sp>
+        <p:nvSpPr>
+          <p:cNvPr id="18" name="TextBox 17">
+            <a:extLst>
+              <a:ext uri="{FF2B5EF4-FFF2-40B4-BE49-F238E27FC236}">
+                <a16:creationId xmlns:a16="http://schemas.microsoft.com/office/drawing/2014/main" id="{75534095-F6C3-6257-DE17-327C1A6B2410}"/>
+              </a:ext>
+            </a:extLst>
+          </p:cNvPr>
+          <p:cNvSpPr txBox="1"/>
+          <p:nvPr/>
+        </p:nvSpPr>
+        <p:spPr>
+          <a:xfrm>
+            <a:off x="3809569" y="957110"/>
+            <a:ext cx="1002785" cy="261610"/>
+          </a:xfrm>
+          <a:prstGeom prst="rect">
+            <a:avLst/>
+          </a:prstGeom>
+          <a:noFill/>
+        </p:spPr>
+        <p:txBody>
+          <a:bodyPr wrap="square" rtlCol="0">
+            <a:spAutoFit/>
+          </a:bodyPr>
+          <a:lstStyle/>
+          <a:p>
+            <a:pPr algn="ctr"/>
+            <a:r>
+              <a:rPr lang="en-US" sz="1100" dirty="0">
+                <a:latin typeface="Arial" panose="020B0604020202020204" pitchFamily="34" charset="0"/>
+                <a:cs typeface="Arial" panose="020B0604020202020204" pitchFamily="34" charset="0"/>
+              </a:rPr>
+              <a:t>ns</a:t>
+            </a:r>
+          </a:p>
+        </p:txBody>
+      </p:sp>
+      <p:cxnSp>
+        <p:nvCxnSpPr>
+          <p:cNvPr id="19" name="Straight Connector 18">
+            <a:extLst>
+              <a:ext uri="{FF2B5EF4-FFF2-40B4-BE49-F238E27FC236}">
+                <a16:creationId xmlns:a16="http://schemas.microsoft.com/office/drawing/2014/main" id="{A5994FDF-D521-8B0B-6B3C-9A3263114083}"/>
+              </a:ext>
+            </a:extLst>
+          </p:cNvPr>
+          <p:cNvCxnSpPr>
+            <a:cxnSpLocks/>
+          </p:cNvCxnSpPr>
+          <p:nvPr/>
+        </p:nvCxnSpPr>
+        <p:spPr>
+          <a:xfrm>
+            <a:off x="3037672" y="735619"/>
+            <a:ext cx="1271865" cy="0"/>
+          </a:xfrm>
+          <a:prstGeom prst="line">
+            <a:avLst/>
+          </a:prstGeom>
+        </p:spPr>
+        <p:style>
+          <a:lnRef idx="1">
+            <a:schemeClr val="dk1"/>
+          </a:lnRef>
+          <a:fillRef idx="0">
+            <a:schemeClr val="dk1"/>
+          </a:fillRef>
+          <a:effectRef idx="0">
+            <a:schemeClr val="dk1"/>
+          </a:effectRef>
+          <a:fontRef idx="minor">
+            <a:schemeClr val="tx1"/>
+          </a:fontRef>
+        </p:style>
+      </p:cxnSp>
+      <p:sp>
+        <p:nvSpPr>
+          <p:cNvPr id="20" name="TextBox 19">
+            <a:extLst>
+              <a:ext uri="{FF2B5EF4-FFF2-40B4-BE49-F238E27FC236}">
+                <a16:creationId xmlns:a16="http://schemas.microsoft.com/office/drawing/2014/main" id="{4615212A-0F11-267D-8EDE-ED62BCD44D5E}"/>
+              </a:ext>
+            </a:extLst>
+          </p:cNvPr>
+          <p:cNvSpPr txBox="1"/>
+          <p:nvPr/>
+        </p:nvSpPr>
+        <p:spPr>
+          <a:xfrm>
+            <a:off x="3422842" y="514736"/>
+            <a:ext cx="501306" cy="276999"/>
+          </a:xfrm>
+          <a:prstGeom prst="rect">
+            <a:avLst/>
+          </a:prstGeom>
+          <a:noFill/>
+        </p:spPr>
+        <p:txBody>
+          <a:bodyPr wrap="square" rtlCol="0">
+            <a:spAutoFit/>
+          </a:bodyPr>
+          <a:lstStyle/>
+          <a:p>
+            <a:pPr algn="ctr"/>
+            <a:r>
+              <a:rPr lang="en-US" sz="1200" dirty="0">
+                <a:cs typeface="Arial" panose="020B0604020202020204" pitchFamily="34" charset="0"/>
+              </a:rPr>
+              <a:t>***</a:t>
+            </a:r>
+          </a:p>
+        </p:txBody>
+      </p:sp>
+      <p:cxnSp>
+        <p:nvCxnSpPr>
+          <p:cNvPr id="21" name="Straight Connector 20">
+            <a:extLst>
+              <a:ext uri="{FF2B5EF4-FFF2-40B4-BE49-F238E27FC236}">
+                <a16:creationId xmlns:a16="http://schemas.microsoft.com/office/drawing/2014/main" id="{3274C34B-2EB8-7C12-1844-1CC02F858D76}"/>
+              </a:ext>
+            </a:extLst>
+          </p:cNvPr>
+          <p:cNvCxnSpPr>
+            <a:cxnSpLocks/>
+          </p:cNvCxnSpPr>
+          <p:nvPr/>
+        </p:nvCxnSpPr>
+        <p:spPr>
+          <a:xfrm>
+            <a:off x="4151357" y="606646"/>
+            <a:ext cx="1026284" cy="0"/>
+          </a:xfrm>
+          <a:prstGeom prst="line">
+            <a:avLst/>
+          </a:prstGeom>
+        </p:spPr>
+        <p:style>
+          <a:lnRef idx="1">
+            <a:schemeClr val="dk1"/>
+          </a:lnRef>
+          <a:fillRef idx="0">
+            <a:schemeClr val="dk1"/>
+          </a:fillRef>
+          <a:effectRef idx="0">
+            <a:schemeClr val="dk1"/>
+          </a:effectRef>
+          <a:fontRef idx="minor">
+            <a:schemeClr val="tx1"/>
+          </a:fontRef>
+        </p:style>
+      </p:cxnSp>
+      <p:sp>
+        <p:nvSpPr>
+          <p:cNvPr id="22" name="TextBox 21">
+            <a:extLst>
+              <a:ext uri="{FF2B5EF4-FFF2-40B4-BE49-F238E27FC236}">
+                <a16:creationId xmlns:a16="http://schemas.microsoft.com/office/drawing/2014/main" id="{661A8D34-FFE8-B958-664B-F16F67825847}"/>
+              </a:ext>
+            </a:extLst>
+          </p:cNvPr>
+          <p:cNvSpPr txBox="1"/>
+          <p:nvPr/>
+        </p:nvSpPr>
+        <p:spPr>
+          <a:xfrm>
+            <a:off x="4413846" y="385763"/>
+            <a:ext cx="501306" cy="276999"/>
+          </a:xfrm>
+          <a:prstGeom prst="rect">
+            <a:avLst/>
+          </a:prstGeom>
+          <a:noFill/>
+        </p:spPr>
+        <p:txBody>
+          <a:bodyPr wrap="square" rtlCol="0">
+            <a:spAutoFit/>
+          </a:bodyPr>
+          <a:lstStyle/>
+          <a:p>
+            <a:pPr algn="ctr"/>
+            <a:r>
+              <a:rPr lang="en-US" sz="1200" dirty="0">
+                <a:cs typeface="Arial" panose="020B0604020202020204" pitchFamily="34" charset="0"/>
+              </a:rPr>
+              <a:t>***</a:t>
+            </a:r>
+          </a:p>
+        </p:txBody>
+      </p:sp>
+    </p:spTree>
+    <p:extLst>
+      <p:ext uri="{BB962C8B-B14F-4D97-AF65-F5344CB8AC3E}">
+        <p14:creationId xmlns:p14="http://schemas.microsoft.com/office/powerpoint/2010/main" val="3282886660"/>
+      </p:ext>
+    </p:extLst>
+  </p:cSld>
+  <p:clrMapOvr>
+    <a:masterClrMapping/>
+  </p:clrMapOvr>
+</p:sld>
+</file>
+
+<file path=ppt/slides/slide2.xml><?xml version="1.0" encoding="utf-8"?>
+<p:sld xmlns:a="http://schemas.openxmlformats.org/drawingml/2006/main" xmlns:r="http://schemas.openxmlformats.org/officeDocument/2006/relationships" xmlns:p="http://schemas.openxmlformats.org/presentationml/2006/main">
+  <p:cSld>
+    <p:spTree>
+      <p:nvGrpSpPr>
+        <p:cNvPr id="1" name=""/>
+        <p:cNvGrpSpPr/>
+        <p:nvPr/>
+      </p:nvGrpSpPr>
+      <p:grpSpPr>
+        <a:xfrm>
+          <a:off x="0" y="0"/>
+          <a:ext cx="0" cy="0"/>
+          <a:chOff x="0" y="0"/>
+          <a:chExt cx="0" cy="0"/>
+        </a:xfrm>
+      </p:grpSpPr>
       <p:grpSp>
         <p:nvGrpSpPr>
-          <p:cNvPr id="24" name="Group 23">
-            <a:extLst>
-              <a:ext uri="{FF2B5EF4-FFF2-40B4-BE49-F238E27FC236}">
-                <a16:creationId xmlns:a16="http://schemas.microsoft.com/office/drawing/2014/main" id="{B4E27108-20FB-A73B-0114-A1F34D911C53}"/>
+          <p:cNvPr id="3" name="Group 2">
+            <a:extLst>
+              <a:ext uri="{FF2B5EF4-FFF2-40B4-BE49-F238E27FC236}">
+                <a16:creationId xmlns:a16="http://schemas.microsoft.com/office/drawing/2014/main" id="{C7B7F95B-FDB8-6C91-9054-D1E1FF793EB8}"/>
               </a:ext>
             </a:extLst>
           </p:cNvPr>
@@ -3335,18 +3861,18 @@
         </p:nvGrpSpPr>
         <p:grpSpPr>
           <a:xfrm>
-            <a:off x="1768927" y="0"/>
-            <a:ext cx="8654143" cy="6858000"/>
-            <a:chOff x="1768927" y="0"/>
-            <a:chExt cx="8654143" cy="6858000"/>
+            <a:off x="820615" y="0"/>
+            <a:ext cx="10550770" cy="6858000"/>
+            <a:chOff x="820615" y="0"/>
+            <a:chExt cx="10550770" cy="6858000"/>
           </a:xfrm>
         </p:grpSpPr>
         <p:pic>
           <p:nvPicPr>
-            <p:cNvPr id="5" name="Picture 4" descr="A picture containing text, diagram, plot, line&#10;&#10;Description automatically generated">
+            <p:cNvPr id="2" name="Picture 1" descr="A picture containing text, line, diagram, plot&#10;&#10;Description automatically generated">
               <a:extLst>
                 <a:ext uri="{FF2B5EF4-FFF2-40B4-BE49-F238E27FC236}">
-                  <a16:creationId xmlns:a16="http://schemas.microsoft.com/office/drawing/2014/main" id="{2709F689-B7E3-CC7C-E0DC-1E3B05EF323F}"/>
+                  <a16:creationId xmlns:a16="http://schemas.microsoft.com/office/drawing/2014/main" id="{DA3BDC45-D983-8A35-2094-BD7B915D7CC7}"/>
                 </a:ext>
               </a:extLst>
             </p:cNvPr>
@@ -3363,8 +3889,8 @@
           </p:blipFill>
           <p:spPr>
             <a:xfrm>
-              <a:off x="1768927" y="0"/>
-              <a:ext cx="8654143" cy="6858000"/>
+              <a:off x="820615" y="0"/>
+              <a:ext cx="10550770" cy="6858000"/>
             </a:xfrm>
             <a:prstGeom prst="rect">
               <a:avLst/>
@@ -3376,7 +3902,7 @@
             <p:cNvPr id="6" name="Straight Connector 5">
               <a:extLst>
                 <a:ext uri="{FF2B5EF4-FFF2-40B4-BE49-F238E27FC236}">
-                  <a16:creationId xmlns:a16="http://schemas.microsoft.com/office/drawing/2014/main" id="{75B546DF-C23D-5655-765D-2D63ECE30517}"/>
+                  <a16:creationId xmlns:a16="http://schemas.microsoft.com/office/drawing/2014/main" id="{16133DF5-8DD3-DE5F-1280-D259AAC59710}"/>
                 </a:ext>
               </a:extLst>
             </p:cNvPr>
@@ -3387,8 +3913,8 @@
           </p:nvCxnSpPr>
           <p:spPr>
             <a:xfrm>
-              <a:off x="6863702" y="2169899"/>
-              <a:ext cx="552261" cy="0"/>
+              <a:off x="2543908" y="2162274"/>
+              <a:ext cx="1512277" cy="0"/>
             </a:xfrm>
             <a:prstGeom prst="line">
               <a:avLst/>
@@ -3414,7 +3940,7 @@
             <p:cNvPr id="7" name="TextBox 6">
               <a:extLst>
                 <a:ext uri="{FF2B5EF4-FFF2-40B4-BE49-F238E27FC236}">
-                  <a16:creationId xmlns:a16="http://schemas.microsoft.com/office/drawing/2014/main" id="{907D2949-5BFA-18E9-321D-EE15B99086F0}"/>
+                  <a16:creationId xmlns:a16="http://schemas.microsoft.com/office/drawing/2014/main" id="{A5189509-A37A-4C1A-0A2A-6317536A5ABF}"/>
                 </a:ext>
               </a:extLst>
             </p:cNvPr>
@@ -3423,8 +3949,85 @@
           </p:nvSpPr>
           <p:spPr>
             <a:xfrm>
-              <a:off x="6935707" y="1949991"/>
-              <a:ext cx="480256" cy="261610"/>
+              <a:off x="2803930" y="1942366"/>
+              <a:ext cx="1002785" cy="276999"/>
+            </a:xfrm>
+            <a:prstGeom prst="rect">
+              <a:avLst/>
+            </a:prstGeom>
+            <a:noFill/>
+          </p:spPr>
+          <p:txBody>
+            <a:bodyPr wrap="square" rtlCol="0">
+              <a:spAutoFit/>
+            </a:bodyPr>
+            <a:lstStyle/>
+            <a:p>
+              <a:pPr algn="ctr"/>
+              <a:r>
+                <a:rPr lang="en-US" sz="1200" dirty="0">
+                  <a:latin typeface="Calibri" panose="020F0502020204030204" pitchFamily="34" charset="0"/>
+                  <a:cs typeface="Calibri" panose="020F0502020204030204" pitchFamily="34" charset="0"/>
+                </a:rPr>
+                <a:t>***</a:t>
+              </a:r>
+            </a:p>
+          </p:txBody>
+        </p:sp>
+        <p:cxnSp>
+          <p:nvCxnSpPr>
+            <p:cNvPr id="32" name="Straight Connector 31">
+              <a:extLst>
+                <a:ext uri="{FF2B5EF4-FFF2-40B4-BE49-F238E27FC236}">
+                  <a16:creationId xmlns:a16="http://schemas.microsoft.com/office/drawing/2014/main" id="{5E36682D-F811-5017-DDD6-7C7DC817D1A5}"/>
+                </a:ext>
+              </a:extLst>
+            </p:cNvPr>
+            <p:cNvCxnSpPr>
+              <a:cxnSpLocks/>
+            </p:cNvCxnSpPr>
+            <p:nvPr/>
+          </p:nvCxnSpPr>
+          <p:spPr>
+            <a:xfrm>
+              <a:off x="9442531" y="2289764"/>
+              <a:ext cx="1523535" cy="0"/>
+            </a:xfrm>
+            <a:prstGeom prst="line">
+              <a:avLst/>
+            </a:prstGeom>
+          </p:spPr>
+          <p:style>
+            <a:lnRef idx="1">
+              <a:schemeClr val="dk1"/>
+            </a:lnRef>
+            <a:fillRef idx="0">
+              <a:schemeClr val="dk1"/>
+            </a:fillRef>
+            <a:effectRef idx="0">
+              <a:schemeClr val="dk1"/>
+            </a:effectRef>
+            <a:fontRef idx="minor">
+              <a:schemeClr val="tx1"/>
+            </a:fontRef>
+          </p:style>
+        </p:cxnSp>
+        <p:sp>
+          <p:nvSpPr>
+            <p:cNvPr id="33" name="TextBox 32">
+              <a:extLst>
+                <a:ext uri="{FF2B5EF4-FFF2-40B4-BE49-F238E27FC236}">
+                  <a16:creationId xmlns:a16="http://schemas.microsoft.com/office/drawing/2014/main" id="{18018D12-C2F6-6285-AFC2-AF6980A4A935}"/>
+                </a:ext>
+              </a:extLst>
+            </p:cNvPr>
+            <p:cNvSpPr txBox="1"/>
+            <p:nvPr/>
+          </p:nvSpPr>
+          <p:spPr>
+            <a:xfrm>
+              <a:off x="9641172" y="2062439"/>
+              <a:ext cx="1126251" cy="437787"/>
             </a:xfrm>
             <a:prstGeom prst="rect">
               <a:avLst/>
@@ -3448,12 +4051,107 @@
             </a:p>
           </p:txBody>
         </p:sp>
+        <p:grpSp>
+          <p:nvGrpSpPr>
+            <p:cNvPr id="40" name="Group 39">
+              <a:extLst>
+                <a:ext uri="{FF2B5EF4-FFF2-40B4-BE49-F238E27FC236}">
+                  <a16:creationId xmlns:a16="http://schemas.microsoft.com/office/drawing/2014/main" id="{004AF5F6-31C7-F776-8857-B618A1F61540}"/>
+                </a:ext>
+              </a:extLst>
+            </p:cNvPr>
+            <p:cNvGrpSpPr/>
+            <p:nvPr/>
+          </p:nvGrpSpPr>
+          <p:grpSpPr>
+            <a:xfrm>
+              <a:off x="8971782" y="2257135"/>
+              <a:ext cx="455814" cy="276999"/>
+              <a:chOff x="2611090" y="551617"/>
+              <a:chExt cx="928687" cy="276999"/>
+            </a:xfrm>
+          </p:grpSpPr>
+          <p:cxnSp>
+            <p:nvCxnSpPr>
+              <p:cNvPr id="41" name="Straight Connector 40">
+                <a:extLst>
+                  <a:ext uri="{FF2B5EF4-FFF2-40B4-BE49-F238E27FC236}">
+                    <a16:creationId xmlns:a16="http://schemas.microsoft.com/office/drawing/2014/main" id="{177FDCF3-3A9D-E482-7416-39BB921D2CEF}"/>
+                  </a:ext>
+                </a:extLst>
+              </p:cNvPr>
+              <p:cNvCxnSpPr>
+                <a:cxnSpLocks/>
+              </p:cNvCxnSpPr>
+              <p:nvPr/>
+            </p:nvCxnSpPr>
+            <p:spPr>
+              <a:xfrm>
+                <a:off x="2611090" y="771525"/>
+                <a:ext cx="928687" cy="0"/>
+              </a:xfrm>
+              <a:prstGeom prst="line">
+                <a:avLst/>
+              </a:prstGeom>
+            </p:spPr>
+            <p:style>
+              <a:lnRef idx="1">
+                <a:schemeClr val="dk1"/>
+              </a:lnRef>
+              <a:fillRef idx="0">
+                <a:schemeClr val="dk1"/>
+              </a:fillRef>
+              <a:effectRef idx="0">
+                <a:schemeClr val="dk1"/>
+              </a:effectRef>
+              <a:fontRef idx="minor">
+                <a:schemeClr val="tx1"/>
+              </a:fontRef>
+            </p:style>
+          </p:cxnSp>
+          <p:sp>
+            <p:nvSpPr>
+              <p:cNvPr id="42" name="TextBox 41">
+                <a:extLst>
+                  <a:ext uri="{FF2B5EF4-FFF2-40B4-BE49-F238E27FC236}">
+                    <a16:creationId xmlns:a16="http://schemas.microsoft.com/office/drawing/2014/main" id="{DB6B86A4-217B-C912-982F-B8741474DAE0}"/>
+                  </a:ext>
+                </a:extLst>
+              </p:cNvPr>
+              <p:cNvSpPr txBox="1"/>
+              <p:nvPr/>
+            </p:nvSpPr>
+            <p:spPr>
+              <a:xfrm>
+                <a:off x="2732174" y="551617"/>
+                <a:ext cx="686519" cy="276999"/>
+              </a:xfrm>
+              <a:prstGeom prst="rect">
+                <a:avLst/>
+              </a:prstGeom>
+              <a:noFill/>
+            </p:spPr>
+            <p:txBody>
+              <a:bodyPr wrap="square" rtlCol="0">
+                <a:spAutoFit/>
+              </a:bodyPr>
+              <a:lstStyle/>
+              <a:p>
+                <a:pPr algn="ctr"/>
+                <a:r>
+                  <a:rPr lang="en-US" sz="1200" dirty="0"/>
+                  <a:t>**</a:t>
+                </a:r>
+              </a:p>
+            </p:txBody>
+          </p:sp>
+        </p:grpSp>
         <p:cxnSp>
           <p:nvCxnSpPr>
-            <p:cNvPr id="8" name="Straight Connector 7">
+            <p:cNvPr id="43" name="Straight Connector 42">
               <a:extLst>
                 <a:ext uri="{FF2B5EF4-FFF2-40B4-BE49-F238E27FC236}">
-                  <a16:creationId xmlns:a16="http://schemas.microsoft.com/office/drawing/2014/main" id="{81A490F0-25CC-EDA6-1821-BFB5CE3462C8}"/>
+                  <a16:creationId xmlns:a16="http://schemas.microsoft.com/office/drawing/2014/main" id="{4C406677-D35B-944F-23B8-10A7A31CADF7}"/>
                 </a:ext>
               </a:extLst>
             </p:cNvPr>
@@ -3464,8 +4162,8 @@
           </p:nvCxnSpPr>
           <p:spPr>
             <a:xfrm>
-              <a:off x="3037672" y="4539714"/>
-              <a:ext cx="2543731" cy="0"/>
+              <a:off x="8464781" y="2931486"/>
+              <a:ext cx="493662" cy="0"/>
             </a:xfrm>
             <a:prstGeom prst="line">
               <a:avLst/>
@@ -3488,10 +4186,10 @@
         </p:cxnSp>
         <p:sp>
           <p:nvSpPr>
-            <p:cNvPr id="9" name="TextBox 8">
+            <p:cNvPr id="44" name="TextBox 43">
               <a:extLst>
                 <a:ext uri="{FF2B5EF4-FFF2-40B4-BE49-F238E27FC236}">
-                  <a16:creationId xmlns:a16="http://schemas.microsoft.com/office/drawing/2014/main" id="{BCA9CC91-9FB8-46B2-3337-39460C602933}"/>
+                  <a16:creationId xmlns:a16="http://schemas.microsoft.com/office/drawing/2014/main" id="{A68CEDDE-97B4-ADB6-192F-69396501751A}"/>
                 </a:ext>
               </a:extLst>
             </p:cNvPr>
@@ -3500,7 +4198,7 @@
           </p:nvSpPr>
           <p:spPr>
             <a:xfrm>
-              <a:off x="3808145" y="4319806"/>
+              <a:off x="8210220" y="2711578"/>
               <a:ext cx="1002785" cy="261610"/>
             </a:xfrm>
             <a:prstGeom prst="rect">
@@ -3527,10 +4225,10 @@
         </p:sp>
         <p:cxnSp>
           <p:nvCxnSpPr>
-            <p:cNvPr id="12" name="Straight Connector 11">
+            <p:cNvPr id="47" name="Straight Connector 46">
               <a:extLst>
                 <a:ext uri="{FF2B5EF4-FFF2-40B4-BE49-F238E27FC236}">
-                  <a16:creationId xmlns:a16="http://schemas.microsoft.com/office/drawing/2014/main" id="{EF01A150-E42A-435F-64BA-3F8A34A05FA4}"/>
+                  <a16:creationId xmlns:a16="http://schemas.microsoft.com/office/drawing/2014/main" id="{8459CF20-5059-183C-F9F5-EAE843248195}"/>
                 </a:ext>
               </a:extLst>
             </p:cNvPr>
@@ -3541,8 +4239,8 @@
           </p:nvCxnSpPr>
           <p:spPr>
             <a:xfrm>
-              <a:off x="3002047" y="3959816"/>
-              <a:ext cx="1271865" cy="0"/>
+              <a:off x="9469620" y="2627529"/>
+              <a:ext cx="493662" cy="0"/>
             </a:xfrm>
             <a:prstGeom prst="line">
               <a:avLst/>
@@ -3565,10 +4263,10 @@
         </p:cxnSp>
         <p:sp>
           <p:nvSpPr>
-            <p:cNvPr id="13" name="TextBox 12">
+            <p:cNvPr id="48" name="TextBox 47">
               <a:extLst>
                 <a:ext uri="{FF2B5EF4-FFF2-40B4-BE49-F238E27FC236}">
-                  <a16:creationId xmlns:a16="http://schemas.microsoft.com/office/drawing/2014/main" id="{4C1EEB38-A8E7-9993-73EC-38F80C605365}"/>
+                  <a16:creationId xmlns:a16="http://schemas.microsoft.com/office/drawing/2014/main" id="{80F81D8D-5081-CDAB-B51C-AB0AC8878DFC}"/>
                 </a:ext>
               </a:extLst>
             </p:cNvPr>
@@ -3577,83 +4275,7 @@
           </p:nvSpPr>
           <p:spPr>
             <a:xfrm>
-              <a:off x="3387217" y="3738933"/>
-              <a:ext cx="501306" cy="276999"/>
-            </a:xfrm>
-            <a:prstGeom prst="rect">
-              <a:avLst/>
-            </a:prstGeom>
-            <a:noFill/>
-          </p:spPr>
-          <p:txBody>
-            <a:bodyPr wrap="square" rtlCol="0">
-              <a:spAutoFit/>
-            </a:bodyPr>
-            <a:lstStyle/>
-            <a:p>
-              <a:pPr algn="ctr"/>
-              <a:r>
-                <a:rPr lang="en-US" sz="1200" dirty="0">
-                  <a:cs typeface="Arial" panose="020B0604020202020204" pitchFamily="34" charset="0"/>
-                </a:rPr>
-                <a:t>***</a:t>
-              </a:r>
-            </a:p>
-          </p:txBody>
-        </p:sp>
-        <p:cxnSp>
-          <p:nvCxnSpPr>
-            <p:cNvPr id="17" name="Straight Connector 16">
-              <a:extLst>
-                <a:ext uri="{FF2B5EF4-FFF2-40B4-BE49-F238E27FC236}">
-                  <a16:creationId xmlns:a16="http://schemas.microsoft.com/office/drawing/2014/main" id="{E171B44B-D1EA-74E9-2315-A609FA1C9C62}"/>
-                </a:ext>
-              </a:extLst>
-            </p:cNvPr>
-            <p:cNvCxnSpPr>
-              <a:cxnSpLocks/>
-            </p:cNvCxnSpPr>
-            <p:nvPr/>
-          </p:nvCxnSpPr>
-          <p:spPr>
-            <a:xfrm>
-              <a:off x="3039096" y="1177018"/>
-              <a:ext cx="2543731" cy="0"/>
-            </a:xfrm>
-            <a:prstGeom prst="line">
-              <a:avLst/>
-            </a:prstGeom>
-          </p:spPr>
-          <p:style>
-            <a:lnRef idx="1">
-              <a:schemeClr val="dk1"/>
-            </a:lnRef>
-            <a:fillRef idx="0">
-              <a:schemeClr val="dk1"/>
-            </a:fillRef>
-            <a:effectRef idx="0">
-              <a:schemeClr val="dk1"/>
-            </a:effectRef>
-            <a:fontRef idx="minor">
-              <a:schemeClr val="tx1"/>
-            </a:fontRef>
-          </p:style>
-        </p:cxnSp>
-        <p:sp>
-          <p:nvSpPr>
-            <p:cNvPr id="18" name="TextBox 17">
-              <a:extLst>
-                <a:ext uri="{FF2B5EF4-FFF2-40B4-BE49-F238E27FC236}">
-                  <a16:creationId xmlns:a16="http://schemas.microsoft.com/office/drawing/2014/main" id="{75534095-F6C3-6257-DE17-327C1A6B2410}"/>
-                </a:ext>
-              </a:extLst>
-            </p:cNvPr>
-            <p:cNvSpPr txBox="1"/>
-            <p:nvPr/>
-          </p:nvSpPr>
-          <p:spPr>
-            <a:xfrm>
-              <a:off x="3809569" y="957110"/>
+              <a:off x="9215059" y="2407621"/>
               <a:ext cx="1002785" cy="261610"/>
             </a:xfrm>
             <a:prstGeom prst="rect">
@@ -3680,10 +4302,10 @@
         </p:sp>
         <p:cxnSp>
           <p:nvCxnSpPr>
-            <p:cNvPr id="19" name="Straight Connector 18">
+            <p:cNvPr id="49" name="Straight Connector 48">
               <a:extLst>
                 <a:ext uri="{FF2B5EF4-FFF2-40B4-BE49-F238E27FC236}">
-                  <a16:creationId xmlns:a16="http://schemas.microsoft.com/office/drawing/2014/main" id="{A5994FDF-D521-8B0B-6B3C-9A3263114083}"/>
+                  <a16:creationId xmlns:a16="http://schemas.microsoft.com/office/drawing/2014/main" id="{39301BDB-B924-2370-FFB9-E93A996E3841}"/>
                 </a:ext>
               </a:extLst>
             </p:cNvPr>
@@ -3694,8 +4316,8 @@
           </p:nvCxnSpPr>
           <p:spPr>
             <a:xfrm>
-              <a:off x="3037672" y="735619"/>
-              <a:ext cx="1271865" cy="0"/>
+              <a:off x="10472405" y="2579469"/>
+              <a:ext cx="493662" cy="0"/>
             </a:xfrm>
             <a:prstGeom prst="line">
               <a:avLst/>
@@ -3718,10 +4340,10 @@
         </p:cxnSp>
         <p:sp>
           <p:nvSpPr>
-            <p:cNvPr id="20" name="TextBox 19">
+            <p:cNvPr id="50" name="TextBox 49">
               <a:extLst>
                 <a:ext uri="{FF2B5EF4-FFF2-40B4-BE49-F238E27FC236}">
-                  <a16:creationId xmlns:a16="http://schemas.microsoft.com/office/drawing/2014/main" id="{4615212A-0F11-267D-8EDE-ED62BCD44D5E}"/>
+                  <a16:creationId xmlns:a16="http://schemas.microsoft.com/office/drawing/2014/main" id="{84E0EB31-B23D-28E2-6D60-33104F96D664}"/>
                 </a:ext>
               </a:extLst>
             </p:cNvPr>
@@ -3730,8 +4352,8 @@
           </p:nvSpPr>
           <p:spPr>
             <a:xfrm>
-              <a:off x="3422842" y="514736"/>
-              <a:ext cx="501306" cy="276999"/>
+              <a:off x="10217844" y="2359561"/>
+              <a:ext cx="1002785" cy="261610"/>
             </a:xfrm>
             <a:prstGeom prst="rect">
               <a:avLst/>
@@ -3746,20 +4368,690 @@
             <a:p>
               <a:pPr algn="ctr"/>
               <a:r>
-                <a:rPr lang="en-US" sz="1200" dirty="0">
+                <a:rPr lang="en-US" sz="1100" dirty="0">
+                  <a:latin typeface="Arial" panose="020B0604020202020204" pitchFamily="34" charset="0"/>
                   <a:cs typeface="Arial" panose="020B0604020202020204" pitchFamily="34" charset="0"/>
                 </a:rPr>
-                <a:t>***</a:t>
+                <a:t>ns</a:t>
               </a:r>
             </a:p>
           </p:txBody>
         </p:sp>
+      </p:grpSp>
+    </p:spTree>
+    <p:extLst>
+      <p:ext uri="{BB962C8B-B14F-4D97-AF65-F5344CB8AC3E}">
+        <p14:creationId xmlns:p14="http://schemas.microsoft.com/office/powerpoint/2010/main" val="2996913506"/>
+      </p:ext>
+    </p:extLst>
+  </p:cSld>
+  <p:clrMapOvr>
+    <a:masterClrMapping/>
+  </p:clrMapOvr>
+</p:sld>
+</file>
+
+<file path=ppt/slides/slide3.xml><?xml version="1.0" encoding="utf-8"?>
+<p:sld xmlns:a="http://schemas.openxmlformats.org/drawingml/2006/main" xmlns:r="http://schemas.openxmlformats.org/officeDocument/2006/relationships" xmlns:p="http://schemas.openxmlformats.org/presentationml/2006/main">
+  <p:cSld>
+    <p:spTree>
+      <p:nvGrpSpPr>
+        <p:cNvPr id="1" name=""/>
+        <p:cNvGrpSpPr/>
+        <p:nvPr/>
+      </p:nvGrpSpPr>
+      <p:grpSpPr>
+        <a:xfrm>
+          <a:off x="0" y="0"/>
+          <a:ext cx="0" cy="0"/>
+          <a:chOff x="0" y="0"/>
+          <a:chExt cx="0" cy="0"/>
+        </a:xfrm>
+      </p:grpSpPr>
+      <p:grpSp>
+        <p:nvGrpSpPr>
+          <p:cNvPr id="9" name="Group 8">
+            <a:extLst>
+              <a:ext uri="{FF2B5EF4-FFF2-40B4-BE49-F238E27FC236}">
+                <a16:creationId xmlns:a16="http://schemas.microsoft.com/office/drawing/2014/main" id="{38888394-7BB5-C32D-52D7-297CD3B01EFA}"/>
+              </a:ext>
+            </a:extLst>
+          </p:cNvPr>
+          <p:cNvGrpSpPr/>
+          <p:nvPr/>
+        </p:nvGrpSpPr>
+        <p:grpSpPr>
+          <a:xfrm>
+            <a:off x="2930769" y="0"/>
+            <a:ext cx="6330462" cy="6858000"/>
+            <a:chOff x="2930769" y="0"/>
+            <a:chExt cx="6330462" cy="6858000"/>
+          </a:xfrm>
+        </p:grpSpPr>
+        <p:pic>
+          <p:nvPicPr>
+            <p:cNvPr id="8" name="Picture 7" descr="A graph of growth rate&#10;&#10;Description automatically generated with low confidence">
+              <a:extLst>
+                <a:ext uri="{FF2B5EF4-FFF2-40B4-BE49-F238E27FC236}">
+                  <a16:creationId xmlns:a16="http://schemas.microsoft.com/office/drawing/2014/main" id="{FC532E2A-D22B-8ACD-A4C5-C39CD8833ED8}"/>
+                </a:ext>
+              </a:extLst>
+            </p:cNvPr>
+            <p:cNvPicPr>
+              <a:picLocks noChangeAspect="1"/>
+            </p:cNvPicPr>
+            <p:nvPr/>
+          </p:nvPicPr>
+          <p:blipFill>
+            <a:blip r:embed="rId2"/>
+            <a:stretch>
+              <a:fillRect/>
+            </a:stretch>
+          </p:blipFill>
+          <p:spPr>
+            <a:xfrm>
+              <a:off x="2930769" y="0"/>
+              <a:ext cx="6330462" cy="6858000"/>
+            </a:xfrm>
+            <a:prstGeom prst="rect">
+              <a:avLst/>
+            </a:prstGeom>
+          </p:spPr>
+        </p:pic>
+        <p:grpSp>
+          <p:nvGrpSpPr>
+            <p:cNvPr id="17" name="Group 16">
+              <a:extLst>
+                <a:ext uri="{FF2B5EF4-FFF2-40B4-BE49-F238E27FC236}">
+                  <a16:creationId xmlns:a16="http://schemas.microsoft.com/office/drawing/2014/main" id="{6C68168D-D67B-31DA-277A-BBE88BF87CC3}"/>
+                </a:ext>
+              </a:extLst>
+            </p:cNvPr>
+            <p:cNvGrpSpPr/>
+            <p:nvPr/>
+          </p:nvGrpSpPr>
+          <p:grpSpPr>
+            <a:xfrm>
+              <a:off x="4282325" y="760679"/>
+              <a:ext cx="1002785" cy="276999"/>
+              <a:chOff x="1091303" y="2282335"/>
+              <a:chExt cx="1002785" cy="276999"/>
+            </a:xfrm>
+          </p:grpSpPr>
+          <p:cxnSp>
+            <p:nvCxnSpPr>
+              <p:cNvPr id="18" name="Straight Connector 17">
+                <a:extLst>
+                  <a:ext uri="{FF2B5EF4-FFF2-40B4-BE49-F238E27FC236}">
+                    <a16:creationId xmlns:a16="http://schemas.microsoft.com/office/drawing/2014/main" id="{7F766998-D46B-2517-8BAA-F6CB8A65DEC0}"/>
+                  </a:ext>
+                </a:extLst>
+              </p:cNvPr>
+              <p:cNvCxnSpPr>
+                <a:cxnSpLocks/>
+              </p:cNvCxnSpPr>
+              <p:nvPr/>
+            </p:nvCxnSpPr>
+            <p:spPr>
+              <a:xfrm>
+                <a:off x="1346510" y="2502243"/>
+                <a:ext cx="492370" cy="0"/>
+              </a:xfrm>
+              <a:prstGeom prst="line">
+                <a:avLst/>
+              </a:prstGeom>
+            </p:spPr>
+            <p:style>
+              <a:lnRef idx="1">
+                <a:schemeClr val="dk1"/>
+              </a:lnRef>
+              <a:fillRef idx="0">
+                <a:schemeClr val="dk1"/>
+              </a:fillRef>
+              <a:effectRef idx="0">
+                <a:schemeClr val="dk1"/>
+              </a:effectRef>
+              <a:fontRef idx="minor">
+                <a:schemeClr val="tx1"/>
+              </a:fontRef>
+            </p:style>
+          </p:cxnSp>
+          <p:sp>
+            <p:nvSpPr>
+              <p:cNvPr id="19" name="TextBox 18">
+                <a:extLst>
+                  <a:ext uri="{FF2B5EF4-FFF2-40B4-BE49-F238E27FC236}">
+                    <a16:creationId xmlns:a16="http://schemas.microsoft.com/office/drawing/2014/main" id="{9D0B8DFB-94EA-76BB-4B1D-BFE5FACC4305}"/>
+                  </a:ext>
+                </a:extLst>
+              </p:cNvPr>
+              <p:cNvSpPr txBox="1"/>
+              <p:nvPr/>
+            </p:nvSpPr>
+            <p:spPr>
+              <a:xfrm>
+                <a:off x="1091303" y="2282335"/>
+                <a:ext cx="1002785" cy="276999"/>
+              </a:xfrm>
+              <a:prstGeom prst="rect">
+                <a:avLst/>
+              </a:prstGeom>
+              <a:noFill/>
+            </p:spPr>
+            <p:txBody>
+              <a:bodyPr wrap="square" rtlCol="0">
+                <a:spAutoFit/>
+              </a:bodyPr>
+              <a:lstStyle/>
+              <a:p>
+                <a:pPr algn="ctr"/>
+                <a:r>
+                  <a:rPr lang="en-US" sz="1200" dirty="0">
+                    <a:latin typeface="Calibri" panose="020F0502020204030204" pitchFamily="34" charset="0"/>
+                    <a:cs typeface="Calibri" panose="020F0502020204030204" pitchFamily="34" charset="0"/>
+                  </a:rPr>
+                  <a:t>***</a:t>
+                </a:r>
+              </a:p>
+            </p:txBody>
+          </p:sp>
+        </p:grpSp>
+        <p:grpSp>
+          <p:nvGrpSpPr>
+            <p:cNvPr id="20" name="Group 19">
+              <a:extLst>
+                <a:ext uri="{FF2B5EF4-FFF2-40B4-BE49-F238E27FC236}">
+                  <a16:creationId xmlns:a16="http://schemas.microsoft.com/office/drawing/2014/main" id="{49559330-E92F-AEBE-049D-5F515170C4BB}"/>
+                </a:ext>
+              </a:extLst>
+            </p:cNvPr>
+            <p:cNvGrpSpPr/>
+            <p:nvPr/>
+          </p:nvGrpSpPr>
+          <p:grpSpPr>
+            <a:xfrm>
+              <a:off x="5920511" y="760678"/>
+              <a:ext cx="1002785" cy="276999"/>
+              <a:chOff x="1091303" y="2282335"/>
+              <a:chExt cx="1002785" cy="276999"/>
+            </a:xfrm>
+          </p:grpSpPr>
+          <p:cxnSp>
+            <p:nvCxnSpPr>
+              <p:cNvPr id="21" name="Straight Connector 20">
+                <a:extLst>
+                  <a:ext uri="{FF2B5EF4-FFF2-40B4-BE49-F238E27FC236}">
+                    <a16:creationId xmlns:a16="http://schemas.microsoft.com/office/drawing/2014/main" id="{17DAC86A-1E8B-72D2-B16C-D3EDF958672D}"/>
+                  </a:ext>
+                </a:extLst>
+              </p:cNvPr>
+              <p:cNvCxnSpPr>
+                <a:cxnSpLocks/>
+              </p:cNvCxnSpPr>
+              <p:nvPr/>
+            </p:nvCxnSpPr>
+            <p:spPr>
+              <a:xfrm>
+                <a:off x="1346510" y="2502243"/>
+                <a:ext cx="492370" cy="0"/>
+              </a:xfrm>
+              <a:prstGeom prst="line">
+                <a:avLst/>
+              </a:prstGeom>
+            </p:spPr>
+            <p:style>
+              <a:lnRef idx="1">
+                <a:schemeClr val="dk1"/>
+              </a:lnRef>
+              <a:fillRef idx="0">
+                <a:schemeClr val="dk1"/>
+              </a:fillRef>
+              <a:effectRef idx="0">
+                <a:schemeClr val="dk1"/>
+              </a:effectRef>
+              <a:fontRef idx="minor">
+                <a:schemeClr val="tx1"/>
+              </a:fontRef>
+            </p:style>
+          </p:cxnSp>
+          <p:sp>
+            <p:nvSpPr>
+              <p:cNvPr id="22" name="TextBox 21">
+                <a:extLst>
+                  <a:ext uri="{FF2B5EF4-FFF2-40B4-BE49-F238E27FC236}">
+                    <a16:creationId xmlns:a16="http://schemas.microsoft.com/office/drawing/2014/main" id="{790641D8-5E9C-FEE4-2553-660F0653F340}"/>
+                  </a:ext>
+                </a:extLst>
+              </p:cNvPr>
+              <p:cNvSpPr txBox="1"/>
+              <p:nvPr/>
+            </p:nvSpPr>
+            <p:spPr>
+              <a:xfrm>
+                <a:off x="1091303" y="2282335"/>
+                <a:ext cx="1002785" cy="276999"/>
+              </a:xfrm>
+              <a:prstGeom prst="rect">
+                <a:avLst/>
+              </a:prstGeom>
+              <a:noFill/>
+            </p:spPr>
+            <p:txBody>
+              <a:bodyPr wrap="square" rtlCol="0">
+                <a:spAutoFit/>
+              </a:bodyPr>
+              <a:lstStyle/>
+              <a:p>
+                <a:pPr algn="ctr"/>
+                <a:r>
+                  <a:rPr lang="en-US" sz="1200" dirty="0">
+                    <a:latin typeface="Calibri" panose="020F0502020204030204" pitchFamily="34" charset="0"/>
+                    <a:cs typeface="Calibri" panose="020F0502020204030204" pitchFamily="34" charset="0"/>
+                  </a:rPr>
+                  <a:t>***</a:t>
+                </a:r>
+              </a:p>
+            </p:txBody>
+          </p:sp>
+        </p:grpSp>
+        <p:grpSp>
+          <p:nvGrpSpPr>
+            <p:cNvPr id="23" name="Group 22">
+              <a:extLst>
+                <a:ext uri="{FF2B5EF4-FFF2-40B4-BE49-F238E27FC236}">
+                  <a16:creationId xmlns:a16="http://schemas.microsoft.com/office/drawing/2014/main" id="{7F71A11A-5495-EE81-A677-626C366A714B}"/>
+                </a:ext>
+              </a:extLst>
+            </p:cNvPr>
+            <p:cNvGrpSpPr/>
+            <p:nvPr/>
+          </p:nvGrpSpPr>
+          <p:grpSpPr>
+            <a:xfrm>
+              <a:off x="7702418" y="338648"/>
+              <a:ext cx="1002785" cy="276999"/>
+              <a:chOff x="1091303" y="2282335"/>
+              <a:chExt cx="1002785" cy="276999"/>
+            </a:xfrm>
+          </p:grpSpPr>
+          <p:cxnSp>
+            <p:nvCxnSpPr>
+              <p:cNvPr id="24" name="Straight Connector 23">
+                <a:extLst>
+                  <a:ext uri="{FF2B5EF4-FFF2-40B4-BE49-F238E27FC236}">
+                    <a16:creationId xmlns:a16="http://schemas.microsoft.com/office/drawing/2014/main" id="{00D7F115-4A35-1D96-421E-D79308383AF2}"/>
+                  </a:ext>
+                </a:extLst>
+              </p:cNvPr>
+              <p:cNvCxnSpPr>
+                <a:cxnSpLocks/>
+              </p:cNvCxnSpPr>
+              <p:nvPr/>
+            </p:nvCxnSpPr>
+            <p:spPr>
+              <a:xfrm>
+                <a:off x="1346510" y="2502243"/>
+                <a:ext cx="492370" cy="0"/>
+              </a:xfrm>
+              <a:prstGeom prst="line">
+                <a:avLst/>
+              </a:prstGeom>
+            </p:spPr>
+            <p:style>
+              <a:lnRef idx="1">
+                <a:schemeClr val="dk1"/>
+              </a:lnRef>
+              <a:fillRef idx="0">
+                <a:schemeClr val="dk1"/>
+              </a:fillRef>
+              <a:effectRef idx="0">
+                <a:schemeClr val="dk1"/>
+              </a:effectRef>
+              <a:fontRef idx="minor">
+                <a:schemeClr val="tx1"/>
+              </a:fontRef>
+            </p:style>
+          </p:cxnSp>
+          <p:sp>
+            <p:nvSpPr>
+              <p:cNvPr id="25" name="TextBox 24">
+                <a:extLst>
+                  <a:ext uri="{FF2B5EF4-FFF2-40B4-BE49-F238E27FC236}">
+                    <a16:creationId xmlns:a16="http://schemas.microsoft.com/office/drawing/2014/main" id="{00C4016B-96D0-2D31-FDC0-81C5F9E0355D}"/>
+                  </a:ext>
+                </a:extLst>
+              </p:cNvPr>
+              <p:cNvSpPr txBox="1"/>
+              <p:nvPr/>
+            </p:nvSpPr>
+            <p:spPr>
+              <a:xfrm>
+                <a:off x="1091303" y="2282335"/>
+                <a:ext cx="1002785" cy="276999"/>
+              </a:xfrm>
+              <a:prstGeom prst="rect">
+                <a:avLst/>
+              </a:prstGeom>
+              <a:noFill/>
+            </p:spPr>
+            <p:txBody>
+              <a:bodyPr wrap="square" rtlCol="0">
+                <a:spAutoFit/>
+              </a:bodyPr>
+              <a:lstStyle/>
+              <a:p>
+                <a:pPr algn="ctr"/>
+                <a:r>
+                  <a:rPr lang="en-US" sz="1200" dirty="0">
+                    <a:latin typeface="Calibri" panose="020F0502020204030204" pitchFamily="34" charset="0"/>
+                    <a:cs typeface="Calibri" panose="020F0502020204030204" pitchFamily="34" charset="0"/>
+                  </a:rPr>
+                  <a:t>***</a:t>
+                </a:r>
+              </a:p>
+            </p:txBody>
+          </p:sp>
+        </p:grpSp>
+        <p:grpSp>
+          <p:nvGrpSpPr>
+            <p:cNvPr id="26" name="Group 25">
+              <a:extLst>
+                <a:ext uri="{FF2B5EF4-FFF2-40B4-BE49-F238E27FC236}">
+                  <a16:creationId xmlns:a16="http://schemas.microsoft.com/office/drawing/2014/main" id="{132EC8BC-B5DB-89CE-FF18-4B24C9401DEC}"/>
+                </a:ext>
+              </a:extLst>
+            </p:cNvPr>
+            <p:cNvGrpSpPr/>
+            <p:nvPr/>
+          </p:nvGrpSpPr>
+          <p:grpSpPr>
+            <a:xfrm>
+              <a:off x="4036139" y="4828587"/>
+              <a:ext cx="1002785" cy="276999"/>
+              <a:chOff x="1091303" y="2282335"/>
+              <a:chExt cx="1002785" cy="276999"/>
+            </a:xfrm>
+          </p:grpSpPr>
+          <p:cxnSp>
+            <p:nvCxnSpPr>
+              <p:cNvPr id="27" name="Straight Connector 26">
+                <a:extLst>
+                  <a:ext uri="{FF2B5EF4-FFF2-40B4-BE49-F238E27FC236}">
+                    <a16:creationId xmlns:a16="http://schemas.microsoft.com/office/drawing/2014/main" id="{9730F457-0218-6727-BE94-600A4B402F5C}"/>
+                  </a:ext>
+                </a:extLst>
+              </p:cNvPr>
+              <p:cNvCxnSpPr>
+                <a:cxnSpLocks/>
+              </p:cNvCxnSpPr>
+              <p:nvPr/>
+            </p:nvCxnSpPr>
+            <p:spPr>
+              <a:xfrm>
+                <a:off x="1346510" y="2502243"/>
+                <a:ext cx="492370" cy="0"/>
+              </a:xfrm>
+              <a:prstGeom prst="line">
+                <a:avLst/>
+              </a:prstGeom>
+            </p:spPr>
+            <p:style>
+              <a:lnRef idx="1">
+                <a:schemeClr val="dk1"/>
+              </a:lnRef>
+              <a:fillRef idx="0">
+                <a:schemeClr val="dk1"/>
+              </a:fillRef>
+              <a:effectRef idx="0">
+                <a:schemeClr val="dk1"/>
+              </a:effectRef>
+              <a:fontRef idx="minor">
+                <a:schemeClr val="tx1"/>
+              </a:fontRef>
+            </p:style>
+          </p:cxnSp>
+          <p:sp>
+            <p:nvSpPr>
+              <p:cNvPr id="28" name="TextBox 27">
+                <a:extLst>
+                  <a:ext uri="{FF2B5EF4-FFF2-40B4-BE49-F238E27FC236}">
+                    <a16:creationId xmlns:a16="http://schemas.microsoft.com/office/drawing/2014/main" id="{D137C3ED-95DB-9556-6FAA-4308C5E1080F}"/>
+                  </a:ext>
+                </a:extLst>
+              </p:cNvPr>
+              <p:cNvSpPr txBox="1"/>
+              <p:nvPr/>
+            </p:nvSpPr>
+            <p:spPr>
+              <a:xfrm>
+                <a:off x="1091303" y="2282335"/>
+                <a:ext cx="1002785" cy="276999"/>
+              </a:xfrm>
+              <a:prstGeom prst="rect">
+                <a:avLst/>
+              </a:prstGeom>
+              <a:noFill/>
+            </p:spPr>
+            <p:txBody>
+              <a:bodyPr wrap="square" rtlCol="0">
+                <a:spAutoFit/>
+              </a:bodyPr>
+              <a:lstStyle/>
+              <a:p>
+                <a:pPr algn="ctr"/>
+                <a:r>
+                  <a:rPr lang="en-US" sz="1200" dirty="0">
+                    <a:latin typeface="Calibri" panose="020F0502020204030204" pitchFamily="34" charset="0"/>
+                    <a:cs typeface="Calibri" panose="020F0502020204030204" pitchFamily="34" charset="0"/>
+                  </a:rPr>
+                  <a:t>***</a:t>
+                </a:r>
+              </a:p>
+            </p:txBody>
+          </p:sp>
+        </p:grpSp>
+        <p:grpSp>
+          <p:nvGrpSpPr>
+            <p:cNvPr id="29" name="Group 28">
+              <a:extLst>
+                <a:ext uri="{FF2B5EF4-FFF2-40B4-BE49-F238E27FC236}">
+                  <a16:creationId xmlns:a16="http://schemas.microsoft.com/office/drawing/2014/main" id="{29A9EA4D-7966-F56D-3B33-41FF28415ACE}"/>
+                </a:ext>
+              </a:extLst>
+            </p:cNvPr>
+            <p:cNvGrpSpPr/>
+            <p:nvPr/>
+          </p:nvGrpSpPr>
+          <p:grpSpPr>
+            <a:xfrm>
+              <a:off x="5172933" y="4828587"/>
+              <a:ext cx="1002785" cy="276999"/>
+              <a:chOff x="1091303" y="2282335"/>
+              <a:chExt cx="1002785" cy="276999"/>
+            </a:xfrm>
+          </p:grpSpPr>
+          <p:cxnSp>
+            <p:nvCxnSpPr>
+              <p:cNvPr id="30" name="Straight Connector 29">
+                <a:extLst>
+                  <a:ext uri="{FF2B5EF4-FFF2-40B4-BE49-F238E27FC236}">
+                    <a16:creationId xmlns:a16="http://schemas.microsoft.com/office/drawing/2014/main" id="{D227E5FB-5D07-DA1F-1684-3E5B767694AA}"/>
+                  </a:ext>
+                </a:extLst>
+              </p:cNvPr>
+              <p:cNvCxnSpPr>
+                <a:cxnSpLocks/>
+              </p:cNvCxnSpPr>
+              <p:nvPr/>
+            </p:nvCxnSpPr>
+            <p:spPr>
+              <a:xfrm>
+                <a:off x="1346510" y="2502243"/>
+                <a:ext cx="492370" cy="0"/>
+              </a:xfrm>
+              <a:prstGeom prst="line">
+                <a:avLst/>
+              </a:prstGeom>
+            </p:spPr>
+            <p:style>
+              <a:lnRef idx="1">
+                <a:schemeClr val="dk1"/>
+              </a:lnRef>
+              <a:fillRef idx="0">
+                <a:schemeClr val="dk1"/>
+              </a:fillRef>
+              <a:effectRef idx="0">
+                <a:schemeClr val="dk1"/>
+              </a:effectRef>
+              <a:fontRef idx="minor">
+                <a:schemeClr val="tx1"/>
+              </a:fontRef>
+            </p:style>
+          </p:cxnSp>
+          <p:sp>
+            <p:nvSpPr>
+              <p:cNvPr id="31" name="TextBox 30">
+                <a:extLst>
+                  <a:ext uri="{FF2B5EF4-FFF2-40B4-BE49-F238E27FC236}">
+                    <a16:creationId xmlns:a16="http://schemas.microsoft.com/office/drawing/2014/main" id="{EC79804A-1297-0A6A-8829-CB48764C66AC}"/>
+                  </a:ext>
+                </a:extLst>
+              </p:cNvPr>
+              <p:cNvSpPr txBox="1"/>
+              <p:nvPr/>
+            </p:nvSpPr>
+            <p:spPr>
+              <a:xfrm>
+                <a:off x="1091303" y="2282335"/>
+                <a:ext cx="1002785" cy="276999"/>
+              </a:xfrm>
+              <a:prstGeom prst="rect">
+                <a:avLst/>
+              </a:prstGeom>
+              <a:noFill/>
+            </p:spPr>
+            <p:txBody>
+              <a:bodyPr wrap="square" rtlCol="0">
+                <a:spAutoFit/>
+              </a:bodyPr>
+              <a:lstStyle/>
+              <a:p>
+                <a:pPr algn="ctr"/>
+                <a:r>
+                  <a:rPr lang="en-US" sz="1200" dirty="0">
+                    <a:latin typeface="Calibri" panose="020F0502020204030204" pitchFamily="34" charset="0"/>
+                    <a:cs typeface="Calibri" panose="020F0502020204030204" pitchFamily="34" charset="0"/>
+                  </a:rPr>
+                  <a:t>***</a:t>
+                </a:r>
+              </a:p>
+            </p:txBody>
+          </p:sp>
+        </p:grpSp>
+        <p:grpSp>
+          <p:nvGrpSpPr>
+            <p:cNvPr id="32" name="Group 31">
+              <a:extLst>
+                <a:ext uri="{FF2B5EF4-FFF2-40B4-BE49-F238E27FC236}">
+                  <a16:creationId xmlns:a16="http://schemas.microsoft.com/office/drawing/2014/main" id="{F02FFB67-CF14-4574-E358-89391257F6E6}"/>
+                </a:ext>
+              </a:extLst>
+            </p:cNvPr>
+            <p:cNvGrpSpPr/>
+            <p:nvPr/>
+          </p:nvGrpSpPr>
+          <p:grpSpPr>
+            <a:xfrm>
+              <a:off x="6737514" y="4441726"/>
+              <a:ext cx="1002785" cy="261610"/>
+              <a:chOff x="1091303" y="2282335"/>
+              <a:chExt cx="1002785" cy="261610"/>
+            </a:xfrm>
+          </p:grpSpPr>
+          <p:cxnSp>
+            <p:nvCxnSpPr>
+              <p:cNvPr id="33" name="Straight Connector 32">
+                <a:extLst>
+                  <a:ext uri="{FF2B5EF4-FFF2-40B4-BE49-F238E27FC236}">
+                    <a16:creationId xmlns:a16="http://schemas.microsoft.com/office/drawing/2014/main" id="{E3E372BE-1D67-5876-D61F-E531C54B6523}"/>
+                  </a:ext>
+                </a:extLst>
+              </p:cNvPr>
+              <p:cNvCxnSpPr>
+                <a:cxnSpLocks/>
+              </p:cNvCxnSpPr>
+              <p:nvPr/>
+            </p:nvCxnSpPr>
+            <p:spPr>
+              <a:xfrm>
+                <a:off x="1346510" y="2502243"/>
+                <a:ext cx="492370" cy="0"/>
+              </a:xfrm>
+              <a:prstGeom prst="line">
+                <a:avLst/>
+              </a:prstGeom>
+            </p:spPr>
+            <p:style>
+              <a:lnRef idx="1">
+                <a:schemeClr val="dk1"/>
+              </a:lnRef>
+              <a:fillRef idx="0">
+                <a:schemeClr val="dk1"/>
+              </a:fillRef>
+              <a:effectRef idx="0">
+                <a:schemeClr val="dk1"/>
+              </a:effectRef>
+              <a:fontRef idx="minor">
+                <a:schemeClr val="tx1"/>
+              </a:fontRef>
+            </p:style>
+          </p:cxnSp>
+          <p:sp>
+            <p:nvSpPr>
+              <p:cNvPr id="34" name="TextBox 33">
+                <a:extLst>
+                  <a:ext uri="{FF2B5EF4-FFF2-40B4-BE49-F238E27FC236}">
+                    <a16:creationId xmlns:a16="http://schemas.microsoft.com/office/drawing/2014/main" id="{51FDFCBF-3303-8E91-92AA-96775FC4AECB}"/>
+                  </a:ext>
+                </a:extLst>
+              </p:cNvPr>
+              <p:cNvSpPr txBox="1"/>
+              <p:nvPr/>
+            </p:nvSpPr>
+            <p:spPr>
+              <a:xfrm>
+                <a:off x="1091303" y="2282335"/>
+                <a:ext cx="1002785" cy="261610"/>
+              </a:xfrm>
+              <a:prstGeom prst="rect">
+                <a:avLst/>
+              </a:prstGeom>
+              <a:noFill/>
+            </p:spPr>
+            <p:txBody>
+              <a:bodyPr wrap="square" rtlCol="0">
+                <a:spAutoFit/>
+              </a:bodyPr>
+              <a:lstStyle/>
+              <a:p>
+                <a:pPr algn="ctr"/>
+                <a:r>
+                  <a:rPr lang="en-US" sz="1100" dirty="0">
+                    <a:latin typeface="Arial" panose="020B0604020202020204" pitchFamily="34" charset="0"/>
+                    <a:cs typeface="Arial" panose="020B0604020202020204" pitchFamily="34" charset="0"/>
+                  </a:rPr>
+                  <a:t>ns</a:t>
+                </a:r>
+              </a:p>
+            </p:txBody>
+          </p:sp>
+        </p:grpSp>
         <p:cxnSp>
           <p:nvCxnSpPr>
-            <p:cNvPr id="21" name="Straight Connector 20">
+            <p:cNvPr id="38" name="Straight Connector 37">
               <a:extLst>
                 <a:ext uri="{FF2B5EF4-FFF2-40B4-BE49-F238E27FC236}">
-                  <a16:creationId xmlns:a16="http://schemas.microsoft.com/office/drawing/2014/main" id="{3274C34B-2EB8-7C12-1844-1CC02F858D76}"/>
+                  <a16:creationId xmlns:a16="http://schemas.microsoft.com/office/drawing/2014/main" id="{C272A269-339E-A777-AD01-BD1C49441281}"/>
                 </a:ext>
               </a:extLst>
             </p:cNvPr>
@@ -3770,8 +5062,8 @@
           </p:nvCxnSpPr>
           <p:spPr>
             <a:xfrm>
-              <a:off x="4151357" y="606646"/>
-              <a:ext cx="1026284" cy="0"/>
+              <a:off x="7485091" y="5048495"/>
+              <a:ext cx="1220112" cy="0"/>
             </a:xfrm>
             <a:prstGeom prst="line">
               <a:avLst/>
@@ -3794,10 +5086,10 @@
         </p:cxnSp>
         <p:sp>
           <p:nvSpPr>
-            <p:cNvPr id="22" name="TextBox 21">
+            <p:cNvPr id="39" name="TextBox 38">
               <a:extLst>
                 <a:ext uri="{FF2B5EF4-FFF2-40B4-BE49-F238E27FC236}">
-                  <a16:creationId xmlns:a16="http://schemas.microsoft.com/office/drawing/2014/main" id="{661A8D34-FFE8-B958-664B-F16F67825847}"/>
+                  <a16:creationId xmlns:a16="http://schemas.microsoft.com/office/drawing/2014/main" id="{45B6C881-1AA5-0B14-5EF2-6B5A057A2E60}"/>
                 </a:ext>
               </a:extLst>
             </p:cNvPr>
@@ -3806,8 +5098,8 @@
           </p:nvSpPr>
           <p:spPr>
             <a:xfrm>
-              <a:off x="4413846" y="385763"/>
-              <a:ext cx="501306" cy="276999"/>
+              <a:off x="7593754" y="4828587"/>
+              <a:ext cx="1002785" cy="261610"/>
             </a:xfrm>
             <a:prstGeom prst="rect">
               <a:avLst/>
@@ -3822,10 +5114,165 @@
             <a:p>
               <a:pPr algn="ctr"/>
               <a:r>
-                <a:rPr lang="en-US" sz="1200" dirty="0">
+                <a:rPr lang="en-US" sz="1100" dirty="0">
+                  <a:latin typeface="Arial" panose="020B0604020202020204" pitchFamily="34" charset="0"/>
                   <a:cs typeface="Arial" panose="020B0604020202020204" pitchFamily="34" charset="0"/>
                 </a:rPr>
-                <a:t>***</a:t>
+                <a:t>ns</a:t>
+              </a:r>
+            </a:p>
+          </p:txBody>
+        </p:sp>
+        <p:cxnSp>
+          <p:nvCxnSpPr>
+            <p:cNvPr id="41" name="Straight Connector 40">
+              <a:extLst>
+                <a:ext uri="{FF2B5EF4-FFF2-40B4-BE49-F238E27FC236}">
+                  <a16:creationId xmlns:a16="http://schemas.microsoft.com/office/drawing/2014/main" id="{69156DCA-5F4C-D6F9-BAFE-C4E0FC52883A}"/>
+                </a:ext>
+              </a:extLst>
+            </p:cNvPr>
+            <p:cNvCxnSpPr>
+              <a:cxnSpLocks/>
+            </p:cNvCxnSpPr>
+            <p:nvPr/>
+          </p:nvCxnSpPr>
+          <p:spPr>
+            <a:xfrm>
+              <a:off x="4293246" y="4546126"/>
+              <a:ext cx="1220112" cy="0"/>
+            </a:xfrm>
+            <a:prstGeom prst="line">
+              <a:avLst/>
+            </a:prstGeom>
+          </p:spPr>
+          <p:style>
+            <a:lnRef idx="1">
+              <a:schemeClr val="dk1"/>
+            </a:lnRef>
+            <a:fillRef idx="0">
+              <a:schemeClr val="dk1"/>
+            </a:fillRef>
+            <a:effectRef idx="0">
+              <a:schemeClr val="dk1"/>
+            </a:effectRef>
+            <a:fontRef idx="minor">
+              <a:schemeClr val="tx1"/>
+            </a:fontRef>
+          </p:style>
+        </p:cxnSp>
+        <p:sp>
+          <p:nvSpPr>
+            <p:cNvPr id="42" name="TextBox 41">
+              <a:extLst>
+                <a:ext uri="{FF2B5EF4-FFF2-40B4-BE49-F238E27FC236}">
+                  <a16:creationId xmlns:a16="http://schemas.microsoft.com/office/drawing/2014/main" id="{6F39D78B-D931-3531-FBFE-C59CBDE7E542}"/>
+                </a:ext>
+              </a:extLst>
+            </p:cNvPr>
+            <p:cNvSpPr txBox="1"/>
+            <p:nvPr/>
+          </p:nvSpPr>
+          <p:spPr>
+            <a:xfrm>
+              <a:off x="4401909" y="4326218"/>
+              <a:ext cx="1002785" cy="261610"/>
+            </a:xfrm>
+            <a:prstGeom prst="rect">
+              <a:avLst/>
+            </a:prstGeom>
+            <a:noFill/>
+          </p:spPr>
+          <p:txBody>
+            <a:bodyPr wrap="square" rtlCol="0">
+              <a:spAutoFit/>
+            </a:bodyPr>
+            <a:lstStyle/>
+            <a:p>
+              <a:pPr algn="ctr"/>
+              <a:r>
+                <a:rPr lang="en-US" sz="1100" dirty="0">
+                  <a:latin typeface="Arial" panose="020B0604020202020204" pitchFamily="34" charset="0"/>
+                  <a:cs typeface="Arial" panose="020B0604020202020204" pitchFamily="34" charset="0"/>
+                </a:rPr>
+                <a:t>ns</a:t>
+              </a:r>
+            </a:p>
+          </p:txBody>
+        </p:sp>
+        <p:cxnSp>
+          <p:nvCxnSpPr>
+            <p:cNvPr id="43" name="Straight Connector 42">
+              <a:extLst>
+                <a:ext uri="{FF2B5EF4-FFF2-40B4-BE49-F238E27FC236}">
+                  <a16:creationId xmlns:a16="http://schemas.microsoft.com/office/drawing/2014/main" id="{DE7E76E2-EF23-8B3B-E980-8A78D242D49A}"/>
+                </a:ext>
+              </a:extLst>
+            </p:cNvPr>
+            <p:cNvCxnSpPr>
+              <a:cxnSpLocks/>
+            </p:cNvCxnSpPr>
+            <p:nvPr/>
+          </p:nvCxnSpPr>
+          <p:spPr>
+            <a:xfrm>
+              <a:off x="4771192" y="5286527"/>
+              <a:ext cx="1220112" cy="0"/>
+            </a:xfrm>
+            <a:prstGeom prst="line">
+              <a:avLst/>
+            </a:prstGeom>
+          </p:spPr>
+          <p:style>
+            <a:lnRef idx="1">
+              <a:schemeClr val="dk1"/>
+            </a:lnRef>
+            <a:fillRef idx="0">
+              <a:schemeClr val="dk1"/>
+            </a:fillRef>
+            <a:effectRef idx="0">
+              <a:schemeClr val="dk1"/>
+            </a:effectRef>
+            <a:fontRef idx="minor">
+              <a:schemeClr val="tx1"/>
+            </a:fontRef>
+          </p:style>
+        </p:cxnSp>
+        <p:sp>
+          <p:nvSpPr>
+            <p:cNvPr id="44" name="TextBox 43">
+              <a:extLst>
+                <a:ext uri="{FF2B5EF4-FFF2-40B4-BE49-F238E27FC236}">
+                  <a16:creationId xmlns:a16="http://schemas.microsoft.com/office/drawing/2014/main" id="{A2A84D62-DD97-C08C-D884-0D93291F25ED}"/>
+                </a:ext>
+              </a:extLst>
+            </p:cNvPr>
+            <p:cNvSpPr txBox="1"/>
+            <p:nvPr/>
+          </p:nvSpPr>
+          <p:spPr>
+            <a:xfrm>
+              <a:off x="4879855" y="5066619"/>
+              <a:ext cx="1002785" cy="261610"/>
+            </a:xfrm>
+            <a:prstGeom prst="rect">
+              <a:avLst/>
+            </a:prstGeom>
+            <a:noFill/>
+          </p:spPr>
+          <p:txBody>
+            <a:bodyPr wrap="square" rtlCol="0">
+              <a:spAutoFit/>
+            </a:bodyPr>
+            <a:lstStyle/>
+            <a:p>
+              <a:pPr algn="ctr"/>
+              <a:r>
+                <a:rPr lang="en-US" sz="1100" dirty="0">
+                  <a:latin typeface="Arial" panose="020B0604020202020204" pitchFamily="34" charset="0"/>
+                  <a:cs typeface="Arial" panose="020B0604020202020204" pitchFamily="34" charset="0"/>
+                </a:rPr>
+                <a:t>ns</a:t>
               </a:r>
             </a:p>
           </p:txBody>
@@ -3834,7 +5281,7 @@
     </p:spTree>
     <p:extLst>
       <p:ext uri="{BB962C8B-B14F-4D97-AF65-F5344CB8AC3E}">
-        <p14:creationId xmlns:p14="http://schemas.microsoft.com/office/powerpoint/2010/main" val="3282886660"/>
+        <p14:creationId xmlns:p14="http://schemas.microsoft.com/office/powerpoint/2010/main" val="3981389946"/>
       </p:ext>
     </p:extLst>
   </p:cSld>

--- a/figures/poster-figs/experimental-fig.pptx
+++ b/figures/poster-figs/experimental-fig.pptx
@@ -5,9 +5,9 @@
     <p:sldMasterId id="2147483648" r:id="rId1"/>
   </p:sldMasterIdLst>
   <p:sldIdLst>
-    <p:sldId id="256" r:id="rId2"/>
-    <p:sldId id="257" r:id="rId3"/>
-    <p:sldId id="258" r:id="rId4"/>
+    <p:sldId id="258" r:id="rId2"/>
+    <p:sldId id="259" r:id="rId3"/>
+    <p:sldId id="260" r:id="rId4"/>
   </p:sldIdLst>
   <p:sldSz cx="12192000" cy="6858000"/>
   <p:notesSz cx="6858000" cy="9144000"/>
@@ -261,7 +261,7 @@
           <a:p>
             <a:fld id="{FBE72D6D-870A-314D-B7C1-0CC9BD418398}" type="datetimeFigureOut">
               <a:rPr lang="en-US" smtClean="0"/>
-              <a:t>5/24/23</a:t>
+              <a:t>5/31/23</a:t>
             </a:fld>
             <a:endParaRPr lang="en-US"/>
           </a:p>
@@ -459,7 +459,7 @@
           <a:p>
             <a:fld id="{FBE72D6D-870A-314D-B7C1-0CC9BD418398}" type="datetimeFigureOut">
               <a:rPr lang="en-US" smtClean="0"/>
-              <a:t>5/24/23</a:t>
+              <a:t>5/31/23</a:t>
             </a:fld>
             <a:endParaRPr lang="en-US"/>
           </a:p>
@@ -667,7 +667,7 @@
           <a:p>
             <a:fld id="{FBE72D6D-870A-314D-B7C1-0CC9BD418398}" type="datetimeFigureOut">
               <a:rPr lang="en-US" smtClean="0"/>
-              <a:t>5/24/23</a:t>
+              <a:t>5/31/23</a:t>
             </a:fld>
             <a:endParaRPr lang="en-US"/>
           </a:p>
@@ -865,7 +865,7 @@
           <a:p>
             <a:fld id="{FBE72D6D-870A-314D-B7C1-0CC9BD418398}" type="datetimeFigureOut">
               <a:rPr lang="en-US" smtClean="0"/>
-              <a:t>5/24/23</a:t>
+              <a:t>5/31/23</a:t>
             </a:fld>
             <a:endParaRPr lang="en-US"/>
           </a:p>
@@ -1140,7 +1140,7 @@
           <a:p>
             <a:fld id="{FBE72D6D-870A-314D-B7C1-0CC9BD418398}" type="datetimeFigureOut">
               <a:rPr lang="en-US" smtClean="0"/>
-              <a:t>5/24/23</a:t>
+              <a:t>5/31/23</a:t>
             </a:fld>
             <a:endParaRPr lang="en-US"/>
           </a:p>
@@ -1405,7 +1405,7 @@
           <a:p>
             <a:fld id="{FBE72D6D-870A-314D-B7C1-0CC9BD418398}" type="datetimeFigureOut">
               <a:rPr lang="en-US" smtClean="0"/>
-              <a:t>5/24/23</a:t>
+              <a:t>5/31/23</a:t>
             </a:fld>
             <a:endParaRPr lang="en-US"/>
           </a:p>
@@ -1817,7 +1817,7 @@
           <a:p>
             <a:fld id="{FBE72D6D-870A-314D-B7C1-0CC9BD418398}" type="datetimeFigureOut">
               <a:rPr lang="en-US" smtClean="0"/>
-              <a:t>5/24/23</a:t>
+              <a:t>5/31/23</a:t>
             </a:fld>
             <a:endParaRPr lang="en-US"/>
           </a:p>
@@ -1958,7 +1958,7 @@
           <a:p>
             <a:fld id="{FBE72D6D-870A-314D-B7C1-0CC9BD418398}" type="datetimeFigureOut">
               <a:rPr lang="en-US" smtClean="0"/>
-              <a:t>5/24/23</a:t>
+              <a:t>5/31/23</a:t>
             </a:fld>
             <a:endParaRPr lang="en-US"/>
           </a:p>
@@ -2071,7 +2071,7 @@
           <a:p>
             <a:fld id="{FBE72D6D-870A-314D-B7C1-0CC9BD418398}" type="datetimeFigureOut">
               <a:rPr lang="en-US" smtClean="0"/>
-              <a:t>5/24/23</a:t>
+              <a:t>5/31/23</a:t>
             </a:fld>
             <a:endParaRPr lang="en-US"/>
           </a:p>
@@ -2382,7 +2382,7 @@
           <a:p>
             <a:fld id="{FBE72D6D-870A-314D-B7C1-0CC9BD418398}" type="datetimeFigureOut">
               <a:rPr lang="en-US" smtClean="0"/>
-              <a:t>5/24/23</a:t>
+              <a:t>5/31/23</a:t>
             </a:fld>
             <a:endParaRPr lang="en-US"/>
           </a:p>
@@ -2670,7 +2670,7 @@
           <a:p>
             <a:fld id="{FBE72D6D-870A-314D-B7C1-0CC9BD418398}" type="datetimeFigureOut">
               <a:rPr lang="en-US" smtClean="0"/>
-              <a:t>5/24/23</a:t>
+              <a:t>5/31/23</a:t>
             </a:fld>
             <a:endParaRPr lang="en-US"/>
           </a:p>
@@ -2911,7 +2911,7 @@
           <a:p>
             <a:fld id="{FBE72D6D-870A-314D-B7C1-0CC9BD418398}" type="datetimeFigureOut">
               <a:rPr lang="en-US" smtClean="0"/>
-              <a:t>5/24/23</a:t>
+              <a:t>5/31/23</a:t>
             </a:fld>
             <a:endParaRPr lang="en-US"/>
           </a:p>
@@ -3330,10 +3330,10 @@
       </p:grpSpPr>
       <p:pic>
         <p:nvPicPr>
-          <p:cNvPr id="5" name="Picture 4" descr="A picture containing text, diagram, plot, line&#10;&#10;Description automatically generated">
-            <a:extLst>
-              <a:ext uri="{FF2B5EF4-FFF2-40B4-BE49-F238E27FC236}">
-                <a16:creationId xmlns:a16="http://schemas.microsoft.com/office/drawing/2014/main" id="{2709F689-B7E3-CC7C-E0DC-1E3B05EF323F}"/>
+          <p:cNvPr id="8" name="Picture 7" descr="A graph of growth rate&#10;&#10;Description automatically generated with low confidence">
+            <a:extLst>
+              <a:ext uri="{FF2B5EF4-FFF2-40B4-BE49-F238E27FC236}">
+                <a16:creationId xmlns:a16="http://schemas.microsoft.com/office/drawing/2014/main" id="{FC532E2A-D22B-8ACD-A4C5-C39CD8833ED8}"/>
               </a:ext>
             </a:extLst>
           </p:cNvPr>
@@ -3350,20 +3350,608 @@
         </p:blipFill>
         <p:spPr>
           <a:xfrm>
-            <a:off x="1768927" y="0"/>
-            <a:ext cx="8654143" cy="6858000"/>
+            <a:off x="2930769" y="0"/>
+            <a:ext cx="6330462" cy="6858000"/>
           </a:xfrm>
           <a:prstGeom prst="rect">
             <a:avLst/>
           </a:prstGeom>
         </p:spPr>
       </p:pic>
+      <p:grpSp>
+        <p:nvGrpSpPr>
+          <p:cNvPr id="17" name="Group 16">
+            <a:extLst>
+              <a:ext uri="{FF2B5EF4-FFF2-40B4-BE49-F238E27FC236}">
+                <a16:creationId xmlns:a16="http://schemas.microsoft.com/office/drawing/2014/main" id="{6C68168D-D67B-31DA-277A-BBE88BF87CC3}"/>
+              </a:ext>
+            </a:extLst>
+          </p:cNvPr>
+          <p:cNvGrpSpPr/>
+          <p:nvPr/>
+        </p:nvGrpSpPr>
+        <p:grpSpPr>
+          <a:xfrm>
+            <a:off x="4282325" y="760679"/>
+            <a:ext cx="1002785" cy="276999"/>
+            <a:chOff x="1091303" y="2282335"/>
+            <a:chExt cx="1002785" cy="276999"/>
+          </a:xfrm>
+        </p:grpSpPr>
+        <p:cxnSp>
+          <p:nvCxnSpPr>
+            <p:cNvPr id="18" name="Straight Connector 17">
+              <a:extLst>
+                <a:ext uri="{FF2B5EF4-FFF2-40B4-BE49-F238E27FC236}">
+                  <a16:creationId xmlns:a16="http://schemas.microsoft.com/office/drawing/2014/main" id="{7F766998-D46B-2517-8BAA-F6CB8A65DEC0}"/>
+                </a:ext>
+              </a:extLst>
+            </p:cNvPr>
+            <p:cNvCxnSpPr>
+              <a:cxnSpLocks/>
+            </p:cNvCxnSpPr>
+            <p:nvPr/>
+          </p:nvCxnSpPr>
+          <p:spPr>
+            <a:xfrm>
+              <a:off x="1346510" y="2502243"/>
+              <a:ext cx="492370" cy="0"/>
+            </a:xfrm>
+            <a:prstGeom prst="line">
+              <a:avLst/>
+            </a:prstGeom>
+          </p:spPr>
+          <p:style>
+            <a:lnRef idx="1">
+              <a:schemeClr val="dk1"/>
+            </a:lnRef>
+            <a:fillRef idx="0">
+              <a:schemeClr val="dk1"/>
+            </a:fillRef>
+            <a:effectRef idx="0">
+              <a:schemeClr val="dk1"/>
+            </a:effectRef>
+            <a:fontRef idx="minor">
+              <a:schemeClr val="tx1"/>
+            </a:fontRef>
+          </p:style>
+        </p:cxnSp>
+        <p:sp>
+          <p:nvSpPr>
+            <p:cNvPr id="19" name="TextBox 18">
+              <a:extLst>
+                <a:ext uri="{FF2B5EF4-FFF2-40B4-BE49-F238E27FC236}">
+                  <a16:creationId xmlns:a16="http://schemas.microsoft.com/office/drawing/2014/main" id="{9D0B8DFB-94EA-76BB-4B1D-BFE5FACC4305}"/>
+                </a:ext>
+              </a:extLst>
+            </p:cNvPr>
+            <p:cNvSpPr txBox="1"/>
+            <p:nvPr/>
+          </p:nvSpPr>
+          <p:spPr>
+            <a:xfrm>
+              <a:off x="1091303" y="2282335"/>
+              <a:ext cx="1002785" cy="276999"/>
+            </a:xfrm>
+            <a:prstGeom prst="rect">
+              <a:avLst/>
+            </a:prstGeom>
+            <a:noFill/>
+          </p:spPr>
+          <p:txBody>
+            <a:bodyPr wrap="square" rtlCol="0">
+              <a:spAutoFit/>
+            </a:bodyPr>
+            <a:lstStyle/>
+            <a:p>
+              <a:pPr algn="ctr"/>
+              <a:r>
+                <a:rPr lang="en-US" sz="1200" dirty="0">
+                  <a:latin typeface="Calibri" panose="020F0502020204030204" pitchFamily="34" charset="0"/>
+                  <a:cs typeface="Calibri" panose="020F0502020204030204" pitchFamily="34" charset="0"/>
+                </a:rPr>
+                <a:t>***</a:t>
+              </a:r>
+            </a:p>
+          </p:txBody>
+        </p:sp>
+      </p:grpSp>
+      <p:grpSp>
+        <p:nvGrpSpPr>
+          <p:cNvPr id="20" name="Group 19">
+            <a:extLst>
+              <a:ext uri="{FF2B5EF4-FFF2-40B4-BE49-F238E27FC236}">
+                <a16:creationId xmlns:a16="http://schemas.microsoft.com/office/drawing/2014/main" id="{49559330-E92F-AEBE-049D-5F515170C4BB}"/>
+              </a:ext>
+            </a:extLst>
+          </p:cNvPr>
+          <p:cNvGrpSpPr/>
+          <p:nvPr/>
+        </p:nvGrpSpPr>
+        <p:grpSpPr>
+          <a:xfrm>
+            <a:off x="5920511" y="760678"/>
+            <a:ext cx="1002785" cy="276999"/>
+            <a:chOff x="1091303" y="2282335"/>
+            <a:chExt cx="1002785" cy="276999"/>
+          </a:xfrm>
+        </p:grpSpPr>
+        <p:cxnSp>
+          <p:nvCxnSpPr>
+            <p:cNvPr id="21" name="Straight Connector 20">
+              <a:extLst>
+                <a:ext uri="{FF2B5EF4-FFF2-40B4-BE49-F238E27FC236}">
+                  <a16:creationId xmlns:a16="http://schemas.microsoft.com/office/drawing/2014/main" id="{17DAC86A-1E8B-72D2-B16C-D3EDF958672D}"/>
+                </a:ext>
+              </a:extLst>
+            </p:cNvPr>
+            <p:cNvCxnSpPr>
+              <a:cxnSpLocks/>
+            </p:cNvCxnSpPr>
+            <p:nvPr/>
+          </p:nvCxnSpPr>
+          <p:spPr>
+            <a:xfrm>
+              <a:off x="1346510" y="2502243"/>
+              <a:ext cx="492370" cy="0"/>
+            </a:xfrm>
+            <a:prstGeom prst="line">
+              <a:avLst/>
+            </a:prstGeom>
+          </p:spPr>
+          <p:style>
+            <a:lnRef idx="1">
+              <a:schemeClr val="dk1"/>
+            </a:lnRef>
+            <a:fillRef idx="0">
+              <a:schemeClr val="dk1"/>
+            </a:fillRef>
+            <a:effectRef idx="0">
+              <a:schemeClr val="dk1"/>
+            </a:effectRef>
+            <a:fontRef idx="minor">
+              <a:schemeClr val="tx1"/>
+            </a:fontRef>
+          </p:style>
+        </p:cxnSp>
+        <p:sp>
+          <p:nvSpPr>
+            <p:cNvPr id="22" name="TextBox 21">
+              <a:extLst>
+                <a:ext uri="{FF2B5EF4-FFF2-40B4-BE49-F238E27FC236}">
+                  <a16:creationId xmlns:a16="http://schemas.microsoft.com/office/drawing/2014/main" id="{790641D8-5E9C-FEE4-2553-660F0653F340}"/>
+                </a:ext>
+              </a:extLst>
+            </p:cNvPr>
+            <p:cNvSpPr txBox="1"/>
+            <p:nvPr/>
+          </p:nvSpPr>
+          <p:spPr>
+            <a:xfrm>
+              <a:off x="1091303" y="2282335"/>
+              <a:ext cx="1002785" cy="276999"/>
+            </a:xfrm>
+            <a:prstGeom prst="rect">
+              <a:avLst/>
+            </a:prstGeom>
+            <a:noFill/>
+          </p:spPr>
+          <p:txBody>
+            <a:bodyPr wrap="square" rtlCol="0">
+              <a:spAutoFit/>
+            </a:bodyPr>
+            <a:lstStyle/>
+            <a:p>
+              <a:pPr algn="ctr"/>
+              <a:r>
+                <a:rPr lang="en-US" sz="1200" dirty="0">
+                  <a:latin typeface="Calibri" panose="020F0502020204030204" pitchFamily="34" charset="0"/>
+                  <a:cs typeface="Calibri" panose="020F0502020204030204" pitchFamily="34" charset="0"/>
+                </a:rPr>
+                <a:t>***</a:t>
+              </a:r>
+            </a:p>
+          </p:txBody>
+        </p:sp>
+      </p:grpSp>
+      <p:grpSp>
+        <p:nvGrpSpPr>
+          <p:cNvPr id="23" name="Group 22">
+            <a:extLst>
+              <a:ext uri="{FF2B5EF4-FFF2-40B4-BE49-F238E27FC236}">
+                <a16:creationId xmlns:a16="http://schemas.microsoft.com/office/drawing/2014/main" id="{7F71A11A-5495-EE81-A677-626C366A714B}"/>
+              </a:ext>
+            </a:extLst>
+          </p:cNvPr>
+          <p:cNvGrpSpPr/>
+          <p:nvPr/>
+        </p:nvGrpSpPr>
+        <p:grpSpPr>
+          <a:xfrm>
+            <a:off x="7702418" y="338648"/>
+            <a:ext cx="1002785" cy="276999"/>
+            <a:chOff x="1091303" y="2282335"/>
+            <a:chExt cx="1002785" cy="276999"/>
+          </a:xfrm>
+        </p:grpSpPr>
+        <p:cxnSp>
+          <p:nvCxnSpPr>
+            <p:cNvPr id="24" name="Straight Connector 23">
+              <a:extLst>
+                <a:ext uri="{FF2B5EF4-FFF2-40B4-BE49-F238E27FC236}">
+                  <a16:creationId xmlns:a16="http://schemas.microsoft.com/office/drawing/2014/main" id="{00D7F115-4A35-1D96-421E-D79308383AF2}"/>
+                </a:ext>
+              </a:extLst>
+            </p:cNvPr>
+            <p:cNvCxnSpPr>
+              <a:cxnSpLocks/>
+            </p:cNvCxnSpPr>
+            <p:nvPr/>
+          </p:nvCxnSpPr>
+          <p:spPr>
+            <a:xfrm>
+              <a:off x="1346510" y="2502243"/>
+              <a:ext cx="492370" cy="0"/>
+            </a:xfrm>
+            <a:prstGeom prst="line">
+              <a:avLst/>
+            </a:prstGeom>
+          </p:spPr>
+          <p:style>
+            <a:lnRef idx="1">
+              <a:schemeClr val="dk1"/>
+            </a:lnRef>
+            <a:fillRef idx="0">
+              <a:schemeClr val="dk1"/>
+            </a:fillRef>
+            <a:effectRef idx="0">
+              <a:schemeClr val="dk1"/>
+            </a:effectRef>
+            <a:fontRef idx="minor">
+              <a:schemeClr val="tx1"/>
+            </a:fontRef>
+          </p:style>
+        </p:cxnSp>
+        <p:sp>
+          <p:nvSpPr>
+            <p:cNvPr id="25" name="TextBox 24">
+              <a:extLst>
+                <a:ext uri="{FF2B5EF4-FFF2-40B4-BE49-F238E27FC236}">
+                  <a16:creationId xmlns:a16="http://schemas.microsoft.com/office/drawing/2014/main" id="{00C4016B-96D0-2D31-FDC0-81C5F9E0355D}"/>
+                </a:ext>
+              </a:extLst>
+            </p:cNvPr>
+            <p:cNvSpPr txBox="1"/>
+            <p:nvPr/>
+          </p:nvSpPr>
+          <p:spPr>
+            <a:xfrm>
+              <a:off x="1091303" y="2282335"/>
+              <a:ext cx="1002785" cy="276999"/>
+            </a:xfrm>
+            <a:prstGeom prst="rect">
+              <a:avLst/>
+            </a:prstGeom>
+            <a:noFill/>
+          </p:spPr>
+          <p:txBody>
+            <a:bodyPr wrap="square" rtlCol="0">
+              <a:spAutoFit/>
+            </a:bodyPr>
+            <a:lstStyle/>
+            <a:p>
+              <a:pPr algn="ctr"/>
+              <a:r>
+                <a:rPr lang="en-US" sz="1200" dirty="0">
+                  <a:latin typeface="Calibri" panose="020F0502020204030204" pitchFamily="34" charset="0"/>
+                  <a:cs typeface="Calibri" panose="020F0502020204030204" pitchFamily="34" charset="0"/>
+                </a:rPr>
+                <a:t>***</a:t>
+              </a:r>
+            </a:p>
+          </p:txBody>
+        </p:sp>
+      </p:grpSp>
+      <p:grpSp>
+        <p:nvGrpSpPr>
+          <p:cNvPr id="26" name="Group 25">
+            <a:extLst>
+              <a:ext uri="{FF2B5EF4-FFF2-40B4-BE49-F238E27FC236}">
+                <a16:creationId xmlns:a16="http://schemas.microsoft.com/office/drawing/2014/main" id="{132EC8BC-B5DB-89CE-FF18-4B24C9401DEC}"/>
+              </a:ext>
+            </a:extLst>
+          </p:cNvPr>
+          <p:cNvGrpSpPr/>
+          <p:nvPr/>
+        </p:nvGrpSpPr>
+        <p:grpSpPr>
+          <a:xfrm>
+            <a:off x="4036139" y="4828587"/>
+            <a:ext cx="1002785" cy="276999"/>
+            <a:chOff x="1091303" y="2282335"/>
+            <a:chExt cx="1002785" cy="276999"/>
+          </a:xfrm>
+        </p:grpSpPr>
+        <p:cxnSp>
+          <p:nvCxnSpPr>
+            <p:cNvPr id="27" name="Straight Connector 26">
+              <a:extLst>
+                <a:ext uri="{FF2B5EF4-FFF2-40B4-BE49-F238E27FC236}">
+                  <a16:creationId xmlns:a16="http://schemas.microsoft.com/office/drawing/2014/main" id="{9730F457-0218-6727-BE94-600A4B402F5C}"/>
+                </a:ext>
+              </a:extLst>
+            </p:cNvPr>
+            <p:cNvCxnSpPr>
+              <a:cxnSpLocks/>
+            </p:cNvCxnSpPr>
+            <p:nvPr/>
+          </p:nvCxnSpPr>
+          <p:spPr>
+            <a:xfrm>
+              <a:off x="1346510" y="2502243"/>
+              <a:ext cx="492370" cy="0"/>
+            </a:xfrm>
+            <a:prstGeom prst="line">
+              <a:avLst/>
+            </a:prstGeom>
+          </p:spPr>
+          <p:style>
+            <a:lnRef idx="1">
+              <a:schemeClr val="dk1"/>
+            </a:lnRef>
+            <a:fillRef idx="0">
+              <a:schemeClr val="dk1"/>
+            </a:fillRef>
+            <a:effectRef idx="0">
+              <a:schemeClr val="dk1"/>
+            </a:effectRef>
+            <a:fontRef idx="minor">
+              <a:schemeClr val="tx1"/>
+            </a:fontRef>
+          </p:style>
+        </p:cxnSp>
+        <p:sp>
+          <p:nvSpPr>
+            <p:cNvPr id="28" name="TextBox 27">
+              <a:extLst>
+                <a:ext uri="{FF2B5EF4-FFF2-40B4-BE49-F238E27FC236}">
+                  <a16:creationId xmlns:a16="http://schemas.microsoft.com/office/drawing/2014/main" id="{D137C3ED-95DB-9556-6FAA-4308C5E1080F}"/>
+                </a:ext>
+              </a:extLst>
+            </p:cNvPr>
+            <p:cNvSpPr txBox="1"/>
+            <p:nvPr/>
+          </p:nvSpPr>
+          <p:spPr>
+            <a:xfrm>
+              <a:off x="1091303" y="2282335"/>
+              <a:ext cx="1002785" cy="276999"/>
+            </a:xfrm>
+            <a:prstGeom prst="rect">
+              <a:avLst/>
+            </a:prstGeom>
+            <a:noFill/>
+          </p:spPr>
+          <p:txBody>
+            <a:bodyPr wrap="square" rtlCol="0">
+              <a:spAutoFit/>
+            </a:bodyPr>
+            <a:lstStyle/>
+            <a:p>
+              <a:pPr algn="ctr"/>
+              <a:r>
+                <a:rPr lang="en-US" sz="1200" dirty="0">
+                  <a:latin typeface="Calibri" panose="020F0502020204030204" pitchFamily="34" charset="0"/>
+                  <a:cs typeface="Calibri" panose="020F0502020204030204" pitchFamily="34" charset="0"/>
+                </a:rPr>
+                <a:t>***</a:t>
+              </a:r>
+            </a:p>
+          </p:txBody>
+        </p:sp>
+      </p:grpSp>
+      <p:grpSp>
+        <p:nvGrpSpPr>
+          <p:cNvPr id="29" name="Group 28">
+            <a:extLst>
+              <a:ext uri="{FF2B5EF4-FFF2-40B4-BE49-F238E27FC236}">
+                <a16:creationId xmlns:a16="http://schemas.microsoft.com/office/drawing/2014/main" id="{29A9EA4D-7966-F56D-3B33-41FF28415ACE}"/>
+              </a:ext>
+            </a:extLst>
+          </p:cNvPr>
+          <p:cNvGrpSpPr/>
+          <p:nvPr/>
+        </p:nvGrpSpPr>
+        <p:grpSpPr>
+          <a:xfrm>
+            <a:off x="5172933" y="4828587"/>
+            <a:ext cx="1002785" cy="276999"/>
+            <a:chOff x="1091303" y="2282335"/>
+            <a:chExt cx="1002785" cy="276999"/>
+          </a:xfrm>
+        </p:grpSpPr>
+        <p:cxnSp>
+          <p:nvCxnSpPr>
+            <p:cNvPr id="30" name="Straight Connector 29">
+              <a:extLst>
+                <a:ext uri="{FF2B5EF4-FFF2-40B4-BE49-F238E27FC236}">
+                  <a16:creationId xmlns:a16="http://schemas.microsoft.com/office/drawing/2014/main" id="{D227E5FB-5D07-DA1F-1684-3E5B767694AA}"/>
+                </a:ext>
+              </a:extLst>
+            </p:cNvPr>
+            <p:cNvCxnSpPr>
+              <a:cxnSpLocks/>
+            </p:cNvCxnSpPr>
+            <p:nvPr/>
+          </p:nvCxnSpPr>
+          <p:spPr>
+            <a:xfrm>
+              <a:off x="1346510" y="2502243"/>
+              <a:ext cx="492370" cy="0"/>
+            </a:xfrm>
+            <a:prstGeom prst="line">
+              <a:avLst/>
+            </a:prstGeom>
+          </p:spPr>
+          <p:style>
+            <a:lnRef idx="1">
+              <a:schemeClr val="dk1"/>
+            </a:lnRef>
+            <a:fillRef idx="0">
+              <a:schemeClr val="dk1"/>
+            </a:fillRef>
+            <a:effectRef idx="0">
+              <a:schemeClr val="dk1"/>
+            </a:effectRef>
+            <a:fontRef idx="minor">
+              <a:schemeClr val="tx1"/>
+            </a:fontRef>
+          </p:style>
+        </p:cxnSp>
+        <p:sp>
+          <p:nvSpPr>
+            <p:cNvPr id="31" name="TextBox 30">
+              <a:extLst>
+                <a:ext uri="{FF2B5EF4-FFF2-40B4-BE49-F238E27FC236}">
+                  <a16:creationId xmlns:a16="http://schemas.microsoft.com/office/drawing/2014/main" id="{EC79804A-1297-0A6A-8829-CB48764C66AC}"/>
+                </a:ext>
+              </a:extLst>
+            </p:cNvPr>
+            <p:cNvSpPr txBox="1"/>
+            <p:nvPr/>
+          </p:nvSpPr>
+          <p:spPr>
+            <a:xfrm>
+              <a:off x="1091303" y="2282335"/>
+              <a:ext cx="1002785" cy="276999"/>
+            </a:xfrm>
+            <a:prstGeom prst="rect">
+              <a:avLst/>
+            </a:prstGeom>
+            <a:noFill/>
+          </p:spPr>
+          <p:txBody>
+            <a:bodyPr wrap="square" rtlCol="0">
+              <a:spAutoFit/>
+            </a:bodyPr>
+            <a:lstStyle/>
+            <a:p>
+              <a:pPr algn="ctr"/>
+              <a:r>
+                <a:rPr lang="en-US" sz="1200" dirty="0">
+                  <a:latin typeface="Calibri" panose="020F0502020204030204" pitchFamily="34" charset="0"/>
+                  <a:cs typeface="Calibri" panose="020F0502020204030204" pitchFamily="34" charset="0"/>
+                </a:rPr>
+                <a:t>***</a:t>
+              </a:r>
+            </a:p>
+          </p:txBody>
+        </p:sp>
+      </p:grpSp>
+      <p:grpSp>
+        <p:nvGrpSpPr>
+          <p:cNvPr id="32" name="Group 31">
+            <a:extLst>
+              <a:ext uri="{FF2B5EF4-FFF2-40B4-BE49-F238E27FC236}">
+                <a16:creationId xmlns:a16="http://schemas.microsoft.com/office/drawing/2014/main" id="{F02FFB67-CF14-4574-E358-89391257F6E6}"/>
+              </a:ext>
+            </a:extLst>
+          </p:cNvPr>
+          <p:cNvGrpSpPr/>
+          <p:nvPr/>
+        </p:nvGrpSpPr>
+        <p:grpSpPr>
+          <a:xfrm>
+            <a:off x="6737514" y="4441726"/>
+            <a:ext cx="1002785" cy="261610"/>
+            <a:chOff x="1091303" y="2282335"/>
+            <a:chExt cx="1002785" cy="261610"/>
+          </a:xfrm>
+        </p:grpSpPr>
+        <p:cxnSp>
+          <p:nvCxnSpPr>
+            <p:cNvPr id="33" name="Straight Connector 32">
+              <a:extLst>
+                <a:ext uri="{FF2B5EF4-FFF2-40B4-BE49-F238E27FC236}">
+                  <a16:creationId xmlns:a16="http://schemas.microsoft.com/office/drawing/2014/main" id="{E3E372BE-1D67-5876-D61F-E531C54B6523}"/>
+                </a:ext>
+              </a:extLst>
+            </p:cNvPr>
+            <p:cNvCxnSpPr>
+              <a:cxnSpLocks/>
+            </p:cNvCxnSpPr>
+            <p:nvPr/>
+          </p:nvCxnSpPr>
+          <p:spPr>
+            <a:xfrm>
+              <a:off x="1346510" y="2502243"/>
+              <a:ext cx="492370" cy="0"/>
+            </a:xfrm>
+            <a:prstGeom prst="line">
+              <a:avLst/>
+            </a:prstGeom>
+          </p:spPr>
+          <p:style>
+            <a:lnRef idx="1">
+              <a:schemeClr val="dk1"/>
+            </a:lnRef>
+            <a:fillRef idx="0">
+              <a:schemeClr val="dk1"/>
+            </a:fillRef>
+            <a:effectRef idx="0">
+              <a:schemeClr val="dk1"/>
+            </a:effectRef>
+            <a:fontRef idx="minor">
+              <a:schemeClr val="tx1"/>
+            </a:fontRef>
+          </p:style>
+        </p:cxnSp>
+        <p:sp>
+          <p:nvSpPr>
+            <p:cNvPr id="34" name="TextBox 33">
+              <a:extLst>
+                <a:ext uri="{FF2B5EF4-FFF2-40B4-BE49-F238E27FC236}">
+                  <a16:creationId xmlns:a16="http://schemas.microsoft.com/office/drawing/2014/main" id="{51FDFCBF-3303-8E91-92AA-96775FC4AECB}"/>
+                </a:ext>
+              </a:extLst>
+            </p:cNvPr>
+            <p:cNvSpPr txBox="1"/>
+            <p:nvPr/>
+          </p:nvSpPr>
+          <p:spPr>
+            <a:xfrm>
+              <a:off x="1091303" y="2282335"/>
+              <a:ext cx="1002785" cy="261610"/>
+            </a:xfrm>
+            <a:prstGeom prst="rect">
+              <a:avLst/>
+            </a:prstGeom>
+            <a:noFill/>
+          </p:spPr>
+          <p:txBody>
+            <a:bodyPr wrap="square" rtlCol="0">
+              <a:spAutoFit/>
+            </a:bodyPr>
+            <a:lstStyle/>
+            <a:p>
+              <a:pPr algn="ctr"/>
+              <a:r>
+                <a:rPr lang="en-US" sz="1100" dirty="0">
+                  <a:latin typeface="Arial" panose="020B0604020202020204" pitchFamily="34" charset="0"/>
+                  <a:cs typeface="Arial" panose="020B0604020202020204" pitchFamily="34" charset="0"/>
+                </a:rPr>
+                <a:t>ns</a:t>
+              </a:r>
+            </a:p>
+          </p:txBody>
+        </p:sp>
+      </p:grpSp>
       <p:cxnSp>
         <p:nvCxnSpPr>
-          <p:cNvPr id="6" name="Straight Connector 5">
-            <a:extLst>
-              <a:ext uri="{FF2B5EF4-FFF2-40B4-BE49-F238E27FC236}">
-                <a16:creationId xmlns:a16="http://schemas.microsoft.com/office/drawing/2014/main" id="{75B546DF-C23D-5655-765D-2D63ECE30517}"/>
+          <p:cNvPr id="38" name="Straight Connector 37">
+            <a:extLst>
+              <a:ext uri="{FF2B5EF4-FFF2-40B4-BE49-F238E27FC236}">
+                <a16:creationId xmlns:a16="http://schemas.microsoft.com/office/drawing/2014/main" id="{C272A269-339E-A777-AD01-BD1C49441281}"/>
               </a:ext>
             </a:extLst>
           </p:cNvPr>
@@ -3374,8 +3962,8 @@
         </p:nvCxnSpPr>
         <p:spPr>
           <a:xfrm>
-            <a:off x="6863702" y="2169899"/>
-            <a:ext cx="552261" cy="0"/>
+            <a:off x="7485091" y="5048495"/>
+            <a:ext cx="1220112" cy="0"/>
           </a:xfrm>
           <a:prstGeom prst="line">
             <a:avLst/>
@@ -3398,10 +3986,10 @@
       </p:cxnSp>
       <p:sp>
         <p:nvSpPr>
-          <p:cNvPr id="7" name="TextBox 6">
-            <a:extLst>
-              <a:ext uri="{FF2B5EF4-FFF2-40B4-BE49-F238E27FC236}">
-                <a16:creationId xmlns:a16="http://schemas.microsoft.com/office/drawing/2014/main" id="{907D2949-5BFA-18E9-321D-EE15B99086F0}"/>
+          <p:cNvPr id="39" name="TextBox 38">
+            <a:extLst>
+              <a:ext uri="{FF2B5EF4-FFF2-40B4-BE49-F238E27FC236}">
+                <a16:creationId xmlns:a16="http://schemas.microsoft.com/office/drawing/2014/main" id="{45B6C881-1AA5-0B14-5EF2-6B5A057A2E60}"/>
               </a:ext>
             </a:extLst>
           </p:cNvPr>
@@ -3410,8 +3998,8 @@
         </p:nvSpPr>
         <p:spPr>
           <a:xfrm>
-            <a:off x="6935707" y="1949991"/>
-            <a:ext cx="480256" cy="261610"/>
+            <a:off x="7593754" y="4828587"/>
+            <a:ext cx="1002785" cy="261610"/>
           </a:xfrm>
           <a:prstGeom prst="rect">
             <a:avLst/>
@@ -3437,10 +4025,10 @@
       </p:sp>
       <p:cxnSp>
         <p:nvCxnSpPr>
-          <p:cNvPr id="8" name="Straight Connector 7">
-            <a:extLst>
-              <a:ext uri="{FF2B5EF4-FFF2-40B4-BE49-F238E27FC236}">
-                <a16:creationId xmlns:a16="http://schemas.microsoft.com/office/drawing/2014/main" id="{81A490F0-25CC-EDA6-1821-BFB5CE3462C8}"/>
+          <p:cNvPr id="41" name="Straight Connector 40">
+            <a:extLst>
+              <a:ext uri="{FF2B5EF4-FFF2-40B4-BE49-F238E27FC236}">
+                <a16:creationId xmlns:a16="http://schemas.microsoft.com/office/drawing/2014/main" id="{69156DCA-5F4C-D6F9-BAFE-C4E0FC52883A}"/>
               </a:ext>
             </a:extLst>
           </p:cNvPr>
@@ -3451,8 +4039,8 @@
         </p:nvCxnSpPr>
         <p:spPr>
           <a:xfrm>
-            <a:off x="3037672" y="4539714"/>
-            <a:ext cx="2543731" cy="0"/>
+            <a:off x="4293246" y="4546126"/>
+            <a:ext cx="1220112" cy="0"/>
           </a:xfrm>
           <a:prstGeom prst="line">
             <a:avLst/>
@@ -3475,10 +4063,10 @@
       </p:cxnSp>
       <p:sp>
         <p:nvSpPr>
-          <p:cNvPr id="9" name="TextBox 8">
-            <a:extLst>
-              <a:ext uri="{FF2B5EF4-FFF2-40B4-BE49-F238E27FC236}">
-                <a16:creationId xmlns:a16="http://schemas.microsoft.com/office/drawing/2014/main" id="{BCA9CC91-9FB8-46B2-3337-39460C602933}"/>
+          <p:cNvPr id="42" name="TextBox 41">
+            <a:extLst>
+              <a:ext uri="{FF2B5EF4-FFF2-40B4-BE49-F238E27FC236}">
+                <a16:creationId xmlns:a16="http://schemas.microsoft.com/office/drawing/2014/main" id="{6F39D78B-D931-3531-FBFE-C59CBDE7E542}"/>
               </a:ext>
             </a:extLst>
           </p:cNvPr>
@@ -3487,7 +4075,7 @@
         </p:nvSpPr>
         <p:spPr>
           <a:xfrm>
-            <a:off x="3808145" y="4319806"/>
+            <a:off x="4401909" y="4326218"/>
             <a:ext cx="1002785" cy="261610"/>
           </a:xfrm>
           <a:prstGeom prst="rect">
@@ -3514,10 +4102,10 @@
       </p:sp>
       <p:cxnSp>
         <p:nvCxnSpPr>
-          <p:cNvPr id="12" name="Straight Connector 11">
-            <a:extLst>
-              <a:ext uri="{FF2B5EF4-FFF2-40B4-BE49-F238E27FC236}">
-                <a16:creationId xmlns:a16="http://schemas.microsoft.com/office/drawing/2014/main" id="{EF01A150-E42A-435F-64BA-3F8A34A05FA4}"/>
+          <p:cNvPr id="43" name="Straight Connector 42">
+            <a:extLst>
+              <a:ext uri="{FF2B5EF4-FFF2-40B4-BE49-F238E27FC236}">
+                <a16:creationId xmlns:a16="http://schemas.microsoft.com/office/drawing/2014/main" id="{DE7E76E2-EF23-8B3B-E980-8A78D242D49A}"/>
               </a:ext>
             </a:extLst>
           </p:cNvPr>
@@ -3528,8 +4116,8 @@
         </p:nvCxnSpPr>
         <p:spPr>
           <a:xfrm>
-            <a:off x="3002047" y="3959816"/>
-            <a:ext cx="1271865" cy="0"/>
+            <a:off x="4771192" y="5286527"/>
+            <a:ext cx="1220112" cy="0"/>
           </a:xfrm>
           <a:prstGeom prst="line">
             <a:avLst/>
@@ -3552,10 +4140,10 @@
       </p:cxnSp>
       <p:sp>
         <p:nvSpPr>
-          <p:cNvPr id="13" name="TextBox 12">
-            <a:extLst>
-              <a:ext uri="{FF2B5EF4-FFF2-40B4-BE49-F238E27FC236}">
-                <a16:creationId xmlns:a16="http://schemas.microsoft.com/office/drawing/2014/main" id="{4C1EEB38-A8E7-9993-73EC-38F80C605365}"/>
+          <p:cNvPr id="44" name="TextBox 43">
+            <a:extLst>
+              <a:ext uri="{FF2B5EF4-FFF2-40B4-BE49-F238E27FC236}">
+                <a16:creationId xmlns:a16="http://schemas.microsoft.com/office/drawing/2014/main" id="{A2A84D62-DD97-C08C-D884-0D93291F25ED}"/>
               </a:ext>
             </a:extLst>
           </p:cNvPr>
@@ -3564,83 +4152,7 @@
         </p:nvSpPr>
         <p:spPr>
           <a:xfrm>
-            <a:off x="3387217" y="3738933"/>
-            <a:ext cx="501306" cy="276999"/>
-          </a:xfrm>
-          <a:prstGeom prst="rect">
-            <a:avLst/>
-          </a:prstGeom>
-          <a:noFill/>
-        </p:spPr>
-        <p:txBody>
-          <a:bodyPr wrap="square" rtlCol="0">
-            <a:spAutoFit/>
-          </a:bodyPr>
-          <a:lstStyle/>
-          <a:p>
-            <a:pPr algn="ctr"/>
-            <a:r>
-              <a:rPr lang="en-US" sz="1200" dirty="0">
-                <a:cs typeface="Arial" panose="020B0604020202020204" pitchFamily="34" charset="0"/>
-              </a:rPr>
-              <a:t>***</a:t>
-            </a:r>
-          </a:p>
-        </p:txBody>
-      </p:sp>
-      <p:cxnSp>
-        <p:nvCxnSpPr>
-          <p:cNvPr id="17" name="Straight Connector 16">
-            <a:extLst>
-              <a:ext uri="{FF2B5EF4-FFF2-40B4-BE49-F238E27FC236}">
-                <a16:creationId xmlns:a16="http://schemas.microsoft.com/office/drawing/2014/main" id="{E171B44B-D1EA-74E9-2315-A609FA1C9C62}"/>
-              </a:ext>
-            </a:extLst>
-          </p:cNvPr>
-          <p:cNvCxnSpPr>
-            <a:cxnSpLocks/>
-          </p:cNvCxnSpPr>
-          <p:nvPr/>
-        </p:nvCxnSpPr>
-        <p:spPr>
-          <a:xfrm>
-            <a:off x="3039096" y="1177018"/>
-            <a:ext cx="2543731" cy="0"/>
-          </a:xfrm>
-          <a:prstGeom prst="line">
-            <a:avLst/>
-          </a:prstGeom>
-        </p:spPr>
-        <p:style>
-          <a:lnRef idx="1">
-            <a:schemeClr val="dk1"/>
-          </a:lnRef>
-          <a:fillRef idx="0">
-            <a:schemeClr val="dk1"/>
-          </a:fillRef>
-          <a:effectRef idx="0">
-            <a:schemeClr val="dk1"/>
-          </a:effectRef>
-          <a:fontRef idx="minor">
-            <a:schemeClr val="tx1"/>
-          </a:fontRef>
-        </p:style>
-      </p:cxnSp>
-      <p:sp>
-        <p:nvSpPr>
-          <p:cNvPr id="18" name="TextBox 17">
-            <a:extLst>
-              <a:ext uri="{FF2B5EF4-FFF2-40B4-BE49-F238E27FC236}">
-                <a16:creationId xmlns:a16="http://schemas.microsoft.com/office/drawing/2014/main" id="{75534095-F6C3-6257-DE17-327C1A6B2410}"/>
-              </a:ext>
-            </a:extLst>
-          </p:cNvPr>
-          <p:cNvSpPr txBox="1"/>
-          <p:nvPr/>
-        </p:nvSpPr>
-        <p:spPr>
-          <a:xfrm>
-            <a:off x="3809569" y="957110"/>
+            <a:off x="4879855" y="5066619"/>
             <a:ext cx="1002785" cy="261610"/>
           </a:xfrm>
           <a:prstGeom prst="rect">
@@ -3665,162 +4177,10 @@
           </a:p>
         </p:txBody>
       </p:sp>
-      <p:cxnSp>
-        <p:nvCxnSpPr>
-          <p:cNvPr id="19" name="Straight Connector 18">
-            <a:extLst>
-              <a:ext uri="{FF2B5EF4-FFF2-40B4-BE49-F238E27FC236}">
-                <a16:creationId xmlns:a16="http://schemas.microsoft.com/office/drawing/2014/main" id="{A5994FDF-D521-8B0B-6B3C-9A3263114083}"/>
-              </a:ext>
-            </a:extLst>
-          </p:cNvPr>
-          <p:cNvCxnSpPr>
-            <a:cxnSpLocks/>
-          </p:cNvCxnSpPr>
-          <p:nvPr/>
-        </p:nvCxnSpPr>
-        <p:spPr>
-          <a:xfrm>
-            <a:off x="3037672" y="735619"/>
-            <a:ext cx="1271865" cy="0"/>
-          </a:xfrm>
-          <a:prstGeom prst="line">
-            <a:avLst/>
-          </a:prstGeom>
-        </p:spPr>
-        <p:style>
-          <a:lnRef idx="1">
-            <a:schemeClr val="dk1"/>
-          </a:lnRef>
-          <a:fillRef idx="0">
-            <a:schemeClr val="dk1"/>
-          </a:fillRef>
-          <a:effectRef idx="0">
-            <a:schemeClr val="dk1"/>
-          </a:effectRef>
-          <a:fontRef idx="minor">
-            <a:schemeClr val="tx1"/>
-          </a:fontRef>
-        </p:style>
-      </p:cxnSp>
-      <p:sp>
-        <p:nvSpPr>
-          <p:cNvPr id="20" name="TextBox 19">
-            <a:extLst>
-              <a:ext uri="{FF2B5EF4-FFF2-40B4-BE49-F238E27FC236}">
-                <a16:creationId xmlns:a16="http://schemas.microsoft.com/office/drawing/2014/main" id="{4615212A-0F11-267D-8EDE-ED62BCD44D5E}"/>
-              </a:ext>
-            </a:extLst>
-          </p:cNvPr>
-          <p:cNvSpPr txBox="1"/>
-          <p:nvPr/>
-        </p:nvSpPr>
-        <p:spPr>
-          <a:xfrm>
-            <a:off x="3422842" y="514736"/>
-            <a:ext cx="501306" cy="276999"/>
-          </a:xfrm>
-          <a:prstGeom prst="rect">
-            <a:avLst/>
-          </a:prstGeom>
-          <a:noFill/>
-        </p:spPr>
-        <p:txBody>
-          <a:bodyPr wrap="square" rtlCol="0">
-            <a:spAutoFit/>
-          </a:bodyPr>
-          <a:lstStyle/>
-          <a:p>
-            <a:pPr algn="ctr"/>
-            <a:r>
-              <a:rPr lang="en-US" sz="1200" dirty="0">
-                <a:cs typeface="Arial" panose="020B0604020202020204" pitchFamily="34" charset="0"/>
-              </a:rPr>
-              <a:t>***</a:t>
-            </a:r>
-          </a:p>
-        </p:txBody>
-      </p:sp>
-      <p:cxnSp>
-        <p:nvCxnSpPr>
-          <p:cNvPr id="21" name="Straight Connector 20">
-            <a:extLst>
-              <a:ext uri="{FF2B5EF4-FFF2-40B4-BE49-F238E27FC236}">
-                <a16:creationId xmlns:a16="http://schemas.microsoft.com/office/drawing/2014/main" id="{3274C34B-2EB8-7C12-1844-1CC02F858D76}"/>
-              </a:ext>
-            </a:extLst>
-          </p:cNvPr>
-          <p:cNvCxnSpPr>
-            <a:cxnSpLocks/>
-          </p:cNvCxnSpPr>
-          <p:nvPr/>
-        </p:nvCxnSpPr>
-        <p:spPr>
-          <a:xfrm>
-            <a:off x="4151357" y="606646"/>
-            <a:ext cx="1026284" cy="0"/>
-          </a:xfrm>
-          <a:prstGeom prst="line">
-            <a:avLst/>
-          </a:prstGeom>
-        </p:spPr>
-        <p:style>
-          <a:lnRef idx="1">
-            <a:schemeClr val="dk1"/>
-          </a:lnRef>
-          <a:fillRef idx="0">
-            <a:schemeClr val="dk1"/>
-          </a:fillRef>
-          <a:effectRef idx="0">
-            <a:schemeClr val="dk1"/>
-          </a:effectRef>
-          <a:fontRef idx="minor">
-            <a:schemeClr val="tx1"/>
-          </a:fontRef>
-        </p:style>
-      </p:cxnSp>
-      <p:sp>
-        <p:nvSpPr>
-          <p:cNvPr id="22" name="TextBox 21">
-            <a:extLst>
-              <a:ext uri="{FF2B5EF4-FFF2-40B4-BE49-F238E27FC236}">
-                <a16:creationId xmlns:a16="http://schemas.microsoft.com/office/drawing/2014/main" id="{661A8D34-FFE8-B958-664B-F16F67825847}"/>
-              </a:ext>
-            </a:extLst>
-          </p:cNvPr>
-          <p:cNvSpPr txBox="1"/>
-          <p:nvPr/>
-        </p:nvSpPr>
-        <p:spPr>
-          <a:xfrm>
-            <a:off x="4413846" y="385763"/>
-            <a:ext cx="501306" cy="276999"/>
-          </a:xfrm>
-          <a:prstGeom prst="rect">
-            <a:avLst/>
-          </a:prstGeom>
-          <a:noFill/>
-        </p:spPr>
-        <p:txBody>
-          <a:bodyPr wrap="square" rtlCol="0">
-            <a:spAutoFit/>
-          </a:bodyPr>
-          <a:lstStyle/>
-          <a:p>
-            <a:pPr algn="ctr"/>
-            <a:r>
-              <a:rPr lang="en-US" sz="1200" dirty="0">
-                <a:cs typeface="Arial" panose="020B0604020202020204" pitchFamily="34" charset="0"/>
-              </a:rPr>
-              <a:t>***</a:t>
-            </a:r>
-          </a:p>
-        </p:txBody>
-      </p:sp>
     </p:spTree>
     <p:extLst>
       <p:ext uri="{BB962C8B-B14F-4D97-AF65-F5344CB8AC3E}">
-        <p14:creationId xmlns:p14="http://schemas.microsoft.com/office/powerpoint/2010/main" val="3282886660"/>
+        <p14:creationId xmlns:p14="http://schemas.microsoft.com/office/powerpoint/2010/main" val="3981389946"/>
       </p:ext>
     </p:extLst>
   </p:cSld>
@@ -3849,10 +4209,10 @@
       </p:grpSpPr>
       <p:grpSp>
         <p:nvGrpSpPr>
-          <p:cNvPr id="3" name="Group 2">
-            <a:extLst>
-              <a:ext uri="{FF2B5EF4-FFF2-40B4-BE49-F238E27FC236}">
-                <a16:creationId xmlns:a16="http://schemas.microsoft.com/office/drawing/2014/main" id="{C7B7F95B-FDB8-6C91-9054-D1E1FF793EB8}"/>
+          <p:cNvPr id="4" name="Group 3">
+            <a:extLst>
+              <a:ext uri="{FF2B5EF4-FFF2-40B4-BE49-F238E27FC236}">
+                <a16:creationId xmlns:a16="http://schemas.microsoft.com/office/drawing/2014/main" id="{751DF40D-D93F-A7FE-1710-C6253EE5D722}"/>
               </a:ext>
             </a:extLst>
           </p:cNvPr>
@@ -3861,18 +4221,18 @@
         </p:nvGrpSpPr>
         <p:grpSpPr>
           <a:xfrm>
-            <a:off x="820615" y="0"/>
-            <a:ext cx="10550770" cy="6858000"/>
-            <a:chOff x="820615" y="0"/>
-            <a:chExt cx="10550770" cy="6858000"/>
+            <a:off x="-1" y="935182"/>
+            <a:ext cx="12200363" cy="4991056"/>
+            <a:chOff x="-1" y="935182"/>
+            <a:chExt cx="12200363" cy="4991056"/>
           </a:xfrm>
         </p:grpSpPr>
         <p:pic>
           <p:nvPicPr>
-            <p:cNvPr id="2" name="Picture 1" descr="A picture containing text, line, diagram, plot&#10;&#10;Description automatically generated">
+            <p:cNvPr id="57" name="Picture 56" descr="A picture containing text, line, diagram, screenshot&#10;&#10;Description automatically generated">
               <a:extLst>
                 <a:ext uri="{FF2B5EF4-FFF2-40B4-BE49-F238E27FC236}">
-                  <a16:creationId xmlns:a16="http://schemas.microsoft.com/office/drawing/2014/main" id="{DA3BDC45-D983-8A35-2094-BD7B915D7CC7}"/>
+                  <a16:creationId xmlns:a16="http://schemas.microsoft.com/office/drawing/2014/main" id="{FAAEB32D-8A58-53E3-9A96-BFE6BAF7994B}"/>
                 </a:ext>
               </a:extLst>
             </p:cNvPr>
@@ -3889,58 +4249,20 @@
           </p:blipFill>
           <p:spPr>
             <a:xfrm>
-              <a:off x="820615" y="0"/>
-              <a:ext cx="10550770" cy="6858000"/>
+              <a:off x="-1" y="935182"/>
+              <a:ext cx="12200363" cy="4991056"/>
             </a:xfrm>
             <a:prstGeom prst="rect">
               <a:avLst/>
             </a:prstGeom>
           </p:spPr>
         </p:pic>
-        <p:cxnSp>
-          <p:nvCxnSpPr>
-            <p:cNvPr id="6" name="Straight Connector 5">
+        <p:sp>
+          <p:nvSpPr>
+            <p:cNvPr id="8" name="TextBox 7">
               <a:extLst>
                 <a:ext uri="{FF2B5EF4-FFF2-40B4-BE49-F238E27FC236}">
-                  <a16:creationId xmlns:a16="http://schemas.microsoft.com/office/drawing/2014/main" id="{16133DF5-8DD3-DE5F-1280-D259AAC59710}"/>
-                </a:ext>
-              </a:extLst>
-            </p:cNvPr>
-            <p:cNvCxnSpPr>
-              <a:cxnSpLocks/>
-            </p:cNvCxnSpPr>
-            <p:nvPr/>
-          </p:nvCxnSpPr>
-          <p:spPr>
-            <a:xfrm>
-              <a:off x="2543908" y="2162274"/>
-              <a:ext cx="1512277" cy="0"/>
-            </a:xfrm>
-            <a:prstGeom prst="line">
-              <a:avLst/>
-            </a:prstGeom>
-          </p:spPr>
-          <p:style>
-            <a:lnRef idx="1">
-              <a:schemeClr val="dk1"/>
-            </a:lnRef>
-            <a:fillRef idx="0">
-              <a:schemeClr val="dk1"/>
-            </a:fillRef>
-            <a:effectRef idx="0">
-              <a:schemeClr val="dk1"/>
-            </a:effectRef>
-            <a:fontRef idx="minor">
-              <a:schemeClr val="tx1"/>
-            </a:fontRef>
-          </p:style>
-        </p:cxnSp>
-        <p:sp>
-          <p:nvSpPr>
-            <p:cNvPr id="7" name="TextBox 6">
-              <a:extLst>
-                <a:ext uri="{FF2B5EF4-FFF2-40B4-BE49-F238E27FC236}">
-                  <a16:creationId xmlns:a16="http://schemas.microsoft.com/office/drawing/2014/main" id="{A5189509-A37A-4C1A-0A2A-6317536A5ABF}"/>
+                  <a16:creationId xmlns:a16="http://schemas.microsoft.com/office/drawing/2014/main" id="{669B3EA7-4C5D-C8EB-01E9-879808D7F6A2}"/>
                 </a:ext>
               </a:extLst>
             </p:cNvPr>
@@ -3949,8 +4271,8 @@
           </p:nvSpPr>
           <p:spPr>
             <a:xfrm>
-              <a:off x="2803930" y="1942366"/>
-              <a:ext cx="1002785" cy="276999"/>
+              <a:off x="3317630" y="3243608"/>
+              <a:ext cx="1735017" cy="276999"/>
             </a:xfrm>
             <a:prstGeom prst="rect">
               <a:avLst/>
@@ -3963,61 +4285,20 @@
             </a:bodyPr>
             <a:lstStyle/>
             <a:p>
-              <a:pPr algn="ctr"/>
+              <a:pPr algn="r"/>
               <a:r>
-                <a:rPr lang="en-US" sz="1200" dirty="0">
-                  <a:latin typeface="Calibri" panose="020F0502020204030204" pitchFamily="34" charset="0"/>
-                  <a:cs typeface="Calibri" panose="020F0502020204030204" pitchFamily="34" charset="0"/>
-                </a:rPr>
-                <a:t>***</a:t>
+                <a:rPr lang="en-US" sz="1200" dirty="0"/>
+                <a:t>Increase in titer</a:t>
               </a:r>
             </a:p>
           </p:txBody>
         </p:sp>
-        <p:cxnSp>
-          <p:nvCxnSpPr>
-            <p:cNvPr id="32" name="Straight Connector 31">
+        <p:sp>
+          <p:nvSpPr>
+            <p:cNvPr id="9" name="TextBox 8">
               <a:extLst>
                 <a:ext uri="{FF2B5EF4-FFF2-40B4-BE49-F238E27FC236}">
-                  <a16:creationId xmlns:a16="http://schemas.microsoft.com/office/drawing/2014/main" id="{5E36682D-F811-5017-DDD6-7C7DC817D1A5}"/>
-                </a:ext>
-              </a:extLst>
-            </p:cNvPr>
-            <p:cNvCxnSpPr>
-              <a:cxnSpLocks/>
-            </p:cNvCxnSpPr>
-            <p:nvPr/>
-          </p:nvCxnSpPr>
-          <p:spPr>
-            <a:xfrm>
-              <a:off x="9442531" y="2289764"/>
-              <a:ext cx="1523535" cy="0"/>
-            </a:xfrm>
-            <a:prstGeom prst="line">
-              <a:avLst/>
-            </a:prstGeom>
-          </p:spPr>
-          <p:style>
-            <a:lnRef idx="1">
-              <a:schemeClr val="dk1"/>
-            </a:lnRef>
-            <a:fillRef idx="0">
-              <a:schemeClr val="dk1"/>
-            </a:fillRef>
-            <a:effectRef idx="0">
-              <a:schemeClr val="dk1"/>
-            </a:effectRef>
-            <a:fontRef idx="minor">
-              <a:schemeClr val="tx1"/>
-            </a:fontRef>
-          </p:style>
-        </p:cxnSp>
-        <p:sp>
-          <p:nvSpPr>
-            <p:cNvPr id="33" name="TextBox 32">
-              <a:extLst>
-                <a:ext uri="{FF2B5EF4-FFF2-40B4-BE49-F238E27FC236}">
-                  <a16:creationId xmlns:a16="http://schemas.microsoft.com/office/drawing/2014/main" id="{18018D12-C2F6-6285-AFC2-AF6980A4A935}"/>
+                  <a16:creationId xmlns:a16="http://schemas.microsoft.com/office/drawing/2014/main" id="{991E8F3C-CA6A-EE09-03AE-68C183282585}"/>
                 </a:ext>
               </a:extLst>
             </p:cNvPr>
@@ -4026,8 +4307,8 @@
           </p:nvSpPr>
           <p:spPr>
             <a:xfrm>
-              <a:off x="9641172" y="2062439"/>
-              <a:ext cx="1126251" cy="437787"/>
+              <a:off x="3317629" y="3532330"/>
+              <a:ext cx="1735017" cy="276999"/>
             </a:xfrm>
             <a:prstGeom prst="rect">
               <a:avLst/>
@@ -4040,156 +4321,20 @@
             </a:bodyPr>
             <a:lstStyle/>
             <a:p>
-              <a:pPr algn="ctr"/>
+              <a:pPr algn="r"/>
               <a:r>
-                <a:rPr lang="en-US" sz="1100" dirty="0">
-                  <a:latin typeface="Arial" panose="020B0604020202020204" pitchFamily="34" charset="0"/>
-                  <a:cs typeface="Arial" panose="020B0604020202020204" pitchFamily="34" charset="0"/>
-                </a:rPr>
-                <a:t>ns</a:t>
+                <a:rPr lang="en-US" sz="1200" dirty="0"/>
+                <a:t>Decrease in titer</a:t>
               </a:r>
             </a:p>
           </p:txBody>
         </p:sp>
-        <p:grpSp>
-          <p:nvGrpSpPr>
-            <p:cNvPr id="40" name="Group 39">
+        <p:sp>
+          <p:nvSpPr>
+            <p:cNvPr id="10" name="TextBox 9">
               <a:extLst>
                 <a:ext uri="{FF2B5EF4-FFF2-40B4-BE49-F238E27FC236}">
-                  <a16:creationId xmlns:a16="http://schemas.microsoft.com/office/drawing/2014/main" id="{004AF5F6-31C7-F776-8857-B618A1F61540}"/>
-                </a:ext>
-              </a:extLst>
-            </p:cNvPr>
-            <p:cNvGrpSpPr/>
-            <p:nvPr/>
-          </p:nvGrpSpPr>
-          <p:grpSpPr>
-            <a:xfrm>
-              <a:off x="8971782" y="2257135"/>
-              <a:ext cx="455814" cy="276999"/>
-              <a:chOff x="2611090" y="551617"/>
-              <a:chExt cx="928687" cy="276999"/>
-            </a:xfrm>
-          </p:grpSpPr>
-          <p:cxnSp>
-            <p:nvCxnSpPr>
-              <p:cNvPr id="41" name="Straight Connector 40">
-                <a:extLst>
-                  <a:ext uri="{FF2B5EF4-FFF2-40B4-BE49-F238E27FC236}">
-                    <a16:creationId xmlns:a16="http://schemas.microsoft.com/office/drawing/2014/main" id="{177FDCF3-3A9D-E482-7416-39BB921D2CEF}"/>
-                  </a:ext>
-                </a:extLst>
-              </p:cNvPr>
-              <p:cNvCxnSpPr>
-                <a:cxnSpLocks/>
-              </p:cNvCxnSpPr>
-              <p:nvPr/>
-            </p:nvCxnSpPr>
-            <p:spPr>
-              <a:xfrm>
-                <a:off x="2611090" y="771525"/>
-                <a:ext cx="928687" cy="0"/>
-              </a:xfrm>
-              <a:prstGeom prst="line">
-                <a:avLst/>
-              </a:prstGeom>
-            </p:spPr>
-            <p:style>
-              <a:lnRef idx="1">
-                <a:schemeClr val="dk1"/>
-              </a:lnRef>
-              <a:fillRef idx="0">
-                <a:schemeClr val="dk1"/>
-              </a:fillRef>
-              <a:effectRef idx="0">
-                <a:schemeClr val="dk1"/>
-              </a:effectRef>
-              <a:fontRef idx="minor">
-                <a:schemeClr val="tx1"/>
-              </a:fontRef>
-            </p:style>
-          </p:cxnSp>
-          <p:sp>
-            <p:nvSpPr>
-              <p:cNvPr id="42" name="TextBox 41">
-                <a:extLst>
-                  <a:ext uri="{FF2B5EF4-FFF2-40B4-BE49-F238E27FC236}">
-                    <a16:creationId xmlns:a16="http://schemas.microsoft.com/office/drawing/2014/main" id="{DB6B86A4-217B-C912-982F-B8741474DAE0}"/>
-                  </a:ext>
-                </a:extLst>
-              </p:cNvPr>
-              <p:cNvSpPr txBox="1"/>
-              <p:nvPr/>
-            </p:nvSpPr>
-            <p:spPr>
-              <a:xfrm>
-                <a:off x="2732174" y="551617"/>
-                <a:ext cx="686519" cy="276999"/>
-              </a:xfrm>
-              <a:prstGeom prst="rect">
-                <a:avLst/>
-              </a:prstGeom>
-              <a:noFill/>
-            </p:spPr>
-            <p:txBody>
-              <a:bodyPr wrap="square" rtlCol="0">
-                <a:spAutoFit/>
-              </a:bodyPr>
-              <a:lstStyle/>
-              <a:p>
-                <a:pPr algn="ctr"/>
-                <a:r>
-                  <a:rPr lang="en-US" sz="1200" dirty="0"/>
-                  <a:t>**</a:t>
-                </a:r>
-              </a:p>
-            </p:txBody>
-          </p:sp>
-        </p:grpSp>
-        <p:cxnSp>
-          <p:nvCxnSpPr>
-            <p:cNvPr id="43" name="Straight Connector 42">
-              <a:extLst>
-                <a:ext uri="{FF2B5EF4-FFF2-40B4-BE49-F238E27FC236}">
-                  <a16:creationId xmlns:a16="http://schemas.microsoft.com/office/drawing/2014/main" id="{4C406677-D35B-944F-23B8-10A7A31CADF7}"/>
-                </a:ext>
-              </a:extLst>
-            </p:cNvPr>
-            <p:cNvCxnSpPr>
-              <a:cxnSpLocks/>
-            </p:cNvCxnSpPr>
-            <p:nvPr/>
-          </p:nvCxnSpPr>
-          <p:spPr>
-            <a:xfrm>
-              <a:off x="8464781" y="2931486"/>
-              <a:ext cx="493662" cy="0"/>
-            </a:xfrm>
-            <a:prstGeom prst="line">
-              <a:avLst/>
-            </a:prstGeom>
-          </p:spPr>
-          <p:style>
-            <a:lnRef idx="1">
-              <a:schemeClr val="dk1"/>
-            </a:lnRef>
-            <a:fillRef idx="0">
-              <a:schemeClr val="dk1"/>
-            </a:fillRef>
-            <a:effectRef idx="0">
-              <a:schemeClr val="dk1"/>
-            </a:effectRef>
-            <a:fontRef idx="minor">
-              <a:schemeClr val="tx1"/>
-            </a:fontRef>
-          </p:style>
-        </p:cxnSp>
-        <p:sp>
-          <p:nvSpPr>
-            <p:cNvPr id="44" name="TextBox 43">
-              <a:extLst>
-                <a:ext uri="{FF2B5EF4-FFF2-40B4-BE49-F238E27FC236}">
-                  <a16:creationId xmlns:a16="http://schemas.microsoft.com/office/drawing/2014/main" id="{A68CEDDE-97B4-ADB6-192F-69396501751A}"/>
+                  <a16:creationId xmlns:a16="http://schemas.microsoft.com/office/drawing/2014/main" id="{432E57E5-8716-C6EA-84F6-3BB5C0C59249}"/>
                 </a:ext>
               </a:extLst>
             </p:cNvPr>
@@ -4198,8 +4343,8 @@
           </p:nvSpPr>
           <p:spPr>
             <a:xfrm>
-              <a:off x="8210220" y="2711578"/>
-              <a:ext cx="1002785" cy="261610"/>
+              <a:off x="7268307" y="3544053"/>
+              <a:ext cx="1735017" cy="276999"/>
             </a:xfrm>
             <a:prstGeom prst="rect">
               <a:avLst/>
@@ -4212,61 +4357,20 @@
             </a:bodyPr>
             <a:lstStyle/>
             <a:p>
-              <a:pPr algn="ctr"/>
+              <a:pPr algn="r"/>
               <a:r>
-                <a:rPr lang="en-US" sz="1100" dirty="0">
-                  <a:latin typeface="Arial" panose="020B0604020202020204" pitchFamily="34" charset="0"/>
-                  <a:cs typeface="Arial" panose="020B0604020202020204" pitchFamily="34" charset="0"/>
-                </a:rPr>
-                <a:t>ns</a:t>
+                <a:rPr lang="en-US" sz="1200" dirty="0"/>
+                <a:t>Increase in titer</a:t>
               </a:r>
             </a:p>
           </p:txBody>
         </p:sp>
-        <p:cxnSp>
-          <p:nvCxnSpPr>
-            <p:cNvPr id="47" name="Straight Connector 46">
+        <p:sp>
+          <p:nvSpPr>
+            <p:cNvPr id="11" name="TextBox 10">
               <a:extLst>
                 <a:ext uri="{FF2B5EF4-FFF2-40B4-BE49-F238E27FC236}">
-                  <a16:creationId xmlns:a16="http://schemas.microsoft.com/office/drawing/2014/main" id="{8459CF20-5059-183C-F9F5-EAE843248195}"/>
-                </a:ext>
-              </a:extLst>
-            </p:cNvPr>
-            <p:cNvCxnSpPr>
-              <a:cxnSpLocks/>
-            </p:cNvCxnSpPr>
-            <p:nvPr/>
-          </p:nvCxnSpPr>
-          <p:spPr>
-            <a:xfrm>
-              <a:off x="9469620" y="2627529"/>
-              <a:ext cx="493662" cy="0"/>
-            </a:xfrm>
-            <a:prstGeom prst="line">
-              <a:avLst/>
-            </a:prstGeom>
-          </p:spPr>
-          <p:style>
-            <a:lnRef idx="1">
-              <a:schemeClr val="dk1"/>
-            </a:lnRef>
-            <a:fillRef idx="0">
-              <a:schemeClr val="dk1"/>
-            </a:fillRef>
-            <a:effectRef idx="0">
-              <a:schemeClr val="dk1"/>
-            </a:effectRef>
-            <a:fontRef idx="minor">
-              <a:schemeClr val="tx1"/>
-            </a:fontRef>
-          </p:style>
-        </p:cxnSp>
-        <p:sp>
-          <p:nvSpPr>
-            <p:cNvPr id="48" name="TextBox 47">
-              <a:extLst>
-                <a:ext uri="{FF2B5EF4-FFF2-40B4-BE49-F238E27FC236}">
-                  <a16:creationId xmlns:a16="http://schemas.microsoft.com/office/drawing/2014/main" id="{80F81D8D-5081-CDAB-B51C-AB0AC8878DFC}"/>
+                  <a16:creationId xmlns:a16="http://schemas.microsoft.com/office/drawing/2014/main" id="{F06EC1CF-076D-3656-B3D7-1DF91A37CC17}"/>
                 </a:ext>
               </a:extLst>
             </p:cNvPr>
@@ -4275,8 +4379,8 @@
           </p:nvSpPr>
           <p:spPr>
             <a:xfrm>
-              <a:off x="9215059" y="2407621"/>
-              <a:ext cx="1002785" cy="261610"/>
+              <a:off x="7268306" y="3832775"/>
+              <a:ext cx="1735017" cy="276999"/>
             </a:xfrm>
             <a:prstGeom prst="rect">
               <a:avLst/>
@@ -4289,61 +4393,20 @@
             </a:bodyPr>
             <a:lstStyle/>
             <a:p>
-              <a:pPr algn="ctr"/>
+              <a:pPr algn="r"/>
               <a:r>
-                <a:rPr lang="en-US" sz="1100" dirty="0">
-                  <a:latin typeface="Arial" panose="020B0604020202020204" pitchFamily="34" charset="0"/>
-                  <a:cs typeface="Arial" panose="020B0604020202020204" pitchFamily="34" charset="0"/>
-                </a:rPr>
-                <a:t>ns</a:t>
+                <a:rPr lang="en-US" sz="1200" dirty="0"/>
+                <a:t>Decrease in titer</a:t>
               </a:r>
             </a:p>
           </p:txBody>
         </p:sp>
-        <p:cxnSp>
-          <p:nvCxnSpPr>
-            <p:cNvPr id="49" name="Straight Connector 48">
+        <p:sp>
+          <p:nvSpPr>
+            <p:cNvPr id="12" name="TextBox 11">
               <a:extLst>
                 <a:ext uri="{FF2B5EF4-FFF2-40B4-BE49-F238E27FC236}">
-                  <a16:creationId xmlns:a16="http://schemas.microsoft.com/office/drawing/2014/main" id="{39301BDB-B924-2370-FFB9-E93A996E3841}"/>
-                </a:ext>
-              </a:extLst>
-            </p:cNvPr>
-            <p:cNvCxnSpPr>
-              <a:cxnSpLocks/>
-            </p:cNvCxnSpPr>
-            <p:nvPr/>
-          </p:nvCxnSpPr>
-          <p:spPr>
-            <a:xfrm>
-              <a:off x="10472405" y="2579469"/>
-              <a:ext cx="493662" cy="0"/>
-            </a:xfrm>
-            <a:prstGeom prst="line">
-              <a:avLst/>
-            </a:prstGeom>
-          </p:spPr>
-          <p:style>
-            <a:lnRef idx="1">
-              <a:schemeClr val="dk1"/>
-            </a:lnRef>
-            <a:fillRef idx="0">
-              <a:schemeClr val="dk1"/>
-            </a:fillRef>
-            <a:effectRef idx="0">
-              <a:schemeClr val="dk1"/>
-            </a:effectRef>
-            <a:fontRef idx="minor">
-              <a:schemeClr val="tx1"/>
-            </a:fontRef>
-          </p:style>
-        </p:cxnSp>
-        <p:sp>
-          <p:nvSpPr>
-            <p:cNvPr id="50" name="TextBox 49">
-              <a:extLst>
-                <a:ext uri="{FF2B5EF4-FFF2-40B4-BE49-F238E27FC236}">
-                  <a16:creationId xmlns:a16="http://schemas.microsoft.com/office/drawing/2014/main" id="{84E0EB31-B23D-28E2-6D60-33104F96D664}"/>
+                  <a16:creationId xmlns:a16="http://schemas.microsoft.com/office/drawing/2014/main" id="{311A3FA6-09A2-A297-B78C-85D509999DD1}"/>
                 </a:ext>
               </a:extLst>
             </p:cNvPr>
@@ -4352,8 +4415,8 @@
           </p:nvSpPr>
           <p:spPr>
             <a:xfrm>
-              <a:off x="10217844" y="2359561"/>
-              <a:ext cx="1002785" cy="261610"/>
+              <a:off x="10351475" y="3544053"/>
+              <a:ext cx="1735017" cy="276999"/>
             </a:xfrm>
             <a:prstGeom prst="rect">
               <a:avLst/>
@@ -4366,104 +4429,56 @@
             </a:bodyPr>
             <a:lstStyle/>
             <a:p>
-              <a:pPr algn="ctr"/>
+              <a:pPr algn="r"/>
               <a:r>
-                <a:rPr lang="en-US" sz="1100" dirty="0">
-                  <a:latin typeface="Arial" panose="020B0604020202020204" pitchFamily="34" charset="0"/>
-                  <a:cs typeface="Arial" panose="020B0604020202020204" pitchFamily="34" charset="0"/>
-                </a:rPr>
-                <a:t>ns</a:t>
+                <a:rPr lang="en-US" sz="1200" dirty="0"/>
+                <a:t>Increase in titer</a:t>
               </a:r>
             </a:p>
           </p:txBody>
         </p:sp>
-      </p:grpSp>
-    </p:spTree>
-    <p:extLst>
-      <p:ext uri="{BB962C8B-B14F-4D97-AF65-F5344CB8AC3E}">
-        <p14:creationId xmlns:p14="http://schemas.microsoft.com/office/powerpoint/2010/main" val="2996913506"/>
-      </p:ext>
-    </p:extLst>
-  </p:cSld>
-  <p:clrMapOvr>
-    <a:masterClrMapping/>
-  </p:clrMapOvr>
-</p:sld>
-</file>
-
-<file path=ppt/slides/slide3.xml><?xml version="1.0" encoding="utf-8"?>
-<p:sld xmlns:a="http://schemas.openxmlformats.org/drawingml/2006/main" xmlns:r="http://schemas.openxmlformats.org/officeDocument/2006/relationships" xmlns:p="http://schemas.openxmlformats.org/presentationml/2006/main">
-  <p:cSld>
-    <p:spTree>
-      <p:nvGrpSpPr>
-        <p:cNvPr id="1" name=""/>
-        <p:cNvGrpSpPr/>
-        <p:nvPr/>
-      </p:nvGrpSpPr>
-      <p:grpSpPr>
-        <a:xfrm>
-          <a:off x="0" y="0"/>
-          <a:ext cx="0" cy="0"/>
-          <a:chOff x="0" y="0"/>
-          <a:chExt cx="0" cy="0"/>
-        </a:xfrm>
-      </p:grpSpPr>
-      <p:grpSp>
-        <p:nvGrpSpPr>
-          <p:cNvPr id="9" name="Group 8">
-            <a:extLst>
-              <a:ext uri="{FF2B5EF4-FFF2-40B4-BE49-F238E27FC236}">
-                <a16:creationId xmlns:a16="http://schemas.microsoft.com/office/drawing/2014/main" id="{38888394-7BB5-C32D-52D7-297CD3B01EFA}"/>
-              </a:ext>
-            </a:extLst>
-          </p:cNvPr>
-          <p:cNvGrpSpPr/>
-          <p:nvPr/>
-        </p:nvGrpSpPr>
-        <p:grpSpPr>
-          <a:xfrm>
-            <a:off x="2930769" y="0"/>
-            <a:ext cx="6330462" cy="6858000"/>
-            <a:chOff x="2930769" y="0"/>
-            <a:chExt cx="6330462" cy="6858000"/>
-          </a:xfrm>
-        </p:grpSpPr>
-        <p:pic>
-          <p:nvPicPr>
-            <p:cNvPr id="8" name="Picture 7" descr="A graph of growth rate&#10;&#10;Description automatically generated with low confidence">
+        <p:sp>
+          <p:nvSpPr>
+            <p:cNvPr id="13" name="TextBox 12">
               <a:extLst>
                 <a:ext uri="{FF2B5EF4-FFF2-40B4-BE49-F238E27FC236}">
-                  <a16:creationId xmlns:a16="http://schemas.microsoft.com/office/drawing/2014/main" id="{FC532E2A-D22B-8ACD-A4C5-C39CD8833ED8}"/>
+                  <a16:creationId xmlns:a16="http://schemas.microsoft.com/office/drawing/2014/main" id="{ECBB8C8E-7F19-8467-71E8-B8FFDE3901F4}"/>
                 </a:ext>
               </a:extLst>
             </p:cNvPr>
-            <p:cNvPicPr>
-              <a:picLocks noChangeAspect="1"/>
-            </p:cNvPicPr>
+            <p:cNvSpPr txBox="1"/>
             <p:nvPr/>
-          </p:nvPicPr>
-          <p:blipFill>
-            <a:blip r:embed="rId2"/>
-            <a:stretch>
-              <a:fillRect/>
-            </a:stretch>
-          </p:blipFill>
+          </p:nvSpPr>
           <p:spPr>
             <a:xfrm>
-              <a:off x="2930769" y="0"/>
-              <a:ext cx="6330462" cy="6858000"/>
+              <a:off x="10351474" y="3832775"/>
+              <a:ext cx="1735017" cy="276999"/>
             </a:xfrm>
             <a:prstGeom prst="rect">
               <a:avLst/>
             </a:prstGeom>
+            <a:noFill/>
           </p:spPr>
-        </p:pic>
+          <p:txBody>
+            <a:bodyPr wrap="square" rtlCol="0">
+              <a:spAutoFit/>
+            </a:bodyPr>
+            <a:lstStyle/>
+            <a:p>
+              <a:pPr algn="r"/>
+              <a:r>
+                <a:rPr lang="en-US" sz="1200" dirty="0"/>
+                <a:t>Decrease in titer</a:t>
+              </a:r>
+            </a:p>
+          </p:txBody>
+        </p:sp>
         <p:grpSp>
           <p:nvGrpSpPr>
-            <p:cNvPr id="17" name="Group 16">
+            <p:cNvPr id="21" name="Group 20">
               <a:extLst>
                 <a:ext uri="{FF2B5EF4-FFF2-40B4-BE49-F238E27FC236}">
-                  <a16:creationId xmlns:a16="http://schemas.microsoft.com/office/drawing/2014/main" id="{6C68168D-D67B-31DA-277A-BBE88BF87CC3}"/>
+                  <a16:creationId xmlns:a16="http://schemas.microsoft.com/office/drawing/2014/main" id="{1AE6074A-C8E3-9F2C-BBBE-F30F26F456BD}"/>
                 </a:ext>
               </a:extLst>
             </p:cNvPr>
@@ -4472,7 +4487,7 @@
           </p:nvGrpSpPr>
           <p:grpSpPr>
             <a:xfrm>
-              <a:off x="4282325" y="760679"/>
+              <a:off x="3778454" y="2010182"/>
               <a:ext cx="1002785" cy="276999"/>
               <a:chOff x="1091303" y="2282335"/>
               <a:chExt cx="1002785" cy="276999"/>
@@ -4480,10 +4495,10 @@
           </p:grpSpPr>
           <p:cxnSp>
             <p:nvCxnSpPr>
-              <p:cNvPr id="18" name="Straight Connector 17">
+              <p:cNvPr id="22" name="Straight Connector 21">
                 <a:extLst>
                   <a:ext uri="{FF2B5EF4-FFF2-40B4-BE49-F238E27FC236}">
-                    <a16:creationId xmlns:a16="http://schemas.microsoft.com/office/drawing/2014/main" id="{7F766998-D46B-2517-8BAA-F6CB8A65DEC0}"/>
+                    <a16:creationId xmlns:a16="http://schemas.microsoft.com/office/drawing/2014/main" id="{FCE73717-FBB8-BF01-682D-E7E9CC6AE9DA}"/>
                   </a:ext>
                 </a:extLst>
               </p:cNvPr>
@@ -4518,10 +4533,10 @@
           </p:cxnSp>
           <p:sp>
             <p:nvSpPr>
-              <p:cNvPr id="19" name="TextBox 18">
+              <p:cNvPr id="23" name="TextBox 22">
                 <a:extLst>
                   <a:ext uri="{FF2B5EF4-FFF2-40B4-BE49-F238E27FC236}">
-                    <a16:creationId xmlns:a16="http://schemas.microsoft.com/office/drawing/2014/main" id="{9D0B8DFB-94EA-76BB-4B1D-BFE5FACC4305}"/>
+                    <a16:creationId xmlns:a16="http://schemas.microsoft.com/office/drawing/2014/main" id="{404402E6-FD28-7D29-2594-D713825E0C74}"/>
                   </a:ext>
                 </a:extLst>
               </p:cNvPr>
@@ -4558,10 +4573,10 @@
         </p:grpSp>
         <p:grpSp>
           <p:nvGrpSpPr>
-            <p:cNvPr id="20" name="Group 19">
+            <p:cNvPr id="24" name="Group 23">
               <a:extLst>
                 <a:ext uri="{FF2B5EF4-FFF2-40B4-BE49-F238E27FC236}">
-                  <a16:creationId xmlns:a16="http://schemas.microsoft.com/office/drawing/2014/main" id="{49559330-E92F-AEBE-049D-5F515170C4BB}"/>
+                  <a16:creationId xmlns:a16="http://schemas.microsoft.com/office/drawing/2014/main" id="{0B8A02C0-CD28-944E-9B20-A07D7DAFF8FA}"/>
                 </a:ext>
               </a:extLst>
             </p:cNvPr>
@@ -4570,18 +4585,18 @@
           </p:nvGrpSpPr>
           <p:grpSpPr>
             <a:xfrm>
-              <a:off x="5920511" y="760678"/>
-              <a:ext cx="1002785" cy="276999"/>
+              <a:off x="6384532" y="2287181"/>
+              <a:ext cx="1002785" cy="261610"/>
               <a:chOff x="1091303" y="2282335"/>
-              <a:chExt cx="1002785" cy="276999"/>
+              <a:chExt cx="1002785" cy="261610"/>
             </a:xfrm>
           </p:grpSpPr>
           <p:cxnSp>
             <p:nvCxnSpPr>
-              <p:cNvPr id="21" name="Straight Connector 20">
+              <p:cNvPr id="25" name="Straight Connector 24">
                 <a:extLst>
                   <a:ext uri="{FF2B5EF4-FFF2-40B4-BE49-F238E27FC236}">
-                    <a16:creationId xmlns:a16="http://schemas.microsoft.com/office/drawing/2014/main" id="{17DAC86A-1E8B-72D2-B16C-D3EDF958672D}"/>
+                    <a16:creationId xmlns:a16="http://schemas.microsoft.com/office/drawing/2014/main" id="{8D1A2588-EAFE-297F-CE4D-661B5CDF1FEC}"/>
                   </a:ext>
                 </a:extLst>
               </p:cNvPr>
@@ -4616,402 +4631,10 @@
           </p:cxnSp>
           <p:sp>
             <p:nvSpPr>
-              <p:cNvPr id="22" name="TextBox 21">
+              <p:cNvPr id="26" name="TextBox 25">
                 <a:extLst>
                   <a:ext uri="{FF2B5EF4-FFF2-40B4-BE49-F238E27FC236}">
-                    <a16:creationId xmlns:a16="http://schemas.microsoft.com/office/drawing/2014/main" id="{790641D8-5E9C-FEE4-2553-660F0653F340}"/>
-                  </a:ext>
-                </a:extLst>
-              </p:cNvPr>
-              <p:cNvSpPr txBox="1"/>
-              <p:nvPr/>
-            </p:nvSpPr>
-            <p:spPr>
-              <a:xfrm>
-                <a:off x="1091303" y="2282335"/>
-                <a:ext cx="1002785" cy="276999"/>
-              </a:xfrm>
-              <a:prstGeom prst="rect">
-                <a:avLst/>
-              </a:prstGeom>
-              <a:noFill/>
-            </p:spPr>
-            <p:txBody>
-              <a:bodyPr wrap="square" rtlCol="0">
-                <a:spAutoFit/>
-              </a:bodyPr>
-              <a:lstStyle/>
-              <a:p>
-                <a:pPr algn="ctr"/>
-                <a:r>
-                  <a:rPr lang="en-US" sz="1200" dirty="0">
-                    <a:latin typeface="Calibri" panose="020F0502020204030204" pitchFamily="34" charset="0"/>
-                    <a:cs typeface="Calibri" panose="020F0502020204030204" pitchFamily="34" charset="0"/>
-                  </a:rPr>
-                  <a:t>***</a:t>
-                </a:r>
-              </a:p>
-            </p:txBody>
-          </p:sp>
-        </p:grpSp>
-        <p:grpSp>
-          <p:nvGrpSpPr>
-            <p:cNvPr id="23" name="Group 22">
-              <a:extLst>
-                <a:ext uri="{FF2B5EF4-FFF2-40B4-BE49-F238E27FC236}">
-                  <a16:creationId xmlns:a16="http://schemas.microsoft.com/office/drawing/2014/main" id="{7F71A11A-5495-EE81-A677-626C366A714B}"/>
-                </a:ext>
-              </a:extLst>
-            </p:cNvPr>
-            <p:cNvGrpSpPr/>
-            <p:nvPr/>
-          </p:nvGrpSpPr>
-          <p:grpSpPr>
-            <a:xfrm>
-              <a:off x="7702418" y="338648"/>
-              <a:ext cx="1002785" cy="276999"/>
-              <a:chOff x="1091303" y="2282335"/>
-              <a:chExt cx="1002785" cy="276999"/>
-            </a:xfrm>
-          </p:grpSpPr>
-          <p:cxnSp>
-            <p:nvCxnSpPr>
-              <p:cNvPr id="24" name="Straight Connector 23">
-                <a:extLst>
-                  <a:ext uri="{FF2B5EF4-FFF2-40B4-BE49-F238E27FC236}">
-                    <a16:creationId xmlns:a16="http://schemas.microsoft.com/office/drawing/2014/main" id="{00D7F115-4A35-1D96-421E-D79308383AF2}"/>
-                  </a:ext>
-                </a:extLst>
-              </p:cNvPr>
-              <p:cNvCxnSpPr>
-                <a:cxnSpLocks/>
-              </p:cNvCxnSpPr>
-              <p:nvPr/>
-            </p:nvCxnSpPr>
-            <p:spPr>
-              <a:xfrm>
-                <a:off x="1346510" y="2502243"/>
-                <a:ext cx="492370" cy="0"/>
-              </a:xfrm>
-              <a:prstGeom prst="line">
-                <a:avLst/>
-              </a:prstGeom>
-            </p:spPr>
-            <p:style>
-              <a:lnRef idx="1">
-                <a:schemeClr val="dk1"/>
-              </a:lnRef>
-              <a:fillRef idx="0">
-                <a:schemeClr val="dk1"/>
-              </a:fillRef>
-              <a:effectRef idx="0">
-                <a:schemeClr val="dk1"/>
-              </a:effectRef>
-              <a:fontRef idx="minor">
-                <a:schemeClr val="tx1"/>
-              </a:fontRef>
-            </p:style>
-          </p:cxnSp>
-          <p:sp>
-            <p:nvSpPr>
-              <p:cNvPr id="25" name="TextBox 24">
-                <a:extLst>
-                  <a:ext uri="{FF2B5EF4-FFF2-40B4-BE49-F238E27FC236}">
-                    <a16:creationId xmlns:a16="http://schemas.microsoft.com/office/drawing/2014/main" id="{00C4016B-96D0-2D31-FDC0-81C5F9E0355D}"/>
-                  </a:ext>
-                </a:extLst>
-              </p:cNvPr>
-              <p:cNvSpPr txBox="1"/>
-              <p:nvPr/>
-            </p:nvSpPr>
-            <p:spPr>
-              <a:xfrm>
-                <a:off x="1091303" y="2282335"/>
-                <a:ext cx="1002785" cy="276999"/>
-              </a:xfrm>
-              <a:prstGeom prst="rect">
-                <a:avLst/>
-              </a:prstGeom>
-              <a:noFill/>
-            </p:spPr>
-            <p:txBody>
-              <a:bodyPr wrap="square" rtlCol="0">
-                <a:spAutoFit/>
-              </a:bodyPr>
-              <a:lstStyle/>
-              <a:p>
-                <a:pPr algn="ctr"/>
-                <a:r>
-                  <a:rPr lang="en-US" sz="1200" dirty="0">
-                    <a:latin typeface="Calibri" panose="020F0502020204030204" pitchFamily="34" charset="0"/>
-                    <a:cs typeface="Calibri" panose="020F0502020204030204" pitchFamily="34" charset="0"/>
-                  </a:rPr>
-                  <a:t>***</a:t>
-                </a:r>
-              </a:p>
-            </p:txBody>
-          </p:sp>
-        </p:grpSp>
-        <p:grpSp>
-          <p:nvGrpSpPr>
-            <p:cNvPr id="26" name="Group 25">
-              <a:extLst>
-                <a:ext uri="{FF2B5EF4-FFF2-40B4-BE49-F238E27FC236}">
-                  <a16:creationId xmlns:a16="http://schemas.microsoft.com/office/drawing/2014/main" id="{132EC8BC-B5DB-89CE-FF18-4B24C9401DEC}"/>
-                </a:ext>
-              </a:extLst>
-            </p:cNvPr>
-            <p:cNvGrpSpPr/>
-            <p:nvPr/>
-          </p:nvGrpSpPr>
-          <p:grpSpPr>
-            <a:xfrm>
-              <a:off x="4036139" y="4828587"/>
-              <a:ext cx="1002785" cy="276999"/>
-              <a:chOff x="1091303" y="2282335"/>
-              <a:chExt cx="1002785" cy="276999"/>
-            </a:xfrm>
-          </p:grpSpPr>
-          <p:cxnSp>
-            <p:nvCxnSpPr>
-              <p:cNvPr id="27" name="Straight Connector 26">
-                <a:extLst>
-                  <a:ext uri="{FF2B5EF4-FFF2-40B4-BE49-F238E27FC236}">
-                    <a16:creationId xmlns:a16="http://schemas.microsoft.com/office/drawing/2014/main" id="{9730F457-0218-6727-BE94-600A4B402F5C}"/>
-                  </a:ext>
-                </a:extLst>
-              </p:cNvPr>
-              <p:cNvCxnSpPr>
-                <a:cxnSpLocks/>
-              </p:cNvCxnSpPr>
-              <p:nvPr/>
-            </p:nvCxnSpPr>
-            <p:spPr>
-              <a:xfrm>
-                <a:off x="1346510" y="2502243"/>
-                <a:ext cx="492370" cy="0"/>
-              </a:xfrm>
-              <a:prstGeom prst="line">
-                <a:avLst/>
-              </a:prstGeom>
-            </p:spPr>
-            <p:style>
-              <a:lnRef idx="1">
-                <a:schemeClr val="dk1"/>
-              </a:lnRef>
-              <a:fillRef idx="0">
-                <a:schemeClr val="dk1"/>
-              </a:fillRef>
-              <a:effectRef idx="0">
-                <a:schemeClr val="dk1"/>
-              </a:effectRef>
-              <a:fontRef idx="minor">
-                <a:schemeClr val="tx1"/>
-              </a:fontRef>
-            </p:style>
-          </p:cxnSp>
-          <p:sp>
-            <p:nvSpPr>
-              <p:cNvPr id="28" name="TextBox 27">
-                <a:extLst>
-                  <a:ext uri="{FF2B5EF4-FFF2-40B4-BE49-F238E27FC236}">
-                    <a16:creationId xmlns:a16="http://schemas.microsoft.com/office/drawing/2014/main" id="{D137C3ED-95DB-9556-6FAA-4308C5E1080F}"/>
-                  </a:ext>
-                </a:extLst>
-              </p:cNvPr>
-              <p:cNvSpPr txBox="1"/>
-              <p:nvPr/>
-            </p:nvSpPr>
-            <p:spPr>
-              <a:xfrm>
-                <a:off x="1091303" y="2282335"/>
-                <a:ext cx="1002785" cy="276999"/>
-              </a:xfrm>
-              <a:prstGeom prst="rect">
-                <a:avLst/>
-              </a:prstGeom>
-              <a:noFill/>
-            </p:spPr>
-            <p:txBody>
-              <a:bodyPr wrap="square" rtlCol="0">
-                <a:spAutoFit/>
-              </a:bodyPr>
-              <a:lstStyle/>
-              <a:p>
-                <a:pPr algn="ctr"/>
-                <a:r>
-                  <a:rPr lang="en-US" sz="1200" dirty="0">
-                    <a:latin typeface="Calibri" panose="020F0502020204030204" pitchFamily="34" charset="0"/>
-                    <a:cs typeface="Calibri" panose="020F0502020204030204" pitchFamily="34" charset="0"/>
-                  </a:rPr>
-                  <a:t>***</a:t>
-                </a:r>
-              </a:p>
-            </p:txBody>
-          </p:sp>
-        </p:grpSp>
-        <p:grpSp>
-          <p:nvGrpSpPr>
-            <p:cNvPr id="29" name="Group 28">
-              <a:extLst>
-                <a:ext uri="{FF2B5EF4-FFF2-40B4-BE49-F238E27FC236}">
-                  <a16:creationId xmlns:a16="http://schemas.microsoft.com/office/drawing/2014/main" id="{29A9EA4D-7966-F56D-3B33-41FF28415ACE}"/>
-                </a:ext>
-              </a:extLst>
-            </p:cNvPr>
-            <p:cNvGrpSpPr/>
-            <p:nvPr/>
-          </p:nvGrpSpPr>
-          <p:grpSpPr>
-            <a:xfrm>
-              <a:off x="5172933" y="4828587"/>
-              <a:ext cx="1002785" cy="276999"/>
-              <a:chOff x="1091303" y="2282335"/>
-              <a:chExt cx="1002785" cy="276999"/>
-            </a:xfrm>
-          </p:grpSpPr>
-          <p:cxnSp>
-            <p:nvCxnSpPr>
-              <p:cNvPr id="30" name="Straight Connector 29">
-                <a:extLst>
-                  <a:ext uri="{FF2B5EF4-FFF2-40B4-BE49-F238E27FC236}">
-                    <a16:creationId xmlns:a16="http://schemas.microsoft.com/office/drawing/2014/main" id="{D227E5FB-5D07-DA1F-1684-3E5B767694AA}"/>
-                  </a:ext>
-                </a:extLst>
-              </p:cNvPr>
-              <p:cNvCxnSpPr>
-                <a:cxnSpLocks/>
-              </p:cNvCxnSpPr>
-              <p:nvPr/>
-            </p:nvCxnSpPr>
-            <p:spPr>
-              <a:xfrm>
-                <a:off x="1346510" y="2502243"/>
-                <a:ext cx="492370" cy="0"/>
-              </a:xfrm>
-              <a:prstGeom prst="line">
-                <a:avLst/>
-              </a:prstGeom>
-            </p:spPr>
-            <p:style>
-              <a:lnRef idx="1">
-                <a:schemeClr val="dk1"/>
-              </a:lnRef>
-              <a:fillRef idx="0">
-                <a:schemeClr val="dk1"/>
-              </a:fillRef>
-              <a:effectRef idx="0">
-                <a:schemeClr val="dk1"/>
-              </a:effectRef>
-              <a:fontRef idx="minor">
-                <a:schemeClr val="tx1"/>
-              </a:fontRef>
-            </p:style>
-          </p:cxnSp>
-          <p:sp>
-            <p:nvSpPr>
-              <p:cNvPr id="31" name="TextBox 30">
-                <a:extLst>
-                  <a:ext uri="{FF2B5EF4-FFF2-40B4-BE49-F238E27FC236}">
-                    <a16:creationId xmlns:a16="http://schemas.microsoft.com/office/drawing/2014/main" id="{EC79804A-1297-0A6A-8829-CB48764C66AC}"/>
-                  </a:ext>
-                </a:extLst>
-              </p:cNvPr>
-              <p:cNvSpPr txBox="1"/>
-              <p:nvPr/>
-            </p:nvSpPr>
-            <p:spPr>
-              <a:xfrm>
-                <a:off x="1091303" y="2282335"/>
-                <a:ext cx="1002785" cy="276999"/>
-              </a:xfrm>
-              <a:prstGeom prst="rect">
-                <a:avLst/>
-              </a:prstGeom>
-              <a:noFill/>
-            </p:spPr>
-            <p:txBody>
-              <a:bodyPr wrap="square" rtlCol="0">
-                <a:spAutoFit/>
-              </a:bodyPr>
-              <a:lstStyle/>
-              <a:p>
-                <a:pPr algn="ctr"/>
-                <a:r>
-                  <a:rPr lang="en-US" sz="1200" dirty="0">
-                    <a:latin typeface="Calibri" panose="020F0502020204030204" pitchFamily="34" charset="0"/>
-                    <a:cs typeface="Calibri" panose="020F0502020204030204" pitchFamily="34" charset="0"/>
-                  </a:rPr>
-                  <a:t>***</a:t>
-                </a:r>
-              </a:p>
-            </p:txBody>
-          </p:sp>
-        </p:grpSp>
-        <p:grpSp>
-          <p:nvGrpSpPr>
-            <p:cNvPr id="32" name="Group 31">
-              <a:extLst>
-                <a:ext uri="{FF2B5EF4-FFF2-40B4-BE49-F238E27FC236}">
-                  <a16:creationId xmlns:a16="http://schemas.microsoft.com/office/drawing/2014/main" id="{F02FFB67-CF14-4574-E358-89391257F6E6}"/>
-                </a:ext>
-              </a:extLst>
-            </p:cNvPr>
-            <p:cNvGrpSpPr/>
-            <p:nvPr/>
-          </p:nvGrpSpPr>
-          <p:grpSpPr>
-            <a:xfrm>
-              <a:off x="6737514" y="4441726"/>
-              <a:ext cx="1002785" cy="261610"/>
-              <a:chOff x="1091303" y="2282335"/>
-              <a:chExt cx="1002785" cy="261610"/>
-            </a:xfrm>
-          </p:grpSpPr>
-          <p:cxnSp>
-            <p:nvCxnSpPr>
-              <p:cNvPr id="33" name="Straight Connector 32">
-                <a:extLst>
-                  <a:ext uri="{FF2B5EF4-FFF2-40B4-BE49-F238E27FC236}">
-                    <a16:creationId xmlns:a16="http://schemas.microsoft.com/office/drawing/2014/main" id="{E3E372BE-1D67-5876-D61F-E531C54B6523}"/>
-                  </a:ext>
-                </a:extLst>
-              </p:cNvPr>
-              <p:cNvCxnSpPr>
-                <a:cxnSpLocks/>
-              </p:cNvCxnSpPr>
-              <p:nvPr/>
-            </p:nvCxnSpPr>
-            <p:spPr>
-              <a:xfrm>
-                <a:off x="1346510" y="2502243"/>
-                <a:ext cx="492370" cy="0"/>
-              </a:xfrm>
-              <a:prstGeom prst="line">
-                <a:avLst/>
-              </a:prstGeom>
-            </p:spPr>
-            <p:style>
-              <a:lnRef idx="1">
-                <a:schemeClr val="dk1"/>
-              </a:lnRef>
-              <a:fillRef idx="0">
-                <a:schemeClr val="dk1"/>
-              </a:fillRef>
-              <a:effectRef idx="0">
-                <a:schemeClr val="dk1"/>
-              </a:effectRef>
-              <a:fontRef idx="minor">
-                <a:schemeClr val="tx1"/>
-              </a:fontRef>
-            </p:style>
-          </p:cxnSp>
-          <p:sp>
-            <p:nvSpPr>
-              <p:cNvPr id="34" name="TextBox 33">
-                <a:extLst>
-                  <a:ext uri="{FF2B5EF4-FFF2-40B4-BE49-F238E27FC236}">
-                    <a16:creationId xmlns:a16="http://schemas.microsoft.com/office/drawing/2014/main" id="{51FDFCBF-3303-8E91-92AA-96775FC4AECB}"/>
+                    <a16:creationId xmlns:a16="http://schemas.microsoft.com/office/drawing/2014/main" id="{F66F1C28-7DEE-DC82-D6DE-1AA9CDC830B7}"/>
                   </a:ext>
                 </a:extLst>
               </p:cNvPr>
@@ -5048,10 +4671,10 @@
         </p:grpSp>
         <p:cxnSp>
           <p:nvCxnSpPr>
-            <p:cNvPr id="38" name="Straight Connector 37">
+            <p:cNvPr id="28" name="Straight Connector 27">
               <a:extLst>
                 <a:ext uri="{FF2B5EF4-FFF2-40B4-BE49-F238E27FC236}">
-                  <a16:creationId xmlns:a16="http://schemas.microsoft.com/office/drawing/2014/main" id="{C272A269-339E-A777-AD01-BD1C49441281}"/>
+                  <a16:creationId xmlns:a16="http://schemas.microsoft.com/office/drawing/2014/main" id="{3E8A0B24-3DE5-C6DF-A482-B55E5592A096}"/>
                 </a:ext>
               </a:extLst>
             </p:cNvPr>
@@ -5062,8 +4685,8 @@
           </p:nvCxnSpPr>
           <p:spPr>
             <a:xfrm>
-              <a:off x="7485091" y="5048495"/>
-              <a:ext cx="1220112" cy="0"/>
+              <a:off x="1329099" y="3240522"/>
+              <a:ext cx="1500557" cy="0"/>
             </a:xfrm>
             <a:prstGeom prst="line">
               <a:avLst/>
@@ -5086,10 +4709,10 @@
         </p:cxnSp>
         <p:sp>
           <p:nvSpPr>
-            <p:cNvPr id="39" name="TextBox 38">
+            <p:cNvPr id="34" name="TextBox 33">
               <a:extLst>
                 <a:ext uri="{FF2B5EF4-FFF2-40B4-BE49-F238E27FC236}">
-                  <a16:creationId xmlns:a16="http://schemas.microsoft.com/office/drawing/2014/main" id="{45B6C881-1AA5-0B14-5EF2-6B5A057A2E60}"/>
+                  <a16:creationId xmlns:a16="http://schemas.microsoft.com/office/drawing/2014/main" id="{EB885C8F-EC49-F1A9-234F-B5019CAAE883}"/>
                 </a:ext>
               </a:extLst>
             </p:cNvPr>
@@ -5098,7 +4721,7 @@
           </p:nvSpPr>
           <p:spPr>
             <a:xfrm>
-              <a:off x="7593754" y="4828587"/>
+              <a:off x="1577985" y="2999998"/>
               <a:ext cx="1002785" cy="261610"/>
             </a:xfrm>
             <a:prstGeom prst="rect">
@@ -5125,10 +4748,10 @@
         </p:sp>
         <p:cxnSp>
           <p:nvCxnSpPr>
-            <p:cNvPr id="41" name="Straight Connector 40">
+            <p:cNvPr id="35" name="Straight Connector 34">
               <a:extLst>
                 <a:ext uri="{FF2B5EF4-FFF2-40B4-BE49-F238E27FC236}">
-                  <a16:creationId xmlns:a16="http://schemas.microsoft.com/office/drawing/2014/main" id="{69156DCA-5F4C-D6F9-BAFE-C4E0FC52883A}"/>
+                  <a16:creationId xmlns:a16="http://schemas.microsoft.com/office/drawing/2014/main" id="{60712D2B-8E18-4783-F179-997194B701C1}"/>
                 </a:ext>
               </a:extLst>
             </p:cNvPr>
@@ -5139,8 +4762,8 @@
           </p:nvCxnSpPr>
           <p:spPr>
             <a:xfrm>
-              <a:off x="4293246" y="4546126"/>
-              <a:ext cx="1220112" cy="0"/>
+              <a:off x="10163908" y="2977009"/>
+              <a:ext cx="1337353" cy="0"/>
             </a:xfrm>
             <a:prstGeom prst="line">
               <a:avLst/>
@@ -5163,10 +4786,10 @@
         </p:cxnSp>
         <p:sp>
           <p:nvSpPr>
-            <p:cNvPr id="42" name="TextBox 41">
+            <p:cNvPr id="36" name="TextBox 35">
               <a:extLst>
                 <a:ext uri="{FF2B5EF4-FFF2-40B4-BE49-F238E27FC236}">
-                  <a16:creationId xmlns:a16="http://schemas.microsoft.com/office/drawing/2014/main" id="{6F39D78B-D931-3531-FBFE-C59CBDE7E542}"/>
+                  <a16:creationId xmlns:a16="http://schemas.microsoft.com/office/drawing/2014/main" id="{02FB071A-E20E-C69C-1660-D80D6FC8AA17}"/>
                 </a:ext>
               </a:extLst>
             </p:cNvPr>
@@ -5175,7 +4798,7 @@
           </p:nvSpPr>
           <p:spPr>
             <a:xfrm>
-              <a:off x="4401909" y="4326218"/>
+              <a:off x="10296482" y="2736485"/>
               <a:ext cx="1002785" cy="261610"/>
             </a:xfrm>
             <a:prstGeom prst="rect">
@@ -5202,10 +4825,10 @@
         </p:sp>
         <p:cxnSp>
           <p:nvCxnSpPr>
-            <p:cNvPr id="43" name="Straight Connector 42">
+            <p:cNvPr id="37" name="Straight Connector 36">
               <a:extLst>
                 <a:ext uri="{FF2B5EF4-FFF2-40B4-BE49-F238E27FC236}">
-                  <a16:creationId xmlns:a16="http://schemas.microsoft.com/office/drawing/2014/main" id="{DE7E76E2-EF23-8B3B-E980-8A78D242D49A}"/>
+                  <a16:creationId xmlns:a16="http://schemas.microsoft.com/office/drawing/2014/main" id="{B8844640-DED1-D12B-0C9E-31731268F789}"/>
                 </a:ext>
               </a:extLst>
             </p:cNvPr>
@@ -5216,8 +4839,8 @@
           </p:nvCxnSpPr>
           <p:spPr>
             <a:xfrm>
-              <a:off x="4771192" y="5286527"/>
-              <a:ext cx="1220112" cy="0"/>
+              <a:off x="9694985" y="2209706"/>
+              <a:ext cx="1289538" cy="0"/>
             </a:xfrm>
             <a:prstGeom prst="line">
               <a:avLst/>
@@ -5240,10 +4863,10 @@
         </p:cxnSp>
         <p:sp>
           <p:nvSpPr>
-            <p:cNvPr id="44" name="TextBox 43">
+            <p:cNvPr id="38" name="TextBox 37">
               <a:extLst>
                 <a:ext uri="{FF2B5EF4-FFF2-40B4-BE49-F238E27FC236}">
-                  <a16:creationId xmlns:a16="http://schemas.microsoft.com/office/drawing/2014/main" id="{A2A84D62-DD97-C08C-D884-0D93291F25ED}"/>
+                  <a16:creationId xmlns:a16="http://schemas.microsoft.com/office/drawing/2014/main" id="{5432DBB6-73B3-9D1E-AE39-288D93A2888C}"/>
                 </a:ext>
               </a:extLst>
             </p:cNvPr>
@@ -5252,7 +4875,192 @@
           </p:nvSpPr>
           <p:spPr>
             <a:xfrm>
-              <a:off x="4879855" y="5066619"/>
+              <a:off x="9850081" y="1969182"/>
+              <a:ext cx="1002785" cy="261610"/>
+            </a:xfrm>
+            <a:prstGeom prst="rect">
+              <a:avLst/>
+            </a:prstGeom>
+            <a:noFill/>
+          </p:spPr>
+          <p:txBody>
+            <a:bodyPr wrap="square" rtlCol="0">
+              <a:spAutoFit/>
+            </a:bodyPr>
+            <a:lstStyle/>
+            <a:p>
+              <a:pPr algn="ctr"/>
+              <a:r>
+                <a:rPr lang="en-US" sz="1100" dirty="0">
+                  <a:latin typeface="Arial" panose="020B0604020202020204" pitchFamily="34" charset="0"/>
+                  <a:cs typeface="Arial" panose="020B0604020202020204" pitchFamily="34" charset="0"/>
+                </a:rPr>
+                <a:t>ns</a:t>
+              </a:r>
+            </a:p>
+          </p:txBody>
+        </p:sp>
+        <p:pic>
+          <p:nvPicPr>
+            <p:cNvPr id="50" name="Graphic 49" descr="Close with solid fill">
+              <a:extLst>
+                <a:ext uri="{FF2B5EF4-FFF2-40B4-BE49-F238E27FC236}">
+                  <a16:creationId xmlns:a16="http://schemas.microsoft.com/office/drawing/2014/main" id="{1B5C1007-D10D-7100-5E40-68637D9060E4}"/>
+                </a:ext>
+              </a:extLst>
+            </p:cNvPr>
+            <p:cNvPicPr>
+              <a:picLocks noChangeAspect="1"/>
+            </p:cNvPicPr>
+            <p:nvPr/>
+          </p:nvPicPr>
+          <p:blipFill>
+            <a:blip r:embed="rId3">
+              <a:extLst>
+                <a:ext uri="{96DAC541-7B7A-43D3-8B79-37D633B846F1}">
+                  <asvg:svgBlip xmlns:asvg="http://schemas.microsoft.com/office/drawing/2016/SVG/main" r:embed="rId4"/>
+                </a:ext>
+              </a:extLst>
+            </a:blip>
+            <a:stretch>
+              <a:fillRect/>
+            </a:stretch>
+          </p:blipFill>
+          <p:spPr>
+            <a:xfrm>
+              <a:off x="3096588" y="4330217"/>
+              <a:ext cx="228992" cy="228992"/>
+            </a:xfrm>
+            <a:prstGeom prst="rect">
+              <a:avLst/>
+            </a:prstGeom>
+          </p:spPr>
+        </p:pic>
+        <p:pic>
+          <p:nvPicPr>
+            <p:cNvPr id="51" name="Graphic 50" descr="Close with solid fill">
+              <a:extLst>
+                <a:ext uri="{FF2B5EF4-FFF2-40B4-BE49-F238E27FC236}">
+                  <a16:creationId xmlns:a16="http://schemas.microsoft.com/office/drawing/2014/main" id="{284130FC-1FA0-2D43-7A40-A5BEC954EBE5}"/>
+                </a:ext>
+              </a:extLst>
+            </p:cNvPr>
+            <p:cNvPicPr>
+              <a:picLocks noChangeAspect="1"/>
+            </p:cNvPicPr>
+            <p:nvPr/>
+          </p:nvPicPr>
+          <p:blipFill>
+            <a:blip r:embed="rId3">
+              <a:extLst>
+                <a:ext uri="{96DAC541-7B7A-43D3-8B79-37D633B846F1}">
+                  <asvg:svgBlip xmlns:asvg="http://schemas.microsoft.com/office/drawing/2016/SVG/main" r:embed="rId4"/>
+                </a:ext>
+              </a:extLst>
+            </a:blip>
+            <a:stretch>
+              <a:fillRect/>
+            </a:stretch>
+          </p:blipFill>
+          <p:spPr>
+            <a:xfrm>
+              <a:off x="1738240" y="4330217"/>
+              <a:ext cx="228992" cy="228992"/>
+            </a:xfrm>
+            <a:prstGeom prst="rect">
+              <a:avLst/>
+            </a:prstGeom>
+          </p:spPr>
+        </p:pic>
+        <p:pic>
+          <p:nvPicPr>
+            <p:cNvPr id="52" name="Graphic 51" descr="Close with solid fill">
+              <a:extLst>
+                <a:ext uri="{FF2B5EF4-FFF2-40B4-BE49-F238E27FC236}">
+                  <a16:creationId xmlns:a16="http://schemas.microsoft.com/office/drawing/2014/main" id="{E0E8DF3E-C7B1-074A-FC9A-0D594EAECBA4}"/>
+                </a:ext>
+              </a:extLst>
+            </p:cNvPr>
+            <p:cNvPicPr>
+              <a:picLocks noChangeAspect="1"/>
+            </p:cNvPicPr>
+            <p:nvPr/>
+          </p:nvPicPr>
+          <p:blipFill>
+            <a:blip r:embed="rId3">
+              <a:extLst>
+                <a:ext uri="{96DAC541-7B7A-43D3-8B79-37D633B846F1}">
+                  <asvg:svgBlip xmlns:asvg="http://schemas.microsoft.com/office/drawing/2016/SVG/main" r:embed="rId4"/>
+                </a:ext>
+              </a:extLst>
+            </a:blip>
+            <a:stretch>
+              <a:fillRect/>
+            </a:stretch>
+          </p:blipFill>
+          <p:spPr>
+            <a:xfrm>
+              <a:off x="7838215" y="4514483"/>
+              <a:ext cx="228992" cy="228992"/>
+            </a:xfrm>
+            <a:prstGeom prst="rect">
+              <a:avLst/>
+            </a:prstGeom>
+          </p:spPr>
+        </p:pic>
+        <p:cxnSp>
+          <p:nvCxnSpPr>
+            <p:cNvPr id="2" name="Straight Connector 1">
+              <a:extLst>
+                <a:ext uri="{FF2B5EF4-FFF2-40B4-BE49-F238E27FC236}">
+                  <a16:creationId xmlns:a16="http://schemas.microsoft.com/office/drawing/2014/main" id="{4BF84E95-863C-8965-14C6-3FB6E9B33D40}"/>
+                </a:ext>
+              </a:extLst>
+            </p:cNvPr>
+            <p:cNvCxnSpPr>
+              <a:cxnSpLocks/>
+            </p:cNvCxnSpPr>
+            <p:nvPr/>
+          </p:nvCxnSpPr>
+          <p:spPr>
+            <a:xfrm>
+              <a:off x="7145633" y="3107814"/>
+              <a:ext cx="1337353" cy="0"/>
+            </a:xfrm>
+            <a:prstGeom prst="line">
+              <a:avLst/>
+            </a:prstGeom>
+          </p:spPr>
+          <p:style>
+            <a:lnRef idx="1">
+              <a:schemeClr val="dk1"/>
+            </a:lnRef>
+            <a:fillRef idx="0">
+              <a:schemeClr val="dk1"/>
+            </a:fillRef>
+            <a:effectRef idx="0">
+              <a:schemeClr val="dk1"/>
+            </a:effectRef>
+            <a:fontRef idx="minor">
+              <a:schemeClr val="tx1"/>
+            </a:fontRef>
+          </p:style>
+        </p:cxnSp>
+        <p:sp>
+          <p:nvSpPr>
+            <p:cNvPr id="3" name="TextBox 2">
+              <a:extLst>
+                <a:ext uri="{FF2B5EF4-FFF2-40B4-BE49-F238E27FC236}">
+                  <a16:creationId xmlns:a16="http://schemas.microsoft.com/office/drawing/2014/main" id="{86388578-7CB6-BCFB-7E89-6D1D5FCDED57}"/>
+                </a:ext>
+              </a:extLst>
+            </p:cNvPr>
+            <p:cNvSpPr txBox="1"/>
+            <p:nvPr/>
+          </p:nvSpPr>
+          <p:spPr>
+            <a:xfrm>
+              <a:off x="7278207" y="2867290"/>
               <a:ext cx="1002785" cy="261610"/>
             </a:xfrm>
             <a:prstGeom prst="rect">
@@ -5281,7 +5089,630 @@
     </p:spTree>
     <p:extLst>
       <p:ext uri="{BB962C8B-B14F-4D97-AF65-F5344CB8AC3E}">
-        <p14:creationId xmlns:p14="http://schemas.microsoft.com/office/powerpoint/2010/main" val="3981389946"/>
+        <p14:creationId xmlns:p14="http://schemas.microsoft.com/office/powerpoint/2010/main" val="1254938812"/>
+      </p:ext>
+    </p:extLst>
+  </p:cSld>
+  <p:clrMapOvr>
+    <a:masterClrMapping/>
+  </p:clrMapOvr>
+</p:sld>
+</file>
+
+<file path=ppt/slides/slide3.xml><?xml version="1.0" encoding="utf-8"?>
+<p:sld xmlns:a="http://schemas.openxmlformats.org/drawingml/2006/main" xmlns:r="http://schemas.openxmlformats.org/officeDocument/2006/relationships" xmlns:p="http://schemas.openxmlformats.org/presentationml/2006/main">
+  <p:cSld>
+    <p:spTree>
+      <p:nvGrpSpPr>
+        <p:cNvPr id="1" name=""/>
+        <p:cNvGrpSpPr/>
+        <p:nvPr/>
+      </p:nvGrpSpPr>
+      <p:grpSpPr>
+        <a:xfrm>
+          <a:off x="0" y="0"/>
+          <a:ext cx="0" cy="0"/>
+          <a:chOff x="0" y="0"/>
+          <a:chExt cx="0" cy="0"/>
+        </a:xfrm>
+      </p:grpSpPr>
+      <p:grpSp>
+        <p:nvGrpSpPr>
+          <p:cNvPr id="32" name="Group 31">
+            <a:extLst>
+              <a:ext uri="{FF2B5EF4-FFF2-40B4-BE49-F238E27FC236}">
+                <a16:creationId xmlns:a16="http://schemas.microsoft.com/office/drawing/2014/main" id="{775CF9E8-420D-041E-C095-13FEECEE0D06}"/>
+              </a:ext>
+            </a:extLst>
+          </p:cNvPr>
+          <p:cNvGrpSpPr/>
+          <p:nvPr/>
+        </p:nvGrpSpPr>
+        <p:grpSpPr>
+          <a:xfrm>
+            <a:off x="1768928" y="0"/>
+            <a:ext cx="8654144" cy="6858000"/>
+            <a:chOff x="1768928" y="0"/>
+            <a:chExt cx="8654144" cy="6858000"/>
+          </a:xfrm>
+        </p:grpSpPr>
+        <p:grpSp>
+          <p:nvGrpSpPr>
+            <p:cNvPr id="23" name="Group 22">
+              <a:extLst>
+                <a:ext uri="{FF2B5EF4-FFF2-40B4-BE49-F238E27FC236}">
+                  <a16:creationId xmlns:a16="http://schemas.microsoft.com/office/drawing/2014/main" id="{4714BDCA-ECD7-6461-7C9F-187298FD1F04}"/>
+                </a:ext>
+              </a:extLst>
+            </p:cNvPr>
+            <p:cNvGrpSpPr/>
+            <p:nvPr/>
+          </p:nvGrpSpPr>
+          <p:grpSpPr>
+            <a:xfrm>
+              <a:off x="1768928" y="0"/>
+              <a:ext cx="8654144" cy="6858000"/>
+              <a:chOff x="1768928" y="0"/>
+              <a:chExt cx="8654144" cy="6858000"/>
+            </a:xfrm>
+          </p:grpSpPr>
+          <p:pic>
+            <p:nvPicPr>
+              <p:cNvPr id="22" name="Picture 21" descr="A picture containing text, diagram, screenshot, line&#10;&#10;Description automatically generated">
+                <a:extLst>
+                  <a:ext uri="{FF2B5EF4-FFF2-40B4-BE49-F238E27FC236}">
+                    <a16:creationId xmlns:a16="http://schemas.microsoft.com/office/drawing/2014/main" id="{6BBEEF89-F186-883D-A7D6-1AD42A420C72}"/>
+                  </a:ext>
+                </a:extLst>
+              </p:cNvPr>
+              <p:cNvPicPr>
+                <a:picLocks noChangeAspect="1"/>
+              </p:cNvPicPr>
+              <p:nvPr/>
+            </p:nvPicPr>
+            <p:blipFill>
+              <a:blip r:embed="rId2"/>
+              <a:stretch>
+                <a:fillRect/>
+              </a:stretch>
+            </p:blipFill>
+            <p:spPr>
+              <a:xfrm>
+                <a:off x="1768928" y="0"/>
+                <a:ext cx="8654144" cy="6858000"/>
+              </a:xfrm>
+              <a:prstGeom prst="rect">
+                <a:avLst/>
+              </a:prstGeom>
+            </p:spPr>
+          </p:pic>
+          <p:sp>
+            <p:nvSpPr>
+              <p:cNvPr id="4" name="TextBox 3">
+                <a:extLst>
+                  <a:ext uri="{FF2B5EF4-FFF2-40B4-BE49-F238E27FC236}">
+                    <a16:creationId xmlns:a16="http://schemas.microsoft.com/office/drawing/2014/main" id="{0EADA193-C59C-F0C8-7380-199C981A08C7}"/>
+                  </a:ext>
+                </a:extLst>
+              </p:cNvPr>
+              <p:cNvSpPr txBox="1"/>
+              <p:nvPr/>
+            </p:nvSpPr>
+            <p:spPr>
+              <a:xfrm>
+                <a:off x="2411675" y="1828800"/>
+                <a:ext cx="1735017" cy="276999"/>
+              </a:xfrm>
+              <a:prstGeom prst="rect">
+                <a:avLst/>
+              </a:prstGeom>
+              <a:noFill/>
+            </p:spPr>
+            <p:txBody>
+              <a:bodyPr wrap="square" rtlCol="0">
+                <a:spAutoFit/>
+              </a:bodyPr>
+              <a:lstStyle/>
+              <a:p>
+                <a:pPr algn="r"/>
+                <a:r>
+                  <a:rPr lang="en-US" sz="1200" dirty="0"/>
+                  <a:t>Increase in titer</a:t>
+                </a:r>
+              </a:p>
+            </p:txBody>
+          </p:sp>
+          <p:sp>
+            <p:nvSpPr>
+              <p:cNvPr id="5" name="TextBox 4">
+                <a:extLst>
+                  <a:ext uri="{FF2B5EF4-FFF2-40B4-BE49-F238E27FC236}">
+                    <a16:creationId xmlns:a16="http://schemas.microsoft.com/office/drawing/2014/main" id="{DEB8BD8C-27CB-17A4-C628-4AAE53D9D8A6}"/>
+                  </a:ext>
+                </a:extLst>
+              </p:cNvPr>
+              <p:cNvSpPr txBox="1"/>
+              <p:nvPr/>
+            </p:nvSpPr>
+            <p:spPr>
+              <a:xfrm>
+                <a:off x="2411674" y="2117522"/>
+                <a:ext cx="1735017" cy="276999"/>
+              </a:xfrm>
+              <a:prstGeom prst="rect">
+                <a:avLst/>
+              </a:prstGeom>
+              <a:noFill/>
+            </p:spPr>
+            <p:txBody>
+              <a:bodyPr wrap="square" rtlCol="0">
+                <a:spAutoFit/>
+              </a:bodyPr>
+              <a:lstStyle/>
+              <a:p>
+                <a:pPr algn="r"/>
+                <a:r>
+                  <a:rPr lang="en-US" sz="1200" dirty="0"/>
+                  <a:t>Decrease in titer</a:t>
+                </a:r>
+              </a:p>
+            </p:txBody>
+          </p:sp>
+          <p:sp>
+            <p:nvSpPr>
+              <p:cNvPr id="6" name="TextBox 5">
+                <a:extLst>
+                  <a:ext uri="{FF2B5EF4-FFF2-40B4-BE49-F238E27FC236}">
+                    <a16:creationId xmlns:a16="http://schemas.microsoft.com/office/drawing/2014/main" id="{9D171099-E458-F271-5123-2EAA06EA58A6}"/>
+                  </a:ext>
+                </a:extLst>
+              </p:cNvPr>
+              <p:cNvSpPr txBox="1"/>
+              <p:nvPr/>
+            </p:nvSpPr>
+            <p:spPr>
+              <a:xfrm>
+                <a:off x="2411676" y="5106352"/>
+                <a:ext cx="1735017" cy="276999"/>
+              </a:xfrm>
+              <a:prstGeom prst="rect">
+                <a:avLst/>
+              </a:prstGeom>
+              <a:noFill/>
+            </p:spPr>
+            <p:txBody>
+              <a:bodyPr wrap="square" rtlCol="0">
+                <a:spAutoFit/>
+              </a:bodyPr>
+              <a:lstStyle/>
+              <a:p>
+                <a:pPr algn="r"/>
+                <a:r>
+                  <a:rPr lang="en-US" sz="1200" dirty="0"/>
+                  <a:t>Increase in titer</a:t>
+                </a:r>
+              </a:p>
+            </p:txBody>
+          </p:sp>
+          <p:sp>
+            <p:nvSpPr>
+              <p:cNvPr id="8" name="TextBox 7">
+                <a:extLst>
+                  <a:ext uri="{FF2B5EF4-FFF2-40B4-BE49-F238E27FC236}">
+                    <a16:creationId xmlns:a16="http://schemas.microsoft.com/office/drawing/2014/main" id="{9ABE5E82-F720-4F78-980D-F6F80C053843}"/>
+                  </a:ext>
+                </a:extLst>
+              </p:cNvPr>
+              <p:cNvSpPr txBox="1"/>
+              <p:nvPr/>
+            </p:nvSpPr>
+            <p:spPr>
+              <a:xfrm>
+                <a:off x="2411675" y="5395074"/>
+                <a:ext cx="1735017" cy="276999"/>
+              </a:xfrm>
+              <a:prstGeom prst="rect">
+                <a:avLst/>
+              </a:prstGeom>
+              <a:noFill/>
+            </p:spPr>
+            <p:txBody>
+              <a:bodyPr wrap="square" rtlCol="0">
+                <a:spAutoFit/>
+              </a:bodyPr>
+              <a:lstStyle/>
+              <a:p>
+                <a:pPr algn="r"/>
+                <a:r>
+                  <a:rPr lang="en-US" sz="1200" dirty="0"/>
+                  <a:t>Decrease in titer</a:t>
+                </a:r>
+              </a:p>
+            </p:txBody>
+          </p:sp>
+          <p:grpSp>
+            <p:nvGrpSpPr>
+              <p:cNvPr id="11" name="Group 10">
+                <a:extLst>
+                  <a:ext uri="{FF2B5EF4-FFF2-40B4-BE49-F238E27FC236}">
+                    <a16:creationId xmlns:a16="http://schemas.microsoft.com/office/drawing/2014/main" id="{5C73C913-33D5-D75E-B7F3-F3E5CCD9AFDC}"/>
+                  </a:ext>
+                </a:extLst>
+              </p:cNvPr>
+              <p:cNvGrpSpPr/>
+              <p:nvPr/>
+            </p:nvGrpSpPr>
+            <p:grpSpPr>
+              <a:xfrm>
+                <a:off x="2726236" y="4155435"/>
+                <a:ext cx="1002785" cy="276999"/>
+                <a:chOff x="1091303" y="2282335"/>
+                <a:chExt cx="1002785" cy="276999"/>
+              </a:xfrm>
+            </p:grpSpPr>
+            <p:cxnSp>
+              <p:nvCxnSpPr>
+                <p:cNvPr id="12" name="Straight Connector 11">
+                  <a:extLst>
+                    <a:ext uri="{FF2B5EF4-FFF2-40B4-BE49-F238E27FC236}">
+                      <a16:creationId xmlns:a16="http://schemas.microsoft.com/office/drawing/2014/main" id="{F48928B8-34D2-20C7-099C-286F7B167A7C}"/>
+                    </a:ext>
+                  </a:extLst>
+                </p:cNvPr>
+                <p:cNvCxnSpPr>
+                  <a:cxnSpLocks/>
+                </p:cNvCxnSpPr>
+                <p:nvPr/>
+              </p:nvCxnSpPr>
+              <p:spPr>
+                <a:xfrm>
+                  <a:off x="1346510" y="2502243"/>
+                  <a:ext cx="492370" cy="0"/>
+                </a:xfrm>
+                <a:prstGeom prst="line">
+                  <a:avLst/>
+                </a:prstGeom>
+              </p:spPr>
+              <p:style>
+                <a:lnRef idx="1">
+                  <a:schemeClr val="dk1"/>
+                </a:lnRef>
+                <a:fillRef idx="0">
+                  <a:schemeClr val="dk1"/>
+                </a:fillRef>
+                <a:effectRef idx="0">
+                  <a:schemeClr val="dk1"/>
+                </a:effectRef>
+                <a:fontRef idx="minor">
+                  <a:schemeClr val="tx1"/>
+                </a:fontRef>
+              </p:style>
+            </p:cxnSp>
+            <p:sp>
+              <p:nvSpPr>
+                <p:cNvPr id="13" name="TextBox 12">
+                  <a:extLst>
+                    <a:ext uri="{FF2B5EF4-FFF2-40B4-BE49-F238E27FC236}">
+                      <a16:creationId xmlns:a16="http://schemas.microsoft.com/office/drawing/2014/main" id="{6D458737-8C58-EED7-02FD-93EB12380474}"/>
+                    </a:ext>
+                  </a:extLst>
+                </p:cNvPr>
+                <p:cNvSpPr txBox="1"/>
+                <p:nvPr/>
+              </p:nvSpPr>
+              <p:spPr>
+                <a:xfrm>
+                  <a:off x="1091303" y="2282335"/>
+                  <a:ext cx="1002785" cy="276999"/>
+                </a:xfrm>
+                <a:prstGeom prst="rect">
+                  <a:avLst/>
+                </a:prstGeom>
+                <a:noFill/>
+              </p:spPr>
+              <p:txBody>
+                <a:bodyPr wrap="square" rtlCol="0">
+                  <a:spAutoFit/>
+                </a:bodyPr>
+                <a:lstStyle/>
+                <a:p>
+                  <a:pPr algn="ctr"/>
+                  <a:r>
+                    <a:rPr lang="en-US" sz="1200" dirty="0">
+                      <a:latin typeface="Calibri" panose="020F0502020204030204" pitchFamily="34" charset="0"/>
+                      <a:cs typeface="Calibri" panose="020F0502020204030204" pitchFamily="34" charset="0"/>
+                    </a:rPr>
+                    <a:t>***</a:t>
+                  </a:r>
+                </a:p>
+              </p:txBody>
+            </p:sp>
+          </p:grpSp>
+          <p:grpSp>
+            <p:nvGrpSpPr>
+              <p:cNvPr id="14" name="Group 13">
+                <a:extLst>
+                  <a:ext uri="{FF2B5EF4-FFF2-40B4-BE49-F238E27FC236}">
+                    <a16:creationId xmlns:a16="http://schemas.microsoft.com/office/drawing/2014/main" id="{2A0F2120-C69F-EEC3-145E-42553853556B}"/>
+                  </a:ext>
+                </a:extLst>
+              </p:cNvPr>
+              <p:cNvGrpSpPr/>
+              <p:nvPr/>
+            </p:nvGrpSpPr>
+            <p:grpSpPr>
+              <a:xfrm>
+                <a:off x="2726236" y="720176"/>
+                <a:ext cx="1002785" cy="276999"/>
+                <a:chOff x="1091303" y="2282335"/>
+                <a:chExt cx="1002785" cy="276999"/>
+              </a:xfrm>
+            </p:grpSpPr>
+            <p:cxnSp>
+              <p:nvCxnSpPr>
+                <p:cNvPr id="15" name="Straight Connector 14">
+                  <a:extLst>
+                    <a:ext uri="{FF2B5EF4-FFF2-40B4-BE49-F238E27FC236}">
+                      <a16:creationId xmlns:a16="http://schemas.microsoft.com/office/drawing/2014/main" id="{3846B7CE-EA33-5746-6CDE-F23C9C95E9E5}"/>
+                    </a:ext>
+                  </a:extLst>
+                </p:cNvPr>
+                <p:cNvCxnSpPr>
+                  <a:cxnSpLocks/>
+                </p:cNvCxnSpPr>
+                <p:nvPr/>
+              </p:nvCxnSpPr>
+              <p:spPr>
+                <a:xfrm>
+                  <a:off x="1346510" y="2502243"/>
+                  <a:ext cx="492370" cy="0"/>
+                </a:xfrm>
+                <a:prstGeom prst="line">
+                  <a:avLst/>
+                </a:prstGeom>
+              </p:spPr>
+              <p:style>
+                <a:lnRef idx="1">
+                  <a:schemeClr val="dk1"/>
+                </a:lnRef>
+                <a:fillRef idx="0">
+                  <a:schemeClr val="dk1"/>
+                </a:fillRef>
+                <a:effectRef idx="0">
+                  <a:schemeClr val="dk1"/>
+                </a:effectRef>
+                <a:fontRef idx="minor">
+                  <a:schemeClr val="tx1"/>
+                </a:fontRef>
+              </p:style>
+            </p:cxnSp>
+            <p:sp>
+              <p:nvSpPr>
+                <p:cNvPr id="16" name="TextBox 15">
+                  <a:extLst>
+                    <a:ext uri="{FF2B5EF4-FFF2-40B4-BE49-F238E27FC236}">
+                      <a16:creationId xmlns:a16="http://schemas.microsoft.com/office/drawing/2014/main" id="{BAD3FA98-633C-54BE-05B6-D3C9DB15C660}"/>
+                    </a:ext>
+                  </a:extLst>
+                </p:cNvPr>
+                <p:cNvSpPr txBox="1"/>
+                <p:nvPr/>
+              </p:nvSpPr>
+              <p:spPr>
+                <a:xfrm>
+                  <a:off x="1091303" y="2282335"/>
+                  <a:ext cx="1002785" cy="276999"/>
+                </a:xfrm>
+                <a:prstGeom prst="rect">
+                  <a:avLst/>
+                </a:prstGeom>
+                <a:noFill/>
+              </p:spPr>
+              <p:txBody>
+                <a:bodyPr wrap="square" rtlCol="0">
+                  <a:spAutoFit/>
+                </a:bodyPr>
+                <a:lstStyle/>
+                <a:p>
+                  <a:pPr algn="ctr"/>
+                  <a:r>
+                    <a:rPr lang="en-US" sz="1200" dirty="0">
+                      <a:latin typeface="Calibri" panose="020F0502020204030204" pitchFamily="34" charset="0"/>
+                      <a:cs typeface="Calibri" panose="020F0502020204030204" pitchFamily="34" charset="0"/>
+                    </a:rPr>
+                    <a:t>***</a:t>
+                  </a:r>
+                </a:p>
+              </p:txBody>
+            </p:sp>
+          </p:grpSp>
+          <p:grpSp>
+            <p:nvGrpSpPr>
+              <p:cNvPr id="17" name="Group 16">
+                <a:extLst>
+                  <a:ext uri="{FF2B5EF4-FFF2-40B4-BE49-F238E27FC236}">
+                    <a16:creationId xmlns:a16="http://schemas.microsoft.com/office/drawing/2014/main" id="{B0158713-BA73-4917-63DB-7EBB721B876B}"/>
+                  </a:ext>
+                </a:extLst>
+              </p:cNvPr>
+              <p:cNvGrpSpPr/>
+              <p:nvPr/>
+            </p:nvGrpSpPr>
+            <p:grpSpPr>
+              <a:xfrm>
+                <a:off x="5276598" y="1967876"/>
+                <a:ext cx="1002785" cy="261610"/>
+                <a:chOff x="1091303" y="2282335"/>
+                <a:chExt cx="1002785" cy="261610"/>
+              </a:xfrm>
+            </p:grpSpPr>
+            <p:cxnSp>
+              <p:nvCxnSpPr>
+                <p:cNvPr id="18" name="Straight Connector 17">
+                  <a:extLst>
+                    <a:ext uri="{FF2B5EF4-FFF2-40B4-BE49-F238E27FC236}">
+                      <a16:creationId xmlns:a16="http://schemas.microsoft.com/office/drawing/2014/main" id="{3EDF5D0D-0539-9621-CB84-CE5C9CE61BD0}"/>
+                    </a:ext>
+                  </a:extLst>
+                </p:cNvPr>
+                <p:cNvCxnSpPr>
+                  <a:cxnSpLocks/>
+                </p:cNvCxnSpPr>
+                <p:nvPr/>
+              </p:nvCxnSpPr>
+              <p:spPr>
+                <a:xfrm>
+                  <a:off x="1346510" y="2502243"/>
+                  <a:ext cx="492370" cy="0"/>
+                </a:xfrm>
+                <a:prstGeom prst="line">
+                  <a:avLst/>
+                </a:prstGeom>
+              </p:spPr>
+              <p:style>
+                <a:lnRef idx="1">
+                  <a:schemeClr val="dk1"/>
+                </a:lnRef>
+                <a:fillRef idx="0">
+                  <a:schemeClr val="dk1"/>
+                </a:fillRef>
+                <a:effectRef idx="0">
+                  <a:schemeClr val="dk1"/>
+                </a:effectRef>
+                <a:fontRef idx="minor">
+                  <a:schemeClr val="tx1"/>
+                </a:fontRef>
+              </p:style>
+            </p:cxnSp>
+            <p:sp>
+              <p:nvSpPr>
+                <p:cNvPr id="19" name="TextBox 18">
+                  <a:extLst>
+                    <a:ext uri="{FF2B5EF4-FFF2-40B4-BE49-F238E27FC236}">
+                      <a16:creationId xmlns:a16="http://schemas.microsoft.com/office/drawing/2014/main" id="{3A2F36F5-1832-A2A4-13D1-A3AE9709E5BA}"/>
+                    </a:ext>
+                  </a:extLst>
+                </p:cNvPr>
+                <p:cNvSpPr txBox="1"/>
+                <p:nvPr/>
+              </p:nvSpPr>
+              <p:spPr>
+                <a:xfrm>
+                  <a:off x="1091303" y="2282335"/>
+                  <a:ext cx="1002785" cy="261610"/>
+                </a:xfrm>
+                <a:prstGeom prst="rect">
+                  <a:avLst/>
+                </a:prstGeom>
+                <a:noFill/>
+              </p:spPr>
+              <p:txBody>
+                <a:bodyPr wrap="square" rtlCol="0">
+                  <a:spAutoFit/>
+                </a:bodyPr>
+                <a:lstStyle/>
+                <a:p>
+                  <a:pPr algn="ctr"/>
+                  <a:r>
+                    <a:rPr lang="en-US" sz="1100" dirty="0">
+                      <a:latin typeface="Arial" panose="020B0604020202020204" pitchFamily="34" charset="0"/>
+                      <a:cs typeface="Arial" panose="020B0604020202020204" pitchFamily="34" charset="0"/>
+                    </a:rPr>
+                    <a:t>ns</a:t>
+                  </a:r>
+                </a:p>
+              </p:txBody>
+            </p:sp>
+          </p:grpSp>
+        </p:grpSp>
+        <p:sp>
+          <p:nvSpPr>
+            <p:cNvPr id="24" name="TextBox 23">
+              <a:extLst>
+                <a:ext uri="{FF2B5EF4-FFF2-40B4-BE49-F238E27FC236}">
+                  <a16:creationId xmlns:a16="http://schemas.microsoft.com/office/drawing/2014/main" id="{9EC38EF9-F2D9-6FCC-0198-C85A43E738F0}"/>
+                </a:ext>
+              </a:extLst>
+            </p:cNvPr>
+            <p:cNvSpPr txBox="1"/>
+            <p:nvPr/>
+          </p:nvSpPr>
+          <p:spPr>
+            <a:xfrm>
+              <a:off x="2360119" y="6095662"/>
+              <a:ext cx="1735017" cy="246221"/>
+            </a:xfrm>
+            <a:prstGeom prst="rect">
+              <a:avLst/>
+            </a:prstGeom>
+            <a:noFill/>
+          </p:spPr>
+          <p:txBody>
+            <a:bodyPr wrap="square" rtlCol="0">
+              <a:spAutoFit/>
+            </a:bodyPr>
+            <a:lstStyle/>
+            <a:p>
+              <a:pPr algn="r"/>
+              <a:r>
+                <a:rPr lang="en-US" sz="1000" dirty="0"/>
+                <a:t>Below the limit of detection</a:t>
+              </a:r>
+            </a:p>
+          </p:txBody>
+        </p:sp>
+        <p:cxnSp>
+          <p:nvCxnSpPr>
+            <p:cNvPr id="28" name="Curved Connector 27">
+              <a:extLst>
+                <a:ext uri="{FF2B5EF4-FFF2-40B4-BE49-F238E27FC236}">
+                  <a16:creationId xmlns:a16="http://schemas.microsoft.com/office/drawing/2014/main" id="{AC35339F-631A-4006-9BFC-C699876459B2}"/>
+                </a:ext>
+              </a:extLst>
+            </p:cNvPr>
+            <p:cNvCxnSpPr>
+              <a:cxnSpLocks/>
+              <a:stCxn id="24" idx="1"/>
+            </p:cNvCxnSpPr>
+            <p:nvPr/>
+          </p:nvCxnSpPr>
+          <p:spPr>
+            <a:xfrm rot="10800000" flipH="1">
+              <a:off x="2360118" y="6007261"/>
+              <a:ext cx="278907" cy="211512"/>
+            </a:xfrm>
+            <a:prstGeom prst="curvedConnector3">
+              <a:avLst>
+                <a:gd name="adj1" fmla="val -19713"/>
+              </a:avLst>
+            </a:prstGeom>
+            <a:ln>
+              <a:solidFill>
+                <a:schemeClr val="tx1"/>
+              </a:solidFill>
+              <a:tailEnd type="triangle"/>
+            </a:ln>
+          </p:spPr>
+          <p:style>
+            <a:lnRef idx="1">
+              <a:schemeClr val="dk1"/>
+            </a:lnRef>
+            <a:fillRef idx="0">
+              <a:schemeClr val="dk1"/>
+            </a:fillRef>
+            <a:effectRef idx="0">
+              <a:schemeClr val="dk1"/>
+            </a:effectRef>
+            <a:fontRef idx="minor">
+              <a:schemeClr val="tx1"/>
+            </a:fontRef>
+          </p:style>
+        </p:cxnSp>
+      </p:grpSp>
+    </p:spTree>
+    <p:extLst>
+      <p:ext uri="{BB962C8B-B14F-4D97-AF65-F5344CB8AC3E}">
+        <p14:creationId xmlns:p14="http://schemas.microsoft.com/office/powerpoint/2010/main" val="3725248796"/>
       </p:ext>
     </p:extLst>
   </p:cSld>

--- a/figures/poster-figs/experimental-fig.pptx
+++ b/figures/poster-figs/experimental-fig.pptx
@@ -261,7 +261,7 @@
           <a:p>
             <a:fld id="{FBE72D6D-870A-314D-B7C1-0CC9BD418398}" type="datetimeFigureOut">
               <a:rPr lang="en-US" smtClean="0"/>
-              <a:t>5/31/23</a:t>
+              <a:t>6/8/23</a:t>
             </a:fld>
             <a:endParaRPr lang="en-US"/>
           </a:p>
@@ -459,7 +459,7 @@
           <a:p>
             <a:fld id="{FBE72D6D-870A-314D-B7C1-0CC9BD418398}" type="datetimeFigureOut">
               <a:rPr lang="en-US" smtClean="0"/>
-              <a:t>5/31/23</a:t>
+              <a:t>6/8/23</a:t>
             </a:fld>
             <a:endParaRPr lang="en-US"/>
           </a:p>
@@ -667,7 +667,7 @@
           <a:p>
             <a:fld id="{FBE72D6D-870A-314D-B7C1-0CC9BD418398}" type="datetimeFigureOut">
               <a:rPr lang="en-US" smtClean="0"/>
-              <a:t>5/31/23</a:t>
+              <a:t>6/8/23</a:t>
             </a:fld>
             <a:endParaRPr lang="en-US"/>
           </a:p>
@@ -865,7 +865,7 @@
           <a:p>
             <a:fld id="{FBE72D6D-870A-314D-B7C1-0CC9BD418398}" type="datetimeFigureOut">
               <a:rPr lang="en-US" smtClean="0"/>
-              <a:t>5/31/23</a:t>
+              <a:t>6/8/23</a:t>
             </a:fld>
             <a:endParaRPr lang="en-US"/>
           </a:p>
@@ -1140,7 +1140,7 @@
           <a:p>
             <a:fld id="{FBE72D6D-870A-314D-B7C1-0CC9BD418398}" type="datetimeFigureOut">
               <a:rPr lang="en-US" smtClean="0"/>
-              <a:t>5/31/23</a:t>
+              <a:t>6/8/23</a:t>
             </a:fld>
             <a:endParaRPr lang="en-US"/>
           </a:p>
@@ -1405,7 +1405,7 @@
           <a:p>
             <a:fld id="{FBE72D6D-870A-314D-B7C1-0CC9BD418398}" type="datetimeFigureOut">
               <a:rPr lang="en-US" smtClean="0"/>
-              <a:t>5/31/23</a:t>
+              <a:t>6/8/23</a:t>
             </a:fld>
             <a:endParaRPr lang="en-US"/>
           </a:p>
@@ -1817,7 +1817,7 @@
           <a:p>
             <a:fld id="{FBE72D6D-870A-314D-B7C1-0CC9BD418398}" type="datetimeFigureOut">
               <a:rPr lang="en-US" smtClean="0"/>
-              <a:t>5/31/23</a:t>
+              <a:t>6/8/23</a:t>
             </a:fld>
             <a:endParaRPr lang="en-US"/>
           </a:p>
@@ -1958,7 +1958,7 @@
           <a:p>
             <a:fld id="{FBE72D6D-870A-314D-B7C1-0CC9BD418398}" type="datetimeFigureOut">
               <a:rPr lang="en-US" smtClean="0"/>
-              <a:t>5/31/23</a:t>
+              <a:t>6/8/23</a:t>
             </a:fld>
             <a:endParaRPr lang="en-US"/>
           </a:p>
@@ -2071,7 +2071,7 @@
           <a:p>
             <a:fld id="{FBE72D6D-870A-314D-B7C1-0CC9BD418398}" type="datetimeFigureOut">
               <a:rPr lang="en-US" smtClean="0"/>
-              <a:t>5/31/23</a:t>
+              <a:t>6/8/23</a:t>
             </a:fld>
             <a:endParaRPr lang="en-US"/>
           </a:p>
@@ -2382,7 +2382,7 @@
           <a:p>
             <a:fld id="{FBE72D6D-870A-314D-B7C1-0CC9BD418398}" type="datetimeFigureOut">
               <a:rPr lang="en-US" smtClean="0"/>
-              <a:t>5/31/23</a:t>
+              <a:t>6/8/23</a:t>
             </a:fld>
             <a:endParaRPr lang="en-US"/>
           </a:p>
@@ -2670,7 +2670,7 @@
           <a:p>
             <a:fld id="{FBE72D6D-870A-314D-B7C1-0CC9BD418398}" type="datetimeFigureOut">
               <a:rPr lang="en-US" smtClean="0"/>
-              <a:t>5/31/23</a:t>
+              <a:t>6/8/23</a:t>
             </a:fld>
             <a:endParaRPr lang="en-US"/>
           </a:p>
@@ -2911,7 +2911,7 @@
           <a:p>
             <a:fld id="{FBE72D6D-870A-314D-B7C1-0CC9BD418398}" type="datetimeFigureOut">
               <a:rPr lang="en-US" smtClean="0"/>
-              <a:t>5/31/23</a:t>
+              <a:t>6/8/23</a:t>
             </a:fld>
             <a:endParaRPr lang="en-US"/>
           </a:p>
@@ -5118,10 +5118,10 @@
       </p:grpSpPr>
       <p:grpSp>
         <p:nvGrpSpPr>
-          <p:cNvPr id="32" name="Group 31">
-            <a:extLst>
-              <a:ext uri="{FF2B5EF4-FFF2-40B4-BE49-F238E27FC236}">
-                <a16:creationId xmlns:a16="http://schemas.microsoft.com/office/drawing/2014/main" id="{775CF9E8-420D-041E-C095-13FEECEE0D06}"/>
+          <p:cNvPr id="7" name="Group 6">
+            <a:extLst>
+              <a:ext uri="{FF2B5EF4-FFF2-40B4-BE49-F238E27FC236}">
+                <a16:creationId xmlns:a16="http://schemas.microsoft.com/office/drawing/2014/main" id="{CC4687FA-E5DC-B4CE-0C7D-B20562FBB04D}"/>
               </a:ext>
             </a:extLst>
           </p:cNvPr>
@@ -5130,18 +5130,192 @@
         </p:nvGrpSpPr>
         <p:grpSpPr>
           <a:xfrm>
-            <a:off x="1768928" y="0"/>
-            <a:ext cx="8654144" cy="6858000"/>
-            <a:chOff x="1768928" y="0"/>
-            <a:chExt cx="8654144" cy="6858000"/>
+            <a:off x="1768927" y="0"/>
+            <a:ext cx="8654143" cy="6858000"/>
+            <a:chOff x="1768927" y="0"/>
+            <a:chExt cx="8654143" cy="6858000"/>
           </a:xfrm>
         </p:grpSpPr>
+        <p:pic>
+          <p:nvPicPr>
+            <p:cNvPr id="3" name="Picture 2" descr="A picture containing text, diagram, screenshot, plan&#10;&#10;Description automatically generated">
+              <a:extLst>
+                <a:ext uri="{FF2B5EF4-FFF2-40B4-BE49-F238E27FC236}">
+                  <a16:creationId xmlns:a16="http://schemas.microsoft.com/office/drawing/2014/main" id="{BD8FF414-3A68-0CD1-DC96-3F44BBB69D61}"/>
+                </a:ext>
+              </a:extLst>
+            </p:cNvPr>
+            <p:cNvPicPr>
+              <a:picLocks noChangeAspect="1"/>
+            </p:cNvPicPr>
+            <p:nvPr/>
+          </p:nvPicPr>
+          <p:blipFill>
+            <a:blip r:embed="rId2"/>
+            <a:stretch>
+              <a:fillRect/>
+            </a:stretch>
+          </p:blipFill>
+          <p:spPr>
+            <a:xfrm>
+              <a:off x="1768927" y="0"/>
+              <a:ext cx="8654143" cy="6858000"/>
+            </a:xfrm>
+            <a:prstGeom prst="rect">
+              <a:avLst/>
+            </a:prstGeom>
+          </p:spPr>
+        </p:pic>
+        <p:sp>
+          <p:nvSpPr>
+            <p:cNvPr id="4" name="TextBox 3">
+              <a:extLst>
+                <a:ext uri="{FF2B5EF4-FFF2-40B4-BE49-F238E27FC236}">
+                  <a16:creationId xmlns:a16="http://schemas.microsoft.com/office/drawing/2014/main" id="{0EADA193-C59C-F0C8-7380-199C981A08C7}"/>
+                </a:ext>
+              </a:extLst>
+            </p:cNvPr>
+            <p:cNvSpPr txBox="1"/>
+            <p:nvPr/>
+          </p:nvSpPr>
+          <p:spPr>
+            <a:xfrm>
+              <a:off x="2411675" y="1828800"/>
+              <a:ext cx="1735017" cy="276999"/>
+            </a:xfrm>
+            <a:prstGeom prst="rect">
+              <a:avLst/>
+            </a:prstGeom>
+            <a:noFill/>
+          </p:spPr>
+          <p:txBody>
+            <a:bodyPr wrap="square" rtlCol="0">
+              <a:spAutoFit/>
+            </a:bodyPr>
+            <a:lstStyle/>
+            <a:p>
+              <a:pPr algn="r"/>
+              <a:r>
+                <a:rPr lang="en-US" sz="1200" dirty="0"/>
+                <a:t>Increase in titer</a:t>
+              </a:r>
+            </a:p>
+          </p:txBody>
+        </p:sp>
+        <p:sp>
+          <p:nvSpPr>
+            <p:cNvPr id="5" name="TextBox 4">
+              <a:extLst>
+                <a:ext uri="{FF2B5EF4-FFF2-40B4-BE49-F238E27FC236}">
+                  <a16:creationId xmlns:a16="http://schemas.microsoft.com/office/drawing/2014/main" id="{DEB8BD8C-27CB-17A4-C628-4AAE53D9D8A6}"/>
+                </a:ext>
+              </a:extLst>
+            </p:cNvPr>
+            <p:cNvSpPr txBox="1"/>
+            <p:nvPr/>
+          </p:nvSpPr>
+          <p:spPr>
+            <a:xfrm>
+              <a:off x="2411674" y="2117522"/>
+              <a:ext cx="1735017" cy="276999"/>
+            </a:xfrm>
+            <a:prstGeom prst="rect">
+              <a:avLst/>
+            </a:prstGeom>
+            <a:noFill/>
+          </p:spPr>
+          <p:txBody>
+            <a:bodyPr wrap="square" rtlCol="0">
+              <a:spAutoFit/>
+            </a:bodyPr>
+            <a:lstStyle/>
+            <a:p>
+              <a:pPr algn="r"/>
+              <a:r>
+                <a:rPr lang="en-US" sz="1200" dirty="0"/>
+                <a:t>Decrease in titer</a:t>
+              </a:r>
+            </a:p>
+          </p:txBody>
+        </p:sp>
+        <p:sp>
+          <p:nvSpPr>
+            <p:cNvPr id="6" name="TextBox 5">
+              <a:extLst>
+                <a:ext uri="{FF2B5EF4-FFF2-40B4-BE49-F238E27FC236}">
+                  <a16:creationId xmlns:a16="http://schemas.microsoft.com/office/drawing/2014/main" id="{9D171099-E458-F271-5123-2EAA06EA58A6}"/>
+                </a:ext>
+              </a:extLst>
+            </p:cNvPr>
+            <p:cNvSpPr txBox="1"/>
+            <p:nvPr/>
+          </p:nvSpPr>
+          <p:spPr>
+            <a:xfrm>
+              <a:off x="2411676" y="5106352"/>
+              <a:ext cx="1735017" cy="276999"/>
+            </a:xfrm>
+            <a:prstGeom prst="rect">
+              <a:avLst/>
+            </a:prstGeom>
+            <a:noFill/>
+          </p:spPr>
+          <p:txBody>
+            <a:bodyPr wrap="square" rtlCol="0">
+              <a:spAutoFit/>
+            </a:bodyPr>
+            <a:lstStyle/>
+            <a:p>
+              <a:pPr algn="r"/>
+              <a:r>
+                <a:rPr lang="en-US" sz="1200" dirty="0"/>
+                <a:t>Increase in titer</a:t>
+              </a:r>
+            </a:p>
+          </p:txBody>
+        </p:sp>
+        <p:sp>
+          <p:nvSpPr>
+            <p:cNvPr id="8" name="TextBox 7">
+              <a:extLst>
+                <a:ext uri="{FF2B5EF4-FFF2-40B4-BE49-F238E27FC236}">
+                  <a16:creationId xmlns:a16="http://schemas.microsoft.com/office/drawing/2014/main" id="{9ABE5E82-F720-4F78-980D-F6F80C053843}"/>
+                </a:ext>
+              </a:extLst>
+            </p:cNvPr>
+            <p:cNvSpPr txBox="1"/>
+            <p:nvPr/>
+          </p:nvSpPr>
+          <p:spPr>
+            <a:xfrm>
+              <a:off x="2411675" y="5395074"/>
+              <a:ext cx="1735017" cy="276999"/>
+            </a:xfrm>
+            <a:prstGeom prst="rect">
+              <a:avLst/>
+            </a:prstGeom>
+            <a:noFill/>
+          </p:spPr>
+          <p:txBody>
+            <a:bodyPr wrap="square" rtlCol="0">
+              <a:spAutoFit/>
+            </a:bodyPr>
+            <a:lstStyle/>
+            <a:p>
+              <a:pPr algn="r"/>
+              <a:r>
+                <a:rPr lang="en-US" sz="1200" dirty="0"/>
+                <a:t>Decrease in titer</a:t>
+              </a:r>
+            </a:p>
+          </p:txBody>
+        </p:sp>
         <p:grpSp>
           <p:nvGrpSpPr>
-            <p:cNvPr id="23" name="Group 22">
+            <p:cNvPr id="11" name="Group 10">
               <a:extLst>
                 <a:ext uri="{FF2B5EF4-FFF2-40B4-BE49-F238E27FC236}">
-                  <a16:creationId xmlns:a16="http://schemas.microsoft.com/office/drawing/2014/main" id="{4714BDCA-ECD7-6461-7C9F-187298FD1F04}"/>
+                  <a16:creationId xmlns:a16="http://schemas.microsoft.com/office/drawing/2014/main" id="{5C73C913-33D5-D75E-B7F3-F3E5CCD9AFDC}"/>
                 </a:ext>
               </a:extLst>
             </p:cNvPr>
@@ -5150,48 +5324,56 @@
           </p:nvGrpSpPr>
           <p:grpSpPr>
             <a:xfrm>
-              <a:off x="1768928" y="0"/>
-              <a:ext cx="8654144" cy="6858000"/>
-              <a:chOff x="1768928" y="0"/>
-              <a:chExt cx="8654144" cy="6858000"/>
+              <a:off x="2726236" y="4155435"/>
+              <a:ext cx="1002785" cy="276999"/>
+              <a:chOff x="1091303" y="2282335"/>
+              <a:chExt cx="1002785" cy="276999"/>
             </a:xfrm>
           </p:grpSpPr>
-          <p:pic>
-            <p:nvPicPr>
-              <p:cNvPr id="22" name="Picture 21" descr="A picture containing text, diagram, screenshot, line&#10;&#10;Description automatically generated">
+          <p:cxnSp>
+            <p:nvCxnSpPr>
+              <p:cNvPr id="12" name="Straight Connector 11">
                 <a:extLst>
                   <a:ext uri="{FF2B5EF4-FFF2-40B4-BE49-F238E27FC236}">
-                    <a16:creationId xmlns:a16="http://schemas.microsoft.com/office/drawing/2014/main" id="{6BBEEF89-F186-883D-A7D6-1AD42A420C72}"/>
+                    <a16:creationId xmlns:a16="http://schemas.microsoft.com/office/drawing/2014/main" id="{F48928B8-34D2-20C7-099C-286F7B167A7C}"/>
                   </a:ext>
                 </a:extLst>
               </p:cNvPr>
-              <p:cNvPicPr>
-                <a:picLocks noChangeAspect="1"/>
-              </p:cNvPicPr>
+              <p:cNvCxnSpPr>
+                <a:cxnSpLocks/>
+              </p:cNvCxnSpPr>
               <p:nvPr/>
-            </p:nvPicPr>
-            <p:blipFill>
-              <a:blip r:embed="rId2"/>
-              <a:stretch>
-                <a:fillRect/>
-              </a:stretch>
-            </p:blipFill>
+            </p:nvCxnSpPr>
             <p:spPr>
               <a:xfrm>
-                <a:off x="1768928" y="0"/>
-                <a:ext cx="8654144" cy="6858000"/>
+                <a:off x="1346510" y="2502243"/>
+                <a:ext cx="492370" cy="0"/>
               </a:xfrm>
-              <a:prstGeom prst="rect">
+              <a:prstGeom prst="line">
                 <a:avLst/>
               </a:prstGeom>
             </p:spPr>
-          </p:pic>
+            <p:style>
+              <a:lnRef idx="1">
+                <a:schemeClr val="dk1"/>
+              </a:lnRef>
+              <a:fillRef idx="0">
+                <a:schemeClr val="dk1"/>
+              </a:fillRef>
+              <a:effectRef idx="0">
+                <a:schemeClr val="dk1"/>
+              </a:effectRef>
+              <a:fontRef idx="minor">
+                <a:schemeClr val="tx1"/>
+              </a:fontRef>
+            </p:style>
+          </p:cxnSp>
           <p:sp>
             <p:nvSpPr>
-              <p:cNvPr id="4" name="TextBox 3">
+              <p:cNvPr id="13" name="TextBox 12">
                 <a:extLst>
                   <a:ext uri="{FF2B5EF4-FFF2-40B4-BE49-F238E27FC236}">
-                    <a16:creationId xmlns:a16="http://schemas.microsoft.com/office/drawing/2014/main" id="{0EADA193-C59C-F0C8-7380-199C981A08C7}"/>
+                    <a16:creationId xmlns:a16="http://schemas.microsoft.com/office/drawing/2014/main" id="{6D458737-8C58-EED7-02FD-93EB12380474}"/>
                   </a:ext>
                 </a:extLst>
               </p:cNvPr>
@@ -5200,8 +5382,8 @@
             </p:nvSpPr>
             <p:spPr>
               <a:xfrm>
-                <a:off x="2411675" y="1828800"/>
-                <a:ext cx="1735017" cy="276999"/>
+                <a:off x="1091303" y="2282335"/>
+                <a:ext cx="1002785" cy="276999"/>
               </a:xfrm>
               <a:prstGeom prst="rect">
                 <a:avLst/>
@@ -5214,20 +5396,82 @@
               </a:bodyPr>
               <a:lstStyle/>
               <a:p>
-                <a:pPr algn="r"/>
+                <a:pPr algn="ctr"/>
                 <a:r>
-                  <a:rPr lang="en-US" sz="1200" dirty="0"/>
-                  <a:t>Increase in titer</a:t>
+                  <a:rPr lang="en-US" sz="1200" dirty="0">
+                    <a:latin typeface="Calibri" panose="020F0502020204030204" pitchFamily="34" charset="0"/>
+                    <a:cs typeface="Calibri" panose="020F0502020204030204" pitchFamily="34" charset="0"/>
+                  </a:rPr>
+                  <a:t>***</a:t>
                 </a:r>
               </a:p>
             </p:txBody>
           </p:sp>
+        </p:grpSp>
+        <p:grpSp>
+          <p:nvGrpSpPr>
+            <p:cNvPr id="14" name="Group 13">
+              <a:extLst>
+                <a:ext uri="{FF2B5EF4-FFF2-40B4-BE49-F238E27FC236}">
+                  <a16:creationId xmlns:a16="http://schemas.microsoft.com/office/drawing/2014/main" id="{2A0F2120-C69F-EEC3-145E-42553853556B}"/>
+                </a:ext>
+              </a:extLst>
+            </p:cNvPr>
+            <p:cNvGrpSpPr/>
+            <p:nvPr/>
+          </p:nvGrpSpPr>
+          <p:grpSpPr>
+            <a:xfrm>
+              <a:off x="2726236" y="720176"/>
+              <a:ext cx="1002785" cy="276999"/>
+              <a:chOff x="1091303" y="2282335"/>
+              <a:chExt cx="1002785" cy="276999"/>
+            </a:xfrm>
+          </p:grpSpPr>
+          <p:cxnSp>
+            <p:nvCxnSpPr>
+              <p:cNvPr id="15" name="Straight Connector 14">
+                <a:extLst>
+                  <a:ext uri="{FF2B5EF4-FFF2-40B4-BE49-F238E27FC236}">
+                    <a16:creationId xmlns:a16="http://schemas.microsoft.com/office/drawing/2014/main" id="{3846B7CE-EA33-5746-6CDE-F23C9C95E9E5}"/>
+                  </a:ext>
+                </a:extLst>
+              </p:cNvPr>
+              <p:cNvCxnSpPr>
+                <a:cxnSpLocks/>
+              </p:cNvCxnSpPr>
+              <p:nvPr/>
+            </p:nvCxnSpPr>
+            <p:spPr>
+              <a:xfrm>
+                <a:off x="1346510" y="2502243"/>
+                <a:ext cx="492370" cy="0"/>
+              </a:xfrm>
+              <a:prstGeom prst="line">
+                <a:avLst/>
+              </a:prstGeom>
+            </p:spPr>
+            <p:style>
+              <a:lnRef idx="1">
+                <a:schemeClr val="dk1"/>
+              </a:lnRef>
+              <a:fillRef idx="0">
+                <a:schemeClr val="dk1"/>
+              </a:fillRef>
+              <a:effectRef idx="0">
+                <a:schemeClr val="dk1"/>
+              </a:effectRef>
+              <a:fontRef idx="minor">
+                <a:schemeClr val="tx1"/>
+              </a:fontRef>
+            </p:style>
+          </p:cxnSp>
           <p:sp>
             <p:nvSpPr>
-              <p:cNvPr id="5" name="TextBox 4">
+              <p:cNvPr id="16" name="TextBox 15">
                 <a:extLst>
                   <a:ext uri="{FF2B5EF4-FFF2-40B4-BE49-F238E27FC236}">
-                    <a16:creationId xmlns:a16="http://schemas.microsoft.com/office/drawing/2014/main" id="{DEB8BD8C-27CB-17A4-C628-4AAE53D9D8A6}"/>
+                    <a16:creationId xmlns:a16="http://schemas.microsoft.com/office/drawing/2014/main" id="{BAD3FA98-633C-54BE-05B6-D3C9DB15C660}"/>
                   </a:ext>
                 </a:extLst>
               </p:cNvPr>
@@ -5236,8 +5480,8 @@
             </p:nvSpPr>
             <p:spPr>
               <a:xfrm>
-                <a:off x="2411674" y="2117522"/>
-                <a:ext cx="1735017" cy="276999"/>
+                <a:off x="1091303" y="2282335"/>
+                <a:ext cx="1002785" cy="276999"/>
               </a:xfrm>
               <a:prstGeom prst="rect">
                 <a:avLst/>
@@ -5250,20 +5494,82 @@
               </a:bodyPr>
               <a:lstStyle/>
               <a:p>
-                <a:pPr algn="r"/>
+                <a:pPr algn="ctr"/>
                 <a:r>
-                  <a:rPr lang="en-US" sz="1200" dirty="0"/>
-                  <a:t>Decrease in titer</a:t>
+                  <a:rPr lang="en-US" sz="1200" dirty="0">
+                    <a:latin typeface="Calibri" panose="020F0502020204030204" pitchFamily="34" charset="0"/>
+                    <a:cs typeface="Calibri" panose="020F0502020204030204" pitchFamily="34" charset="0"/>
+                  </a:rPr>
+                  <a:t>***</a:t>
                 </a:r>
               </a:p>
             </p:txBody>
           </p:sp>
+        </p:grpSp>
+        <p:grpSp>
+          <p:nvGrpSpPr>
+            <p:cNvPr id="17" name="Group 16">
+              <a:extLst>
+                <a:ext uri="{FF2B5EF4-FFF2-40B4-BE49-F238E27FC236}">
+                  <a16:creationId xmlns:a16="http://schemas.microsoft.com/office/drawing/2014/main" id="{B0158713-BA73-4917-63DB-7EBB721B876B}"/>
+                </a:ext>
+              </a:extLst>
+            </p:cNvPr>
+            <p:cNvGrpSpPr/>
+            <p:nvPr/>
+          </p:nvGrpSpPr>
+          <p:grpSpPr>
+            <a:xfrm>
+              <a:off x="5276598" y="1967876"/>
+              <a:ext cx="1002785" cy="261610"/>
+              <a:chOff x="1091303" y="2282335"/>
+              <a:chExt cx="1002785" cy="261610"/>
+            </a:xfrm>
+          </p:grpSpPr>
+          <p:cxnSp>
+            <p:nvCxnSpPr>
+              <p:cNvPr id="18" name="Straight Connector 17">
+                <a:extLst>
+                  <a:ext uri="{FF2B5EF4-FFF2-40B4-BE49-F238E27FC236}">
+                    <a16:creationId xmlns:a16="http://schemas.microsoft.com/office/drawing/2014/main" id="{3EDF5D0D-0539-9621-CB84-CE5C9CE61BD0}"/>
+                  </a:ext>
+                </a:extLst>
+              </p:cNvPr>
+              <p:cNvCxnSpPr>
+                <a:cxnSpLocks/>
+              </p:cNvCxnSpPr>
+              <p:nvPr/>
+            </p:nvCxnSpPr>
+            <p:spPr>
+              <a:xfrm>
+                <a:off x="1346510" y="2502243"/>
+                <a:ext cx="492370" cy="0"/>
+              </a:xfrm>
+              <a:prstGeom prst="line">
+                <a:avLst/>
+              </a:prstGeom>
+            </p:spPr>
+            <p:style>
+              <a:lnRef idx="1">
+                <a:schemeClr val="dk1"/>
+              </a:lnRef>
+              <a:fillRef idx="0">
+                <a:schemeClr val="dk1"/>
+              </a:fillRef>
+              <a:effectRef idx="0">
+                <a:schemeClr val="dk1"/>
+              </a:effectRef>
+              <a:fontRef idx="minor">
+                <a:schemeClr val="tx1"/>
+              </a:fontRef>
+            </p:style>
+          </p:cxnSp>
           <p:sp>
             <p:nvSpPr>
-              <p:cNvPr id="6" name="TextBox 5">
+              <p:cNvPr id="19" name="TextBox 18">
                 <a:extLst>
                   <a:ext uri="{FF2B5EF4-FFF2-40B4-BE49-F238E27FC236}">
-                    <a16:creationId xmlns:a16="http://schemas.microsoft.com/office/drawing/2014/main" id="{9D171099-E458-F271-5123-2EAA06EA58A6}"/>
+                    <a16:creationId xmlns:a16="http://schemas.microsoft.com/office/drawing/2014/main" id="{3A2F36F5-1832-A2A4-13D1-A3AE9709E5BA}"/>
                   </a:ext>
                 </a:extLst>
               </p:cNvPr>
@@ -5272,8 +5578,8 @@
             </p:nvSpPr>
             <p:spPr>
               <a:xfrm>
-                <a:off x="2411676" y="5106352"/>
-                <a:ext cx="1735017" cy="276999"/>
+                <a:off x="1091303" y="2282335"/>
+                <a:ext cx="1002785" cy="261610"/>
               </a:xfrm>
               <a:prstGeom prst="rect">
                 <a:avLst/>
@@ -5286,344 +5592,17 @@
               </a:bodyPr>
               <a:lstStyle/>
               <a:p>
-                <a:pPr algn="r"/>
+                <a:pPr algn="ctr"/>
                 <a:r>
-                  <a:rPr lang="en-US" sz="1200" dirty="0"/>
-                  <a:t>Increase in titer</a:t>
+                  <a:rPr lang="en-US" sz="1100" dirty="0">
+                    <a:latin typeface="Arial" panose="020B0604020202020204" pitchFamily="34" charset="0"/>
+                    <a:cs typeface="Arial" panose="020B0604020202020204" pitchFamily="34" charset="0"/>
+                  </a:rPr>
+                  <a:t>ns</a:t>
                 </a:r>
               </a:p>
             </p:txBody>
           </p:sp>
-          <p:sp>
-            <p:nvSpPr>
-              <p:cNvPr id="8" name="TextBox 7">
-                <a:extLst>
-                  <a:ext uri="{FF2B5EF4-FFF2-40B4-BE49-F238E27FC236}">
-                    <a16:creationId xmlns:a16="http://schemas.microsoft.com/office/drawing/2014/main" id="{9ABE5E82-F720-4F78-980D-F6F80C053843}"/>
-                  </a:ext>
-                </a:extLst>
-              </p:cNvPr>
-              <p:cNvSpPr txBox="1"/>
-              <p:nvPr/>
-            </p:nvSpPr>
-            <p:spPr>
-              <a:xfrm>
-                <a:off x="2411675" y="5395074"/>
-                <a:ext cx="1735017" cy="276999"/>
-              </a:xfrm>
-              <a:prstGeom prst="rect">
-                <a:avLst/>
-              </a:prstGeom>
-              <a:noFill/>
-            </p:spPr>
-            <p:txBody>
-              <a:bodyPr wrap="square" rtlCol="0">
-                <a:spAutoFit/>
-              </a:bodyPr>
-              <a:lstStyle/>
-              <a:p>
-                <a:pPr algn="r"/>
-                <a:r>
-                  <a:rPr lang="en-US" sz="1200" dirty="0"/>
-                  <a:t>Decrease in titer</a:t>
-                </a:r>
-              </a:p>
-            </p:txBody>
-          </p:sp>
-          <p:grpSp>
-            <p:nvGrpSpPr>
-              <p:cNvPr id="11" name="Group 10">
-                <a:extLst>
-                  <a:ext uri="{FF2B5EF4-FFF2-40B4-BE49-F238E27FC236}">
-                    <a16:creationId xmlns:a16="http://schemas.microsoft.com/office/drawing/2014/main" id="{5C73C913-33D5-D75E-B7F3-F3E5CCD9AFDC}"/>
-                  </a:ext>
-                </a:extLst>
-              </p:cNvPr>
-              <p:cNvGrpSpPr/>
-              <p:nvPr/>
-            </p:nvGrpSpPr>
-            <p:grpSpPr>
-              <a:xfrm>
-                <a:off x="2726236" y="4155435"/>
-                <a:ext cx="1002785" cy="276999"/>
-                <a:chOff x="1091303" y="2282335"/>
-                <a:chExt cx="1002785" cy="276999"/>
-              </a:xfrm>
-            </p:grpSpPr>
-            <p:cxnSp>
-              <p:nvCxnSpPr>
-                <p:cNvPr id="12" name="Straight Connector 11">
-                  <a:extLst>
-                    <a:ext uri="{FF2B5EF4-FFF2-40B4-BE49-F238E27FC236}">
-                      <a16:creationId xmlns:a16="http://schemas.microsoft.com/office/drawing/2014/main" id="{F48928B8-34D2-20C7-099C-286F7B167A7C}"/>
-                    </a:ext>
-                  </a:extLst>
-                </p:cNvPr>
-                <p:cNvCxnSpPr>
-                  <a:cxnSpLocks/>
-                </p:cNvCxnSpPr>
-                <p:nvPr/>
-              </p:nvCxnSpPr>
-              <p:spPr>
-                <a:xfrm>
-                  <a:off x="1346510" y="2502243"/>
-                  <a:ext cx="492370" cy="0"/>
-                </a:xfrm>
-                <a:prstGeom prst="line">
-                  <a:avLst/>
-                </a:prstGeom>
-              </p:spPr>
-              <p:style>
-                <a:lnRef idx="1">
-                  <a:schemeClr val="dk1"/>
-                </a:lnRef>
-                <a:fillRef idx="0">
-                  <a:schemeClr val="dk1"/>
-                </a:fillRef>
-                <a:effectRef idx="0">
-                  <a:schemeClr val="dk1"/>
-                </a:effectRef>
-                <a:fontRef idx="minor">
-                  <a:schemeClr val="tx1"/>
-                </a:fontRef>
-              </p:style>
-            </p:cxnSp>
-            <p:sp>
-              <p:nvSpPr>
-                <p:cNvPr id="13" name="TextBox 12">
-                  <a:extLst>
-                    <a:ext uri="{FF2B5EF4-FFF2-40B4-BE49-F238E27FC236}">
-                      <a16:creationId xmlns:a16="http://schemas.microsoft.com/office/drawing/2014/main" id="{6D458737-8C58-EED7-02FD-93EB12380474}"/>
-                    </a:ext>
-                  </a:extLst>
-                </p:cNvPr>
-                <p:cNvSpPr txBox="1"/>
-                <p:nvPr/>
-              </p:nvSpPr>
-              <p:spPr>
-                <a:xfrm>
-                  <a:off x="1091303" y="2282335"/>
-                  <a:ext cx="1002785" cy="276999"/>
-                </a:xfrm>
-                <a:prstGeom prst="rect">
-                  <a:avLst/>
-                </a:prstGeom>
-                <a:noFill/>
-              </p:spPr>
-              <p:txBody>
-                <a:bodyPr wrap="square" rtlCol="0">
-                  <a:spAutoFit/>
-                </a:bodyPr>
-                <a:lstStyle/>
-                <a:p>
-                  <a:pPr algn="ctr"/>
-                  <a:r>
-                    <a:rPr lang="en-US" sz="1200" dirty="0">
-                      <a:latin typeface="Calibri" panose="020F0502020204030204" pitchFamily="34" charset="0"/>
-                      <a:cs typeface="Calibri" panose="020F0502020204030204" pitchFamily="34" charset="0"/>
-                    </a:rPr>
-                    <a:t>***</a:t>
-                  </a:r>
-                </a:p>
-              </p:txBody>
-            </p:sp>
-          </p:grpSp>
-          <p:grpSp>
-            <p:nvGrpSpPr>
-              <p:cNvPr id="14" name="Group 13">
-                <a:extLst>
-                  <a:ext uri="{FF2B5EF4-FFF2-40B4-BE49-F238E27FC236}">
-                    <a16:creationId xmlns:a16="http://schemas.microsoft.com/office/drawing/2014/main" id="{2A0F2120-C69F-EEC3-145E-42553853556B}"/>
-                  </a:ext>
-                </a:extLst>
-              </p:cNvPr>
-              <p:cNvGrpSpPr/>
-              <p:nvPr/>
-            </p:nvGrpSpPr>
-            <p:grpSpPr>
-              <a:xfrm>
-                <a:off x="2726236" y="720176"/>
-                <a:ext cx="1002785" cy="276999"/>
-                <a:chOff x="1091303" y="2282335"/>
-                <a:chExt cx="1002785" cy="276999"/>
-              </a:xfrm>
-            </p:grpSpPr>
-            <p:cxnSp>
-              <p:nvCxnSpPr>
-                <p:cNvPr id="15" name="Straight Connector 14">
-                  <a:extLst>
-                    <a:ext uri="{FF2B5EF4-FFF2-40B4-BE49-F238E27FC236}">
-                      <a16:creationId xmlns:a16="http://schemas.microsoft.com/office/drawing/2014/main" id="{3846B7CE-EA33-5746-6CDE-F23C9C95E9E5}"/>
-                    </a:ext>
-                  </a:extLst>
-                </p:cNvPr>
-                <p:cNvCxnSpPr>
-                  <a:cxnSpLocks/>
-                </p:cNvCxnSpPr>
-                <p:nvPr/>
-              </p:nvCxnSpPr>
-              <p:spPr>
-                <a:xfrm>
-                  <a:off x="1346510" y="2502243"/>
-                  <a:ext cx="492370" cy="0"/>
-                </a:xfrm>
-                <a:prstGeom prst="line">
-                  <a:avLst/>
-                </a:prstGeom>
-              </p:spPr>
-              <p:style>
-                <a:lnRef idx="1">
-                  <a:schemeClr val="dk1"/>
-                </a:lnRef>
-                <a:fillRef idx="0">
-                  <a:schemeClr val="dk1"/>
-                </a:fillRef>
-                <a:effectRef idx="0">
-                  <a:schemeClr val="dk1"/>
-                </a:effectRef>
-                <a:fontRef idx="minor">
-                  <a:schemeClr val="tx1"/>
-                </a:fontRef>
-              </p:style>
-            </p:cxnSp>
-            <p:sp>
-              <p:nvSpPr>
-                <p:cNvPr id="16" name="TextBox 15">
-                  <a:extLst>
-                    <a:ext uri="{FF2B5EF4-FFF2-40B4-BE49-F238E27FC236}">
-                      <a16:creationId xmlns:a16="http://schemas.microsoft.com/office/drawing/2014/main" id="{BAD3FA98-633C-54BE-05B6-D3C9DB15C660}"/>
-                    </a:ext>
-                  </a:extLst>
-                </p:cNvPr>
-                <p:cNvSpPr txBox="1"/>
-                <p:nvPr/>
-              </p:nvSpPr>
-              <p:spPr>
-                <a:xfrm>
-                  <a:off x="1091303" y="2282335"/>
-                  <a:ext cx="1002785" cy="276999"/>
-                </a:xfrm>
-                <a:prstGeom prst="rect">
-                  <a:avLst/>
-                </a:prstGeom>
-                <a:noFill/>
-              </p:spPr>
-              <p:txBody>
-                <a:bodyPr wrap="square" rtlCol="0">
-                  <a:spAutoFit/>
-                </a:bodyPr>
-                <a:lstStyle/>
-                <a:p>
-                  <a:pPr algn="ctr"/>
-                  <a:r>
-                    <a:rPr lang="en-US" sz="1200" dirty="0">
-                      <a:latin typeface="Calibri" panose="020F0502020204030204" pitchFamily="34" charset="0"/>
-                      <a:cs typeface="Calibri" panose="020F0502020204030204" pitchFamily="34" charset="0"/>
-                    </a:rPr>
-                    <a:t>***</a:t>
-                  </a:r>
-                </a:p>
-              </p:txBody>
-            </p:sp>
-          </p:grpSp>
-          <p:grpSp>
-            <p:nvGrpSpPr>
-              <p:cNvPr id="17" name="Group 16">
-                <a:extLst>
-                  <a:ext uri="{FF2B5EF4-FFF2-40B4-BE49-F238E27FC236}">
-                    <a16:creationId xmlns:a16="http://schemas.microsoft.com/office/drawing/2014/main" id="{B0158713-BA73-4917-63DB-7EBB721B876B}"/>
-                  </a:ext>
-                </a:extLst>
-              </p:cNvPr>
-              <p:cNvGrpSpPr/>
-              <p:nvPr/>
-            </p:nvGrpSpPr>
-            <p:grpSpPr>
-              <a:xfrm>
-                <a:off x="5276598" y="1967876"/>
-                <a:ext cx="1002785" cy="261610"/>
-                <a:chOff x="1091303" y="2282335"/>
-                <a:chExt cx="1002785" cy="261610"/>
-              </a:xfrm>
-            </p:grpSpPr>
-            <p:cxnSp>
-              <p:nvCxnSpPr>
-                <p:cNvPr id="18" name="Straight Connector 17">
-                  <a:extLst>
-                    <a:ext uri="{FF2B5EF4-FFF2-40B4-BE49-F238E27FC236}">
-                      <a16:creationId xmlns:a16="http://schemas.microsoft.com/office/drawing/2014/main" id="{3EDF5D0D-0539-9621-CB84-CE5C9CE61BD0}"/>
-                    </a:ext>
-                  </a:extLst>
-                </p:cNvPr>
-                <p:cNvCxnSpPr>
-                  <a:cxnSpLocks/>
-                </p:cNvCxnSpPr>
-                <p:nvPr/>
-              </p:nvCxnSpPr>
-              <p:spPr>
-                <a:xfrm>
-                  <a:off x="1346510" y="2502243"/>
-                  <a:ext cx="492370" cy="0"/>
-                </a:xfrm>
-                <a:prstGeom prst="line">
-                  <a:avLst/>
-                </a:prstGeom>
-              </p:spPr>
-              <p:style>
-                <a:lnRef idx="1">
-                  <a:schemeClr val="dk1"/>
-                </a:lnRef>
-                <a:fillRef idx="0">
-                  <a:schemeClr val="dk1"/>
-                </a:fillRef>
-                <a:effectRef idx="0">
-                  <a:schemeClr val="dk1"/>
-                </a:effectRef>
-                <a:fontRef idx="minor">
-                  <a:schemeClr val="tx1"/>
-                </a:fontRef>
-              </p:style>
-            </p:cxnSp>
-            <p:sp>
-              <p:nvSpPr>
-                <p:cNvPr id="19" name="TextBox 18">
-                  <a:extLst>
-                    <a:ext uri="{FF2B5EF4-FFF2-40B4-BE49-F238E27FC236}">
-                      <a16:creationId xmlns:a16="http://schemas.microsoft.com/office/drawing/2014/main" id="{3A2F36F5-1832-A2A4-13D1-A3AE9709E5BA}"/>
-                    </a:ext>
-                  </a:extLst>
-                </p:cNvPr>
-                <p:cNvSpPr txBox="1"/>
-                <p:nvPr/>
-              </p:nvSpPr>
-              <p:spPr>
-                <a:xfrm>
-                  <a:off x="1091303" y="2282335"/>
-                  <a:ext cx="1002785" cy="261610"/>
-                </a:xfrm>
-                <a:prstGeom prst="rect">
-                  <a:avLst/>
-                </a:prstGeom>
-                <a:noFill/>
-              </p:spPr>
-              <p:txBody>
-                <a:bodyPr wrap="square" rtlCol="0">
-                  <a:spAutoFit/>
-                </a:bodyPr>
-                <a:lstStyle/>
-                <a:p>
-                  <a:pPr algn="ctr"/>
-                  <a:r>
-                    <a:rPr lang="en-US" sz="1100" dirty="0">
-                      <a:latin typeface="Arial" panose="020B0604020202020204" pitchFamily="34" charset="0"/>
-                      <a:cs typeface="Arial" panose="020B0604020202020204" pitchFamily="34" charset="0"/>
-                    </a:rPr>
-                    <a:t>ns</a:t>
-                  </a:r>
-                </a:p>
-              </p:txBody>
-            </p:sp>
-          </p:grpSp>
         </p:grpSp>
         <p:sp>
           <p:nvSpPr>
